--- a/trunk/doc/Presentation.pptx
+++ b/trunk/doc/Presentation.pptx
@@ -10,6 +10,12 @@
     <p:sldId id="258" r:id="rId4"/>
     <p:sldId id="259" r:id="rId5"/>
     <p:sldId id="260" r:id="rId6"/>
+    <p:sldId id="261" r:id="rId7"/>
+    <p:sldId id="262" r:id="rId8"/>
+    <p:sldId id="263" r:id="rId9"/>
+    <p:sldId id="264" r:id="rId10"/>
+    <p:sldId id="265" r:id="rId11"/>
+    <p:sldId id="266" r:id="rId12"/>
   </p:sldIdLst>
   <p:sldSz cx="9144000" cy="6858000" type="screen4x3"/>
   <p:notesSz cx="6858000" cy="9144000"/>
@@ -401,7 +407,8 @@
           <a:p>
             <a:fld id="{0C35B86D-3FAF-4029-966F-3C83973A04B7}" type="datetimeFigureOut">
               <a:rPr lang="en-US" smtClean="0"/>
-              <a:t>10/7/2012</a:t>
+              <a:pPr/>
+              <a:t>10/8/2012</a:t>
             </a:fld>
             <a:endParaRPr lang="en-US"/>
           </a:p>
@@ -424,6 +431,7 @@
           <a:p>
             <a:fld id="{5D15B11E-4CD1-4510-9F5E-1BEAFFC67257}" type="slidenum">
               <a:rPr lang="en-US" smtClean="0"/>
+              <a:pPr/>
               <a:t>‹#›</a:t>
             </a:fld>
             <a:endParaRPr lang="en-US"/>
@@ -566,7 +574,8 @@
           <a:p>
             <a:fld id="{0C35B86D-3FAF-4029-966F-3C83973A04B7}" type="datetimeFigureOut">
               <a:rPr lang="en-US" smtClean="0"/>
-              <a:t>10/7/2012</a:t>
+              <a:pPr/>
+              <a:t>10/8/2012</a:t>
             </a:fld>
             <a:endParaRPr lang="en-US"/>
           </a:p>
@@ -608,6 +617,7 @@
           <a:p>
             <a:fld id="{5D15B11E-4CD1-4510-9F5E-1BEAFFC67257}" type="slidenum">
               <a:rPr lang="en-US" smtClean="0"/>
+              <a:pPr/>
               <a:t>‹#›</a:t>
             </a:fld>
             <a:endParaRPr lang="en-US"/>
@@ -741,7 +751,8 @@
           <a:p>
             <a:fld id="{0C35B86D-3FAF-4029-966F-3C83973A04B7}" type="datetimeFigureOut">
               <a:rPr lang="en-US" smtClean="0"/>
-              <a:t>10/7/2012</a:t>
+              <a:pPr/>
+              <a:t>10/8/2012</a:t>
             </a:fld>
             <a:endParaRPr lang="en-US"/>
           </a:p>
@@ -783,6 +794,7 @@
           <a:p>
             <a:fld id="{5D15B11E-4CD1-4510-9F5E-1BEAFFC67257}" type="slidenum">
               <a:rPr lang="en-US" smtClean="0"/>
+              <a:pPr/>
               <a:t>‹#›</a:t>
             </a:fld>
             <a:endParaRPr lang="en-US"/>
@@ -888,7 +900,8 @@
           <a:p>
             <a:fld id="{0C35B86D-3FAF-4029-966F-3C83973A04B7}" type="datetimeFigureOut">
               <a:rPr lang="en-US" smtClean="0"/>
-              <a:t>10/7/2012</a:t>
+              <a:pPr/>
+              <a:t>10/8/2012</a:t>
             </a:fld>
             <a:endParaRPr lang="en-US"/>
           </a:p>
@@ -915,6 +928,7 @@
           <a:p>
             <a:fld id="{5D15B11E-4CD1-4510-9F5E-1BEAFFC67257}" type="slidenum">
               <a:rPr lang="en-US" smtClean="0"/>
+              <a:pPr/>
               <a:t>‹#›</a:t>
             </a:fld>
             <a:endParaRPr lang="en-US"/>
@@ -1005,7 +1019,8 @@
           <a:p>
             <a:fld id="{0C35B86D-3FAF-4029-966F-3C83973A04B7}" type="datetimeFigureOut">
               <a:rPr lang="en-US" smtClean="0"/>
-              <a:t>10/7/2012</a:t>
+              <a:pPr/>
+              <a:t>10/8/2012</a:t>
             </a:fld>
             <a:endParaRPr lang="en-US"/>
           </a:p>
@@ -1047,6 +1062,7 @@
           <a:p>
             <a:fld id="{5D15B11E-4CD1-4510-9F5E-1BEAFFC67257}" type="slidenum">
               <a:rPr lang="en-US" smtClean="0"/>
+              <a:pPr/>
               <a:t>‹#›</a:t>
             </a:fld>
             <a:endParaRPr lang="en-US"/>
@@ -1275,7 +1291,8 @@
           <a:p>
             <a:fld id="{0C35B86D-3FAF-4029-966F-3C83973A04B7}" type="datetimeFigureOut">
               <a:rPr lang="en-US" smtClean="0"/>
-              <a:t>10/7/2012</a:t>
+              <a:pPr/>
+              <a:t>10/8/2012</a:t>
             </a:fld>
             <a:endParaRPr lang="en-US"/>
           </a:p>
@@ -1317,6 +1334,7 @@
           <a:p>
             <a:fld id="{5D15B11E-4CD1-4510-9F5E-1BEAFFC67257}" type="slidenum">
               <a:rPr lang="en-US" smtClean="0"/>
+              <a:pPr/>
               <a:t>‹#›</a:t>
             </a:fld>
             <a:endParaRPr lang="en-US"/>
@@ -1502,6 +1520,7 @@
           <a:p>
             <a:fld id="{5D15B11E-4CD1-4510-9F5E-1BEAFFC67257}" type="slidenum">
               <a:rPr lang="en-US" smtClean="0"/>
+              <a:pPr/>
               <a:t>‹#›</a:t>
             </a:fld>
             <a:endParaRPr lang="en-US"/>
@@ -1544,7 +1563,8 @@
           <a:p>
             <a:fld id="{0C35B86D-3FAF-4029-966F-3C83973A04B7}" type="datetimeFigureOut">
               <a:rPr lang="en-US" smtClean="0"/>
-              <a:t>10/7/2012</a:t>
+              <a:pPr/>
+              <a:t>10/8/2012</a:t>
             </a:fld>
             <a:endParaRPr lang="en-US"/>
           </a:p>
@@ -1991,7 +2011,8 @@
           <a:p>
             <a:fld id="{0C35B86D-3FAF-4029-966F-3C83973A04B7}" type="datetimeFigureOut">
               <a:rPr lang="en-US" smtClean="0"/>
-              <a:t>10/7/2012</a:t>
+              <a:pPr/>
+              <a:t>10/8/2012</a:t>
             </a:fld>
             <a:endParaRPr lang="en-US"/>
           </a:p>
@@ -2033,6 +2054,7 @@
           <a:p>
             <a:fld id="{5D15B11E-4CD1-4510-9F5E-1BEAFFC67257}" type="slidenum">
               <a:rPr lang="en-US" smtClean="0"/>
+              <a:pPr/>
               <a:t>‹#›</a:t>
             </a:fld>
             <a:endParaRPr lang="en-US"/>
@@ -2104,7 +2126,8 @@
           <a:p>
             <a:fld id="{0C35B86D-3FAF-4029-966F-3C83973A04B7}" type="datetimeFigureOut">
               <a:rPr lang="en-US" smtClean="0"/>
-              <a:t>10/7/2012</a:t>
+              <a:pPr/>
+              <a:t>10/8/2012</a:t>
             </a:fld>
             <a:endParaRPr lang="en-US"/>
           </a:p>
@@ -2146,6 +2169,7 @@
           <a:p>
             <a:fld id="{5D15B11E-4CD1-4510-9F5E-1BEAFFC67257}" type="slidenum">
               <a:rPr lang="en-US" smtClean="0"/>
+              <a:pPr/>
               <a:t>‹#›</a:t>
             </a:fld>
             <a:endParaRPr lang="en-US"/>
@@ -2354,7 +2378,8 @@
           <a:p>
             <a:fld id="{0C35B86D-3FAF-4029-966F-3C83973A04B7}" type="datetimeFigureOut">
               <a:rPr lang="en-US" smtClean="0"/>
-              <a:t>10/7/2012</a:t>
+              <a:pPr/>
+              <a:t>10/8/2012</a:t>
             </a:fld>
             <a:endParaRPr lang="en-US"/>
           </a:p>
@@ -2377,6 +2402,7 @@
           <a:p>
             <a:fld id="{5D15B11E-4CD1-4510-9F5E-1BEAFFC67257}" type="slidenum">
               <a:rPr lang="en-US" smtClean="0"/>
+              <a:pPr/>
               <a:t>‹#›</a:t>
             </a:fld>
             <a:endParaRPr lang="en-US"/>
@@ -2594,7 +2620,8 @@
           <a:p>
             <a:fld id="{0C35B86D-3FAF-4029-966F-3C83973A04B7}" type="datetimeFigureOut">
               <a:rPr lang="en-US" smtClean="0"/>
-              <a:t>10/7/2012</a:t>
+              <a:pPr/>
+              <a:t>10/8/2012</a:t>
             </a:fld>
             <a:endParaRPr lang="en-US"/>
           </a:p>
@@ -2617,6 +2644,7 @@
           <a:p>
             <a:fld id="{5D15B11E-4CD1-4510-9F5E-1BEAFFC67257}" type="slidenum">
               <a:rPr lang="en-US" smtClean="0"/>
+              <a:pPr/>
               <a:t>‹#›</a:t>
             </a:fld>
             <a:endParaRPr lang="en-US"/>
@@ -2767,7 +2795,8 @@
           <a:p>
             <a:fld id="{0C35B86D-3FAF-4029-966F-3C83973A04B7}" type="datetimeFigureOut">
               <a:rPr lang="en-US" smtClean="0"/>
-              <a:t>10/7/2012</a:t>
+              <a:pPr/>
+              <a:t>10/8/2012</a:t>
             </a:fld>
             <a:endParaRPr lang="en-US"/>
           </a:p>
@@ -2844,6 +2873,7 @@
           <a:p>
             <a:fld id="{5D15B11E-4CD1-4510-9F5E-1BEAFFC67257}" type="slidenum">
               <a:rPr lang="en-US" smtClean="0"/>
+              <a:pPr/>
               <a:t>‹#›</a:t>
             </a:fld>
             <a:endParaRPr lang="en-US"/>
@@ -3292,6 +3322,325 @@
 </p:sld>
 </file>
 
+<file path=ppt/slides/slide10.xml><?xml version="1.0" encoding="utf-8"?>
+<p:sld xmlns:a="http://schemas.openxmlformats.org/drawingml/2006/main" xmlns:r="http://schemas.openxmlformats.org/officeDocument/2006/relationships" xmlns:p="http://schemas.openxmlformats.org/presentationml/2006/main">
+  <p:cSld>
+    <p:spTree>
+      <p:nvGrpSpPr>
+        <p:cNvPr id="1" name=""/>
+        <p:cNvGrpSpPr/>
+        <p:nvPr/>
+      </p:nvGrpSpPr>
+      <p:grpSpPr>
+        <a:xfrm>
+          <a:off x="0" y="0"/>
+          <a:ext cx="0" cy="0"/>
+          <a:chOff x="0" y="0"/>
+          <a:chExt cx="0" cy="0"/>
+        </a:xfrm>
+      </p:grpSpPr>
+      <p:sp>
+        <p:nvSpPr>
+          <p:cNvPr id="2" name="Content Placeholder 1"/>
+          <p:cNvSpPr>
+            <a:spLocks noGrp="1"/>
+          </p:cNvSpPr>
+          <p:nvPr>
+            <p:ph idx="1"/>
+          </p:nvPr>
+        </p:nvSpPr>
+        <p:spPr/>
+        <p:txBody>
+          <a:bodyPr>
+            <a:normAutofit lnSpcReduction="10000"/>
+          </a:bodyPr>
+          <a:lstStyle/>
+          <a:p>
+            <a:r>
+              <a:rPr lang="bg-BG" dirty="0" smtClean="0"/>
+              <a:t>Jotov, Vl. </a:t>
+            </a:r>
+            <a:r>
+              <a:rPr lang="bg-BG" b="1" dirty="0" smtClean="0"/>
+              <a:t>An investigation on the approaches for version control systems</a:t>
+            </a:r>
+            <a:r>
+              <a:rPr lang="bg-BG" dirty="0" smtClean="0"/>
+              <a:t>. </a:t>
+            </a:r>
+            <a:r>
+              <a:rPr lang="bg-BG" dirty="0" smtClean="0"/>
+              <a:t>CompSysTech’08</a:t>
+            </a:r>
+            <a:r>
+              <a:rPr lang="bg-BG" dirty="0" smtClean="0"/>
+              <a:t>, Gabrovo, Bulgaria, 12-13 June, </a:t>
+            </a:r>
+            <a:r>
+              <a:rPr lang="bg-BG" dirty="0" smtClean="0"/>
+              <a:t>2008</a:t>
+            </a:r>
+            <a:r>
+              <a:rPr lang="bg-BG" dirty="0" smtClean="0"/>
+              <a:t>.</a:t>
+            </a:r>
+            <a:endParaRPr lang="bg-BG" dirty="0" smtClean="0"/>
+          </a:p>
+          <a:p>
+            <a:r>
+              <a:rPr lang="bg-BG" dirty="0" smtClean="0"/>
+              <a:t>Jotov, V</a:t>
+            </a:r>
+            <a:r>
+              <a:rPr lang="en-US" dirty="0" smtClean="0"/>
+              <a:t>l</a:t>
+            </a:r>
+            <a:r>
+              <a:rPr lang="bg-BG" dirty="0" smtClean="0"/>
+              <a:t>. </a:t>
+            </a:r>
+            <a:r>
+              <a:rPr lang="bg-BG" b="1" dirty="0" smtClean="0"/>
+              <a:t>Transaction over versioned objects in hierarchical workspace environment</a:t>
+            </a:r>
+            <a:r>
+              <a:rPr lang="bg-BG" dirty="0" smtClean="0"/>
+              <a:t>. </a:t>
+            </a:r>
+            <a:r>
+              <a:rPr lang="bg-BG" dirty="0" smtClean="0"/>
+              <a:t>International </a:t>
+            </a:r>
+            <a:r>
+              <a:rPr lang="bg-BG" dirty="0" smtClean="0"/>
+              <a:t>Conference on Electronics, Computers and Artificial Intelligence – ECAI” 09, 3-5 July, Pitesti, Romania, </a:t>
+            </a:r>
+            <a:r>
+              <a:rPr lang="bg-BG" dirty="0" smtClean="0"/>
+              <a:t>2009.</a:t>
+            </a:r>
+          </a:p>
+          <a:p>
+            <a:r>
+              <a:rPr lang="bg-BG" dirty="0" smtClean="0"/>
+              <a:t>Jotov, V</a:t>
+            </a:r>
+            <a:r>
+              <a:rPr lang="en-US" dirty="0" smtClean="0"/>
+              <a:t>l</a:t>
+            </a:r>
+            <a:r>
+              <a:rPr lang="bg-BG" dirty="0" smtClean="0"/>
+              <a:t>.</a:t>
+            </a:r>
+            <a:r>
+              <a:rPr lang="en-US" dirty="0" smtClean="0"/>
+              <a:t>, </a:t>
+            </a:r>
+            <a:r>
+              <a:rPr lang="bg-BG" b="1" dirty="0" smtClean="0"/>
+              <a:t>Towards a model of versioning domain</a:t>
+            </a:r>
+            <a:r>
+              <a:rPr lang="bg-BG" dirty="0" smtClean="0"/>
+              <a:t>. In: 2009 5th Central and Eastern European Software Engineering Conference in Russia (CEE – SECR), Moscow, 28-29 October, 2009</a:t>
+            </a:r>
+          </a:p>
+          <a:p>
+            <a:endParaRPr lang="en-US" dirty="0"/>
+          </a:p>
+        </p:txBody>
+      </p:sp>
+      <p:sp>
+        <p:nvSpPr>
+          <p:cNvPr id="3" name="Title 2"/>
+          <p:cNvSpPr>
+            <a:spLocks noGrp="1"/>
+          </p:cNvSpPr>
+          <p:nvPr>
+            <p:ph type="title"/>
+          </p:nvPr>
+        </p:nvSpPr>
+        <p:spPr/>
+        <p:txBody>
+          <a:bodyPr>
+            <a:normAutofit fontScale="90000"/>
+          </a:bodyPr>
+          <a:lstStyle/>
+          <a:p>
+            <a:r>
+              <a:rPr lang="bg-BG" b="1" cap="all" dirty="0" smtClean="0"/>
+              <a:t>Публикации, свързани с дисертационния </a:t>
+            </a:r>
+            <a:r>
+              <a:rPr lang="bg-BG" b="1" cap="all" dirty="0" smtClean="0"/>
+              <a:t>труд</a:t>
+            </a:r>
+            <a:endParaRPr lang="en-US" dirty="0"/>
+          </a:p>
+        </p:txBody>
+      </p:sp>
+    </p:spTree>
+  </p:cSld>
+  <p:clrMapOvr>
+    <a:masterClrMapping/>
+  </p:clrMapOvr>
+</p:sld>
+</file>
+
+<file path=ppt/slides/slide11.xml><?xml version="1.0" encoding="utf-8"?>
+<p:sld xmlns:a="http://schemas.openxmlformats.org/drawingml/2006/main" xmlns:r="http://schemas.openxmlformats.org/officeDocument/2006/relationships" xmlns:p="http://schemas.openxmlformats.org/presentationml/2006/main">
+  <p:cSld>
+    <p:spTree>
+      <p:nvGrpSpPr>
+        <p:cNvPr id="1" name=""/>
+        <p:cNvGrpSpPr/>
+        <p:nvPr/>
+      </p:nvGrpSpPr>
+      <p:grpSpPr>
+        <a:xfrm>
+          <a:off x="0" y="0"/>
+          <a:ext cx="0" cy="0"/>
+          <a:chOff x="0" y="0"/>
+          <a:chExt cx="0" cy="0"/>
+        </a:xfrm>
+      </p:grpSpPr>
+      <p:sp>
+        <p:nvSpPr>
+          <p:cNvPr id="2" name="Content Placeholder 1"/>
+          <p:cNvSpPr>
+            <a:spLocks noGrp="1"/>
+          </p:cNvSpPr>
+          <p:nvPr>
+            <p:ph idx="1"/>
+          </p:nvPr>
+        </p:nvSpPr>
+        <p:spPr/>
+        <p:txBody>
+          <a:bodyPr>
+            <a:normAutofit/>
+          </a:bodyPr>
+          <a:lstStyle/>
+          <a:p>
+            <a:r>
+              <a:rPr lang="bg-BG" dirty="0" smtClean="0"/>
+              <a:t>Йотов</a:t>
+            </a:r>
+            <a:r>
+              <a:rPr lang="bg-BG" dirty="0" smtClean="0"/>
+              <a:t>, В</a:t>
+            </a:r>
+            <a:r>
+              <a:rPr lang="ru-RU" dirty="0" smtClean="0"/>
+              <a:t>л</a:t>
+            </a:r>
+            <a:r>
+              <a:rPr lang="bg-BG" dirty="0" smtClean="0"/>
+              <a:t>., </a:t>
+            </a:r>
+            <a:r>
+              <a:rPr lang="bg-BG" b="1" dirty="0" smtClean="0"/>
+              <a:t>Модел на данните в система за контрол на версии, базирана на йерархични работни прстранства</a:t>
+            </a:r>
+            <a:r>
+              <a:rPr lang="bg-BG" dirty="0" smtClean="0"/>
+              <a:t>. </a:t>
+            </a:r>
+            <a:r>
+              <a:rPr lang="bg-BG" dirty="0" smtClean="0"/>
+              <a:t>Научна </a:t>
+            </a:r>
+            <a:r>
+              <a:rPr lang="bg-BG" dirty="0" smtClean="0"/>
+              <a:t>конференция с международно участие „25 години Педагогически факултет</a:t>
+            </a:r>
+            <a:r>
+              <a:rPr lang="bg-BG" dirty="0" smtClean="0"/>
+              <a:t>.,Велико </a:t>
+            </a:r>
+            <a:r>
+              <a:rPr lang="bg-BG" dirty="0" smtClean="0"/>
+              <a:t>Търново, </a:t>
+            </a:r>
+            <a:r>
+              <a:rPr lang="bg-BG" dirty="0" smtClean="0"/>
+              <a:t>2009.</a:t>
+            </a:r>
+          </a:p>
+          <a:p>
+            <a:r>
+              <a:rPr lang="bg-BG" dirty="0" smtClean="0"/>
+              <a:t>Jotov, V</a:t>
+            </a:r>
+            <a:r>
+              <a:rPr lang="en-US" dirty="0" smtClean="0"/>
+              <a:t>l</a:t>
+            </a:r>
+            <a:r>
+              <a:rPr lang="bg-BG" dirty="0" smtClean="0"/>
+              <a:t>.</a:t>
+            </a:r>
+            <a:r>
+              <a:rPr lang="en-US" dirty="0" smtClean="0"/>
+              <a:t>,</a:t>
+            </a:r>
+            <a:r>
+              <a:rPr lang="bg-BG" dirty="0" smtClean="0"/>
+              <a:t> </a:t>
+            </a:r>
+            <a:r>
+              <a:rPr lang="bg-BG" b="1" dirty="0" smtClean="0"/>
+              <a:t>Adaptation of Event-Based Traceability Method for Environment with Hierarchal Composed Workspaces</a:t>
+            </a:r>
+            <a:r>
+              <a:rPr lang="bg-BG" dirty="0" smtClean="0"/>
+              <a:t>. In: John Atanassov Celebration Days. Internajional Conference Automatics and Inforatics’10. Proceedings,Bulgaria, Sofia, October 3-7, </a:t>
+            </a:r>
+            <a:r>
+              <a:rPr lang="bg-BG" dirty="0" smtClean="0"/>
+              <a:t>2010.</a:t>
+            </a:r>
+            <a:endParaRPr lang="en-US" dirty="0"/>
+          </a:p>
+        </p:txBody>
+      </p:sp>
+      <p:sp>
+        <p:nvSpPr>
+          <p:cNvPr id="3" name="Title 2"/>
+          <p:cNvSpPr>
+            <a:spLocks noGrp="1"/>
+          </p:cNvSpPr>
+          <p:nvPr>
+            <p:ph type="title"/>
+          </p:nvPr>
+        </p:nvSpPr>
+        <p:spPr/>
+        <p:txBody>
+          <a:bodyPr>
+            <a:normAutofit fontScale="90000"/>
+          </a:bodyPr>
+          <a:lstStyle/>
+          <a:p>
+            <a:r>
+              <a:rPr lang="bg-BG" b="1" cap="all" dirty="0" smtClean="0"/>
+              <a:t>Публикации, свързани с дисертационния </a:t>
+            </a:r>
+            <a:r>
+              <a:rPr lang="bg-BG" b="1" cap="all" dirty="0" smtClean="0"/>
+              <a:t>труд (2/3)</a:t>
+            </a:r>
+            <a:endParaRPr lang="en-US" dirty="0"/>
+          </a:p>
+        </p:txBody>
+      </p:sp>
+    </p:spTree>
+  </p:cSld>
+  <p:clrMapOvr>
+    <a:masterClrMapping/>
+  </p:clrMapOvr>
+</p:sld>
+</file>
+
 <file path=ppt/slides/slide2.xml><?xml version="1.0" encoding="utf-8"?>
 <p:sld xmlns:a="http://schemas.openxmlformats.org/drawingml/2006/main" xmlns:r="http://schemas.openxmlformats.org/officeDocument/2006/relationships" xmlns:p="http://schemas.openxmlformats.org/presentationml/2006/main">
   <p:cSld>
@@ -3326,15 +3675,7 @@
           <a:p>
             <a:r>
               <a:rPr lang="bg-BG" dirty="0" smtClean="0"/>
-              <a:t>Цел: </a:t>
-            </a:r>
-            <a:r>
-              <a:rPr lang="bg-BG" dirty="0" smtClean="0"/>
-              <a:t>Изследване и създаване на модели за управление на софтуерни версии версии в среда, базирана на йерархично композирани работни пространства, които да послужат за създаването на прототип на система за управление на </a:t>
-            </a:r>
-            <a:r>
-              <a:rPr lang="bg-BG" dirty="0" smtClean="0"/>
-              <a:t>версии.</a:t>
+              <a:t>Цел: Изследване и създаване на модели за управление на софтуерни версии версии в среда, базирана на йерархично композирани работни пространства, които да послужат за създаването на прототип на система за управление на версии.</a:t>
             </a:r>
           </a:p>
           <a:p>
@@ -3425,11 +3766,7 @@
             </a:pPr>
             <a:r>
               <a:rPr lang="bg-BG" dirty="0" smtClean="0"/>
-              <a:t>Да се създаде модел на среда с йерархично композирани работни пространства, както и да се определят правилата за управление на версия на обекти в тази </a:t>
-            </a:r>
-            <a:r>
-              <a:rPr lang="bg-BG" dirty="0" smtClean="0"/>
-              <a:t>среда.</a:t>
+              <a:t>Да се създаде модел на среда с йерархично композирани работни пространства, както и да се определят правилата за управление на версия на обекти в тази среда.</a:t>
             </a:r>
           </a:p>
           <a:p>
@@ -3439,11 +3776,7 @@
             </a:pPr>
             <a:r>
               <a:rPr lang="bg-BG" dirty="0" smtClean="0"/>
-              <a:t>Да се адаптира метод за проследимост на промени, базиран на събития, за среда с модел на йерархично композирани работни пространства</a:t>
-            </a:r>
-            <a:r>
-              <a:rPr lang="bg-BG" dirty="0" smtClean="0"/>
-              <a:t>.</a:t>
+              <a:t>Да се адаптира метод за проследимост на промени, базиран на събития, за среда с модел на йерархично композирани работни пространства.</a:t>
             </a:r>
           </a:p>
           <a:p>
@@ -3453,11 +3786,7 @@
             </a:pPr>
             <a:r>
               <a:rPr lang="bg-BG" dirty="0" smtClean="0"/>
-              <a:t>Да се определи терминологията в областта на версионизирането с използването на йерархично композирани работни пространства</a:t>
-            </a:r>
-            <a:r>
-              <a:rPr lang="bg-BG" dirty="0" smtClean="0"/>
-              <a:t>.</a:t>
+              <a:t>Да се определи терминологията в областта на версионизирането с използването на йерархично композирани работни пространства.</a:t>
             </a:r>
           </a:p>
           <a:p>
@@ -3486,11 +3815,7 @@
           <a:p>
             <a:r>
               <a:rPr lang="bg-BG" dirty="0" smtClean="0"/>
-              <a:t>Цели и </a:t>
-            </a:r>
-            <a:r>
-              <a:rPr lang="bg-BG" dirty="0" smtClean="0"/>
-              <a:t>задачи (2/3)</a:t>
+              <a:t>Цели и задачи (2/3)</a:t>
             </a:r>
             <a:endParaRPr lang="en-US" dirty="0"/>
           </a:p>
@@ -3542,11 +3867,7 @@
             </a:pPr>
             <a:r>
               <a:rPr lang="bg-BG" dirty="0" smtClean="0"/>
-              <a:t>Да се създаде методологична рамка за създаване на софтуерни продукти в среда с йерархично композирани работни </a:t>
-            </a:r>
-            <a:r>
-              <a:rPr lang="bg-BG" dirty="0" smtClean="0"/>
-              <a:t>пространства.</a:t>
+              <a:t>Да се създаде методологична рамка за създаване на софтуерни продукти в среда с йерархично композирани работни пространства.</a:t>
             </a:r>
           </a:p>
           <a:p>
@@ -3556,11 +3877,7 @@
             </a:pPr>
             <a:r>
               <a:rPr lang="bg-BG" dirty="0" smtClean="0"/>
-              <a:t>Да се увеличи степента на автоматизация на дейностите при създаване на софтуерни продукти, в следствие на използване на разработените </a:t>
-            </a:r>
-            <a:r>
-              <a:rPr lang="bg-BG" dirty="0" smtClean="0"/>
-              <a:t>модели.</a:t>
+              <a:t>Да се увеличи степента на автоматизация на дейностите при създаване на софтуерни продукти, в следствие на използване на разработените модели.</a:t>
             </a:r>
             <a:endParaRPr lang="en-US" dirty="0"/>
           </a:p>
@@ -3633,43 +3950,19 @@
           <a:p>
             <a:r>
               <a:rPr lang="bg-BG" dirty="0" smtClean="0"/>
-              <a:t>Прърва глава – Управление </a:t>
-            </a:r>
-            <a:r>
-              <a:rPr lang="bg-BG" dirty="0" smtClean="0"/>
-              <a:t>на версията при създаването на софтуерни </a:t>
-            </a:r>
-            <a:r>
-              <a:rPr lang="bg-BG" dirty="0" smtClean="0"/>
-              <a:t>системи.</a:t>
-            </a:r>
-          </a:p>
-          <a:p>
-            <a:r>
-              <a:rPr lang="bg-BG" dirty="0" smtClean="0"/>
-              <a:t>Втора глава – Модели </a:t>
-            </a:r>
-            <a:r>
-              <a:rPr lang="bg-BG" dirty="0" smtClean="0"/>
-              <a:t>за управление на версии в среда с йерархична композиция на работни </a:t>
-            </a:r>
-            <a:r>
-              <a:rPr lang="bg-BG" dirty="0" smtClean="0"/>
-              <a:t>пространства.</a:t>
-            </a:r>
-          </a:p>
-          <a:p>
-            <a:r>
-              <a:rPr lang="bg-BG" dirty="0" smtClean="0"/>
-              <a:t>Трета глава – Изследване </a:t>
-            </a:r>
-            <a:r>
-              <a:rPr lang="bg-BG" dirty="0" smtClean="0"/>
-              <a:t>на приложимостта на </a:t>
-            </a:r>
-            <a:r>
-              <a:rPr lang="bg-BG" dirty="0" smtClean="0"/>
-              <a:t>моделите.</a:t>
+              <a:t>Прърва глава – Управление на версията при създаването на софтуерни системи.</a:t>
+            </a:r>
+          </a:p>
+          <a:p>
+            <a:r>
+              <a:rPr lang="bg-BG" dirty="0" smtClean="0"/>
+              <a:t>Втора глава – Модели за управление на версии в среда с йерархична композиция на работни пространства.</a:t>
+            </a:r>
+          </a:p>
+          <a:p>
+            <a:r>
+              <a:rPr lang="bg-BG" dirty="0" smtClean="0"/>
+              <a:t>Трета глава – Изследване на приложимостта на моделите.</a:t>
             </a:r>
           </a:p>
           <a:p>
@@ -3681,32 +3974,27 @@
           <a:p>
             <a:r>
               <a:rPr lang="bg-BG" dirty="0" smtClean="0"/>
-              <a:t>Библиография – </a:t>
-            </a:r>
-            <a:r>
-              <a:rPr lang="bg-BG" smtClean="0"/>
-              <a:t>112 позиции.</a:t>
-            </a:r>
-            <a:endParaRPr lang="bg-BG" dirty="0" smtClean="0"/>
-          </a:p>
-          <a:p>
-            <a:r>
-              <a:rPr lang="bg-BG" dirty="0" smtClean="0"/>
-              <a:t>Приложение 1 – Описание </a:t>
-            </a:r>
-            <a:r>
-              <a:rPr lang="bg-BG" dirty="0" smtClean="0"/>
-              <a:t>на модела на </a:t>
-            </a:r>
-            <a:r>
-              <a:rPr lang="bg-BG" dirty="0" smtClean="0"/>
-              <a:t>данните</a:t>
-            </a:r>
-          </a:p>
-          <a:p>
-            <a:r>
-              <a:rPr lang="bg-BG" dirty="0" smtClean="0"/>
-              <a:t>Приложение 2 – Прототип на системата (на диск)</a:t>
+              <a:t>Библиография – 112 позиции.</a:t>
+            </a:r>
+          </a:p>
+          <a:p>
+            <a:r>
+              <a:rPr lang="bg-BG" dirty="0" smtClean="0"/>
+              <a:t>Приложение 1 – Описание на модела на данните</a:t>
+            </a:r>
+          </a:p>
+          <a:p>
+            <a:r>
+              <a:rPr lang="bg-BG" dirty="0" smtClean="0"/>
+              <a:t>Приложение 2 – Прототип на </a:t>
+            </a:r>
+            <a:r>
+              <a:rPr lang="bg-BG" dirty="0" smtClean="0"/>
+              <a:t>система </a:t>
+            </a:r>
+            <a:r>
+              <a:rPr lang="bg-BG" dirty="0" smtClean="0"/>
+              <a:t>(на диск)</a:t>
             </a:r>
             <a:endParaRPr lang="en-US" dirty="0"/>
           </a:p>
@@ -3730,6 +4018,310 @@
             <a:r>
               <a:rPr lang="bg-BG" dirty="0" smtClean="0"/>
               <a:t>Структура на дисертацията</a:t>
+            </a:r>
+            <a:endParaRPr lang="en-US" dirty="0"/>
+          </a:p>
+        </p:txBody>
+      </p:sp>
+    </p:spTree>
+  </p:cSld>
+  <p:clrMapOvr>
+    <a:masterClrMapping/>
+  </p:clrMapOvr>
+</p:sld>
+</file>
+
+<file path=ppt/slides/slide6.xml><?xml version="1.0" encoding="utf-8"?>
+<p:sld xmlns:a="http://schemas.openxmlformats.org/drawingml/2006/main" xmlns:r="http://schemas.openxmlformats.org/officeDocument/2006/relationships" xmlns:p="http://schemas.openxmlformats.org/presentationml/2006/main">
+  <p:cSld>
+    <p:spTree>
+      <p:nvGrpSpPr>
+        <p:cNvPr id="1" name=""/>
+        <p:cNvGrpSpPr/>
+        <p:nvPr/>
+      </p:nvGrpSpPr>
+      <p:grpSpPr>
+        <a:xfrm>
+          <a:off x="0" y="0"/>
+          <a:ext cx="0" cy="0"/>
+          <a:chOff x="0" y="0"/>
+          <a:chExt cx="0" cy="0"/>
+        </a:xfrm>
+      </p:grpSpPr>
+      <p:sp>
+        <p:nvSpPr>
+          <p:cNvPr id="2" name="Content Placeholder 1"/>
+          <p:cNvSpPr>
+            <a:spLocks noGrp="1"/>
+          </p:cNvSpPr>
+          <p:nvPr>
+            <p:ph idx="1"/>
+          </p:nvPr>
+        </p:nvSpPr>
+        <p:spPr/>
+        <p:txBody>
+          <a:bodyPr/>
+          <a:lstStyle/>
+          <a:p>
+            <a:endParaRPr lang="en-US" dirty="0"/>
+          </a:p>
+        </p:txBody>
+      </p:sp>
+      <p:sp>
+        <p:nvSpPr>
+          <p:cNvPr id="3" name="Title 2"/>
+          <p:cNvSpPr>
+            <a:spLocks noGrp="1"/>
+          </p:cNvSpPr>
+          <p:nvPr>
+            <p:ph type="title"/>
+          </p:nvPr>
+        </p:nvSpPr>
+        <p:spPr/>
+        <p:txBody>
+          <a:bodyPr>
+            <a:normAutofit/>
+          </a:bodyPr>
+          <a:lstStyle/>
+          <a:p>
+            <a:r>
+              <a:rPr lang="bg-BG" sz="3600" dirty="0" smtClean="0"/>
+              <a:t>Първа глава – </a:t>
+            </a:r>
+            <a:r>
+              <a:rPr lang="bg-BG" sz="3600" dirty="0" smtClean="0"/>
+              <a:t>Управление на версията при създаването на софтуерни системи</a:t>
+            </a:r>
+            <a:endParaRPr lang="en-US" sz="3600" dirty="0"/>
+          </a:p>
+        </p:txBody>
+      </p:sp>
+    </p:spTree>
+  </p:cSld>
+  <p:clrMapOvr>
+    <a:masterClrMapping/>
+  </p:clrMapOvr>
+</p:sld>
+</file>
+
+<file path=ppt/slides/slide7.xml><?xml version="1.0" encoding="utf-8"?>
+<p:sld xmlns:a="http://schemas.openxmlformats.org/drawingml/2006/main" xmlns:r="http://schemas.openxmlformats.org/officeDocument/2006/relationships" xmlns:p="http://schemas.openxmlformats.org/presentationml/2006/main">
+  <p:cSld>
+    <p:spTree>
+      <p:nvGrpSpPr>
+        <p:cNvPr id="1" name=""/>
+        <p:cNvGrpSpPr/>
+        <p:nvPr/>
+      </p:nvGrpSpPr>
+      <p:grpSpPr>
+        <a:xfrm>
+          <a:off x="0" y="0"/>
+          <a:ext cx="0" cy="0"/>
+          <a:chOff x="0" y="0"/>
+          <a:chExt cx="0" cy="0"/>
+        </a:xfrm>
+      </p:grpSpPr>
+      <p:sp>
+        <p:nvSpPr>
+          <p:cNvPr id="2" name="Content Placeholder 1"/>
+          <p:cNvSpPr>
+            <a:spLocks noGrp="1"/>
+          </p:cNvSpPr>
+          <p:nvPr>
+            <p:ph idx="1"/>
+          </p:nvPr>
+        </p:nvSpPr>
+        <p:spPr>
+          <a:xfrm>
+            <a:off x="457200" y="1981200"/>
+            <a:ext cx="8229600" cy="4114800"/>
+          </a:xfrm>
+        </p:spPr>
+        <p:txBody>
+          <a:bodyPr/>
+          <a:lstStyle/>
+          <a:p>
+            <a:endParaRPr lang="en-US" dirty="0"/>
+          </a:p>
+        </p:txBody>
+      </p:sp>
+      <p:sp>
+        <p:nvSpPr>
+          <p:cNvPr id="3" name="Title 2"/>
+          <p:cNvSpPr>
+            <a:spLocks noGrp="1"/>
+          </p:cNvSpPr>
+          <p:nvPr>
+            <p:ph type="title"/>
+          </p:nvPr>
+        </p:nvSpPr>
+        <p:spPr>
+          <a:xfrm>
+            <a:off x="457200" y="152400"/>
+            <a:ext cx="8229600" cy="1676400"/>
+          </a:xfrm>
+        </p:spPr>
+        <p:txBody>
+          <a:bodyPr>
+            <a:noAutofit/>
+          </a:bodyPr>
+          <a:lstStyle/>
+          <a:p>
+            <a:r>
+              <a:rPr lang="bg-BG" sz="3600" dirty="0" smtClean="0"/>
+              <a:t>Втора глава – </a:t>
+            </a:r>
+            <a:r>
+              <a:rPr lang="bg-BG" sz="3600" dirty="0" smtClean="0"/>
+              <a:t>Модели за управление на версии в среда с йерархична композиция на работни </a:t>
+            </a:r>
+            <a:r>
+              <a:rPr lang="bg-BG" sz="3600" dirty="0" smtClean="0"/>
+              <a:t>пространства </a:t>
+            </a:r>
+            <a:endParaRPr lang="en-US" sz="3600" dirty="0"/>
+          </a:p>
+        </p:txBody>
+      </p:sp>
+    </p:spTree>
+  </p:cSld>
+  <p:clrMapOvr>
+    <a:masterClrMapping/>
+  </p:clrMapOvr>
+</p:sld>
+</file>
+
+<file path=ppt/slides/slide8.xml><?xml version="1.0" encoding="utf-8"?>
+<p:sld xmlns:a="http://schemas.openxmlformats.org/drawingml/2006/main" xmlns:r="http://schemas.openxmlformats.org/officeDocument/2006/relationships" xmlns:p="http://schemas.openxmlformats.org/presentationml/2006/main">
+  <p:cSld>
+    <p:spTree>
+      <p:nvGrpSpPr>
+        <p:cNvPr id="1" name=""/>
+        <p:cNvGrpSpPr/>
+        <p:nvPr/>
+      </p:nvGrpSpPr>
+      <p:grpSpPr>
+        <a:xfrm>
+          <a:off x="0" y="0"/>
+          <a:ext cx="0" cy="0"/>
+          <a:chOff x="0" y="0"/>
+          <a:chExt cx="0" cy="0"/>
+        </a:xfrm>
+      </p:grpSpPr>
+      <p:sp>
+        <p:nvSpPr>
+          <p:cNvPr id="2" name="Content Placeholder 1"/>
+          <p:cNvSpPr>
+            <a:spLocks noGrp="1"/>
+          </p:cNvSpPr>
+          <p:nvPr>
+            <p:ph idx="1"/>
+          </p:nvPr>
+        </p:nvSpPr>
+        <p:spPr/>
+        <p:txBody>
+          <a:bodyPr/>
+          <a:lstStyle/>
+          <a:p>
+            <a:endParaRPr lang="en-US"/>
+          </a:p>
+        </p:txBody>
+      </p:sp>
+      <p:sp>
+        <p:nvSpPr>
+          <p:cNvPr id="3" name="Title 2"/>
+          <p:cNvSpPr>
+            <a:spLocks noGrp="1"/>
+          </p:cNvSpPr>
+          <p:nvPr>
+            <p:ph type="title"/>
+          </p:nvPr>
+        </p:nvSpPr>
+        <p:spPr/>
+        <p:txBody>
+          <a:bodyPr>
+            <a:normAutofit fontScale="90000"/>
+          </a:bodyPr>
+          <a:lstStyle/>
+          <a:p>
+            <a:r>
+              <a:rPr lang="bg-BG" dirty="0" smtClean="0"/>
+              <a:t>Трета глава – Изследване на приложимостта на </a:t>
+            </a:r>
+            <a:r>
+              <a:rPr lang="bg-BG" dirty="0" smtClean="0"/>
+              <a:t>моделите</a:t>
+            </a:r>
+            <a:endParaRPr lang="en-US" dirty="0"/>
+          </a:p>
+        </p:txBody>
+      </p:sp>
+    </p:spTree>
+  </p:cSld>
+  <p:clrMapOvr>
+    <a:masterClrMapping/>
+  </p:clrMapOvr>
+</p:sld>
+</file>
+
+<file path=ppt/slides/slide9.xml><?xml version="1.0" encoding="utf-8"?>
+<p:sld xmlns:a="http://schemas.openxmlformats.org/drawingml/2006/main" xmlns:r="http://schemas.openxmlformats.org/officeDocument/2006/relationships" xmlns:p="http://schemas.openxmlformats.org/presentationml/2006/main">
+  <p:cSld>
+    <p:spTree>
+      <p:nvGrpSpPr>
+        <p:cNvPr id="1" name=""/>
+        <p:cNvGrpSpPr/>
+        <p:nvPr/>
+      </p:nvGrpSpPr>
+      <p:grpSpPr>
+        <a:xfrm>
+          <a:off x="0" y="0"/>
+          <a:ext cx="0" cy="0"/>
+          <a:chOff x="0" y="0"/>
+          <a:chExt cx="0" cy="0"/>
+        </a:xfrm>
+      </p:grpSpPr>
+      <p:sp>
+        <p:nvSpPr>
+          <p:cNvPr id="2" name="Content Placeholder 1"/>
+          <p:cNvSpPr>
+            <a:spLocks noGrp="1"/>
+          </p:cNvSpPr>
+          <p:nvPr>
+            <p:ph idx="1"/>
+          </p:nvPr>
+        </p:nvSpPr>
+        <p:spPr/>
+        <p:txBody>
+          <a:bodyPr/>
+          <a:lstStyle/>
+          <a:p>
+            <a:endParaRPr lang="en-US"/>
+          </a:p>
+        </p:txBody>
+      </p:sp>
+      <p:sp>
+        <p:nvSpPr>
+          <p:cNvPr id="3" name="Title 2"/>
+          <p:cNvSpPr>
+            <a:spLocks noGrp="1"/>
+          </p:cNvSpPr>
+          <p:nvPr>
+            <p:ph type="title"/>
+          </p:nvPr>
+        </p:nvSpPr>
+        <p:spPr/>
+        <p:txBody>
+          <a:bodyPr/>
+          <a:lstStyle/>
+          <a:p>
+            <a:r>
+              <a:rPr lang="bg-BG" dirty="0" smtClean="0"/>
+              <a:t>Научно-приложни </a:t>
+            </a:r>
+            <a:r>
+              <a:rPr lang="bg-BG" dirty="0" smtClean="0"/>
+              <a:t>приноси</a:t>
             </a:r>
             <a:endParaRPr lang="en-US" dirty="0"/>
           </a:p>

--- a/trunk/doc/Presentation.pptx
+++ b/trunk/doc/Presentation.pptx
@@ -11,11 +11,15 @@
     <p:sldId id="259" r:id="rId5"/>
     <p:sldId id="260" r:id="rId6"/>
     <p:sldId id="261" r:id="rId7"/>
-    <p:sldId id="262" r:id="rId8"/>
-    <p:sldId id="263" r:id="rId9"/>
-    <p:sldId id="264" r:id="rId10"/>
-    <p:sldId id="265" r:id="rId11"/>
-    <p:sldId id="266" r:id="rId12"/>
+    <p:sldId id="268" r:id="rId8"/>
+    <p:sldId id="262" r:id="rId9"/>
+    <p:sldId id="269" r:id="rId10"/>
+    <p:sldId id="263" r:id="rId11"/>
+    <p:sldId id="264" r:id="rId12"/>
+    <p:sldId id="267" r:id="rId13"/>
+    <p:sldId id="265" r:id="rId14"/>
+    <p:sldId id="266" r:id="rId15"/>
+    <p:sldId id="270" r:id="rId16"/>
   </p:sldIdLst>
   <p:sldSz cx="9144000" cy="6858000" type="screen4x3"/>
   <p:notesSz cx="6858000" cy="9144000"/>
@@ -3301,16 +3305,21 @@
             <p:ph type="ctrTitle"/>
           </p:nvPr>
         </p:nvSpPr>
-        <p:spPr/>
-        <p:txBody>
-          <a:bodyPr/>
-          <a:lstStyle/>
-          <a:p>
-            <a:r>
-              <a:rPr lang="bg-BG" sz="3200" dirty="0" smtClean="0"/>
+        <p:spPr>
+          <a:xfrm>
+            <a:off x="457200" y="609600"/>
+            <a:ext cx="8305800" cy="2805332"/>
+          </a:xfrm>
+        </p:spPr>
+        <p:txBody>
+          <a:bodyPr/>
+          <a:lstStyle/>
+          <a:p>
+            <a:r>
+              <a:rPr lang="bg-BG" sz="3600" b="1" dirty="0" smtClean="0"/>
               <a:t>МОДЕЛИ, БАЗИРАНИ НА ЙЕРАРХИЧНИ КОМПОЗИЦИИ ОТ ПРОСТРАНСТВА, ЗА УПРАВЛЕНИЕ НА СОФТУЕРНИ ВЕРСИИ</a:t>
             </a:r>
-            <a:endParaRPr lang="en-US" dirty="0"/>
+            <a:endParaRPr lang="en-US" sz="5400" b="1" dirty="0"/>
           </a:p>
         </p:txBody>
       </p:sp>
@@ -3352,101 +3361,48 @@
         <p:spPr/>
         <p:txBody>
           <a:bodyPr>
-            <a:normAutofit lnSpcReduction="10000"/>
+            <a:normAutofit/>
           </a:bodyPr>
           <a:lstStyle/>
           <a:p>
             <a:r>
-              <a:rPr lang="bg-BG" dirty="0" smtClean="0"/>
-              <a:t>Jotov, Vl. </a:t>
-            </a:r>
-            <a:r>
-              <a:rPr lang="bg-BG" b="1" dirty="0" smtClean="0"/>
-              <a:t>An investigation on the approaches for version control systems</a:t>
-            </a:r>
-            <a:r>
-              <a:rPr lang="bg-BG" dirty="0" smtClean="0"/>
-              <a:t>. </a:t>
-            </a:r>
-            <a:r>
-              <a:rPr lang="bg-BG" dirty="0" smtClean="0"/>
-              <a:t>CompSysTech’08</a:t>
-            </a:r>
-            <a:r>
-              <a:rPr lang="bg-BG" dirty="0" smtClean="0"/>
-              <a:t>, Gabrovo, Bulgaria, 12-13 June, </a:t>
-            </a:r>
-            <a:r>
-              <a:rPr lang="bg-BG" dirty="0" smtClean="0"/>
-              <a:t>2008</a:t>
-            </a:r>
-            <a:r>
-              <a:rPr lang="bg-BG" dirty="0" smtClean="0"/>
-              <a:t>.</a:t>
-            </a:r>
-            <a:endParaRPr lang="bg-BG" dirty="0" smtClean="0"/>
-          </a:p>
-          <a:p>
-            <a:r>
-              <a:rPr lang="bg-BG" dirty="0" smtClean="0"/>
-              <a:t>Jotov, V</a:t>
-            </a:r>
-            <a:r>
-              <a:rPr lang="en-US" dirty="0" smtClean="0"/>
-              <a:t>l</a:t>
-            </a:r>
-            <a:r>
-              <a:rPr lang="bg-BG" dirty="0" smtClean="0"/>
-              <a:t>. </a:t>
-            </a:r>
-            <a:r>
-              <a:rPr lang="bg-BG" b="1" dirty="0" smtClean="0"/>
-              <a:t>Transaction over versioned objects in hierarchical workspace environment</a:t>
-            </a:r>
-            <a:r>
-              <a:rPr lang="bg-BG" dirty="0" smtClean="0"/>
-              <a:t>. </a:t>
-            </a:r>
-            <a:r>
-              <a:rPr lang="bg-BG" dirty="0" smtClean="0"/>
-              <a:t>International </a:t>
-            </a:r>
-            <a:r>
-              <a:rPr lang="bg-BG" dirty="0" smtClean="0"/>
-              <a:t>Conference on Electronics, Computers and Artificial Intelligence – ECAI” 09, 3-5 July, Pitesti, Romania, </a:t>
-            </a:r>
-            <a:r>
-              <a:rPr lang="bg-BG" dirty="0" smtClean="0"/>
-              <a:t>2009.</a:t>
-            </a:r>
-          </a:p>
-          <a:p>
-            <a:r>
-              <a:rPr lang="bg-BG" dirty="0" smtClean="0"/>
-              <a:t>Jotov, V</a:t>
-            </a:r>
-            <a:r>
-              <a:rPr lang="en-US" dirty="0" smtClean="0"/>
-              <a:t>l</a:t>
-            </a:r>
-            <a:r>
-              <a:rPr lang="bg-BG" dirty="0" smtClean="0"/>
-              <a:t>.</a:t>
-            </a:r>
-            <a:r>
-              <a:rPr lang="en-US" dirty="0" smtClean="0"/>
-              <a:t>, </a:t>
-            </a:r>
-            <a:r>
-              <a:rPr lang="bg-BG" b="1" dirty="0" smtClean="0"/>
-              <a:t>Towards a model of versioning domain</a:t>
-            </a:r>
-            <a:r>
-              <a:rPr lang="bg-BG" dirty="0" smtClean="0"/>
-              <a:t>. In: 2009 5th Central and Eastern European Software Engineering Conference in Russia (CEE – SECR), Moscow, 28-29 October, 2009</a:t>
-            </a:r>
-          </a:p>
-          <a:p>
+              <a:rPr lang="ru-RU" dirty="0" smtClean="0"/>
+              <a:t>Възможности за реализиране на </a:t>
+            </a:r>
+            <a:r>
+              <a:rPr lang="ru-RU" dirty="0" smtClean="0"/>
+              <a:t>моделите. Избор на платформа и технологии за разработка.</a:t>
+            </a:r>
+          </a:p>
+          <a:p>
+            <a:r>
+              <a:rPr lang="ru-RU" dirty="0" smtClean="0"/>
+              <a:t>Организация процеса на разработка на прототипа. Навигационна схема на прототипа.</a:t>
+            </a:r>
+          </a:p>
+          <a:p>
+            <a:r>
+              <a:rPr lang="ru-RU" dirty="0" smtClean="0"/>
+              <a:t>Примерни модели за композиране на ВО – показват възможностите на моделите в свободата на определяне на гранулираността им.</a:t>
+            </a:r>
+          </a:p>
+          <a:p>
+            <a:r>
+              <a:rPr lang="ru-RU" dirty="0" smtClean="0"/>
+              <a:t>Сравнителен анализ на предимствата на моделите –</a:t>
+            </a:r>
+            <a:r>
+              <a:rPr lang="ru-RU" dirty="0" smtClean="0"/>
+              <a:t>експериментално-теоретично </a:t>
+            </a:r>
+            <a:r>
+              <a:rPr lang="bg-BG" dirty="0" smtClean="0"/>
+              <a:t>демонстрация на предимствата от използване на </a:t>
+            </a:r>
+            <a:r>
+              <a:rPr lang="bg-BG" dirty="0" smtClean="0"/>
+              <a:t>моделите.</a:t>
+            </a:r>
             <a:endParaRPr lang="en-US" dirty="0"/>
           </a:p>
         </p:txBody>
@@ -3469,12 +3425,8 @@
           <a:lstStyle/>
           <a:p>
             <a:r>
-              <a:rPr lang="bg-BG" b="1" cap="all" dirty="0" smtClean="0"/>
-              <a:t>Публикации, свързани с дисертационния </a:t>
-            </a:r>
-            <a:r>
-              <a:rPr lang="bg-BG" b="1" cap="all" dirty="0" smtClean="0"/>
-              <a:t>труд</a:t>
+              <a:rPr lang="bg-BG" dirty="0" smtClean="0"/>
+              <a:t>Трета глава – Изследване на приложимостта на моделите</a:t>
             </a:r>
             <a:endParaRPr lang="en-US" dirty="0"/>
           </a:p>
@@ -3518,53 +3470,324 @@
         <p:spPr/>
         <p:txBody>
           <a:bodyPr>
+            <a:normAutofit fontScale="92500" lnSpcReduction="10000"/>
+          </a:bodyPr>
+          <a:lstStyle/>
+          <a:p>
+            <a:pPr marL="822960" lvl="1" indent="-457200">
+              <a:buFont typeface="+mj-lt"/>
+              <a:buAutoNum type="arabicPeriod"/>
+            </a:pPr>
+            <a:r>
+              <a:rPr lang="bg-BG" dirty="0" smtClean="0"/>
+              <a:t>Изследвани са основните въпроси и направления в дадената предметна област и са определени направленията за развитие, стоящи пред съвременните системи за управление на версии.</a:t>
+            </a:r>
+            <a:endParaRPr lang="en-US" dirty="0" smtClean="0"/>
+          </a:p>
+          <a:p>
+            <a:pPr marL="822960" lvl="1" indent="-457200">
+              <a:buFont typeface="+mj-lt"/>
+              <a:buAutoNum type="arabicPeriod"/>
+            </a:pPr>
+            <a:r>
+              <a:rPr lang="bg-BG" dirty="0" smtClean="0"/>
+              <a:t>Създаден е модел на версионизиран обект, който позволява свободно да се определи степента на гранулираност на данните. </a:t>
+            </a:r>
+            <a:endParaRPr lang="en-US" dirty="0" smtClean="0"/>
+          </a:p>
+          <a:p>
+            <a:pPr marL="822960" lvl="1" indent="-457200">
+              <a:buFont typeface="+mj-lt"/>
+              <a:buAutoNum type="arabicPeriod"/>
+            </a:pPr>
+            <a:r>
+              <a:rPr lang="bg-BG" dirty="0" smtClean="0"/>
+              <a:t>Предложен е модел на среда с йерархично композирани работни пространства, също така са определени правилата за управление на версия на обекти в тази среда.</a:t>
+            </a:r>
+            <a:endParaRPr lang="en-US" dirty="0" smtClean="0"/>
+          </a:p>
+          <a:p>
+            <a:pPr marL="822960" lvl="1" indent="-457200">
+              <a:buFont typeface="+mj-lt"/>
+              <a:buAutoNum type="arabicPeriod"/>
+            </a:pPr>
+            <a:r>
+              <a:rPr lang="bg-BG" dirty="0" smtClean="0"/>
+              <a:t>Направена е адаптация на метод за проследимост на промени, базиран на събития, за среда с модел на йерархично композирани работни пространства. </a:t>
+            </a:r>
+            <a:endParaRPr lang="en-US" dirty="0" smtClean="0"/>
+          </a:p>
+          <a:p>
+            <a:pPr marL="514350" indent="-514350">
+              <a:buFont typeface="+mj-lt"/>
+              <a:buAutoNum type="arabicPeriod"/>
+            </a:pPr>
+            <a:endParaRPr lang="en-US" dirty="0"/>
+          </a:p>
+        </p:txBody>
+      </p:sp>
+      <p:sp>
+        <p:nvSpPr>
+          <p:cNvPr id="3" name="Title 2"/>
+          <p:cNvSpPr>
+            <a:spLocks noGrp="1"/>
+          </p:cNvSpPr>
+          <p:nvPr>
+            <p:ph type="title"/>
+          </p:nvPr>
+        </p:nvSpPr>
+        <p:spPr/>
+        <p:txBody>
+          <a:bodyPr/>
+          <a:lstStyle/>
+          <a:p>
+            <a:r>
+              <a:rPr lang="bg-BG" dirty="0" smtClean="0"/>
+              <a:t>Научно-приложни </a:t>
+            </a:r>
+            <a:r>
+              <a:rPr lang="bg-BG" dirty="0" smtClean="0"/>
+              <a:t>приноси</a:t>
+            </a:r>
+            <a:r>
+              <a:rPr smtClean="0"/>
+              <a:t> </a:t>
+            </a:r>
+            <a:r>
+              <a:rPr lang="bg-BG" dirty="0" smtClean="0"/>
+              <a:t>(1/2)</a:t>
+            </a:r>
+            <a:endParaRPr lang="en-US" dirty="0"/>
+          </a:p>
+        </p:txBody>
+      </p:sp>
+    </p:spTree>
+  </p:cSld>
+  <p:clrMapOvr>
+    <a:masterClrMapping/>
+  </p:clrMapOvr>
+</p:sld>
+</file>
+
+<file path=ppt/slides/slide12.xml><?xml version="1.0" encoding="utf-8"?>
+<p:sld xmlns:a="http://schemas.openxmlformats.org/drawingml/2006/main" xmlns:r="http://schemas.openxmlformats.org/officeDocument/2006/relationships" xmlns:p="http://schemas.openxmlformats.org/presentationml/2006/main">
+  <p:cSld>
+    <p:spTree>
+      <p:nvGrpSpPr>
+        <p:cNvPr id="1" name=""/>
+        <p:cNvGrpSpPr/>
+        <p:nvPr/>
+      </p:nvGrpSpPr>
+      <p:grpSpPr>
+        <a:xfrm>
+          <a:off x="0" y="0"/>
+          <a:ext cx="0" cy="0"/>
+          <a:chOff x="0" y="0"/>
+          <a:chExt cx="0" cy="0"/>
+        </a:xfrm>
+      </p:grpSpPr>
+      <p:sp>
+        <p:nvSpPr>
+          <p:cNvPr id="2" name="Content Placeholder 1"/>
+          <p:cNvSpPr>
+            <a:spLocks noGrp="1"/>
+          </p:cNvSpPr>
+          <p:nvPr>
+            <p:ph idx="1"/>
+          </p:nvPr>
+        </p:nvSpPr>
+        <p:spPr/>
+        <p:txBody>
+          <a:bodyPr>
             <a:normAutofit/>
           </a:bodyPr>
           <a:lstStyle/>
           <a:p>
-            <a:r>
-              <a:rPr lang="bg-BG" dirty="0" smtClean="0"/>
-              <a:t>Йотов</a:t>
-            </a:r>
-            <a:r>
-              <a:rPr lang="bg-BG" dirty="0" smtClean="0"/>
-              <a:t>, В</a:t>
+            <a:pPr marL="822960" lvl="1" indent="-457200">
+              <a:buFont typeface="+mj-lt"/>
+              <a:buAutoNum type="arabicPeriod" startAt="5"/>
+            </a:pPr>
+            <a:r>
+              <a:rPr lang="bg-BG" dirty="0" smtClean="0"/>
+              <a:t>Определена е терминологията в областта на версионизирането с използването на йерархично композирани работни пространства.</a:t>
+            </a:r>
+            <a:endParaRPr lang="en-US" dirty="0" smtClean="0"/>
+          </a:p>
+          <a:p>
+            <a:pPr marL="822960" lvl="1" indent="-457200">
+              <a:buFont typeface="+mj-lt"/>
+              <a:buAutoNum type="arabicPeriod" startAt="5"/>
+            </a:pPr>
+            <a:r>
+              <a:rPr lang="bg-BG" dirty="0" smtClean="0">
+                <a:solidFill>
+                  <a:srgbClr val="FFC000"/>
+                </a:solidFill>
+              </a:rPr>
+              <a:t>Предложена </a:t>
+            </a:r>
+            <a:r>
+              <a:rPr lang="bg-BG" dirty="0" smtClean="0">
+                <a:solidFill>
+                  <a:srgbClr val="FFC000"/>
+                </a:solidFill>
+              </a:rPr>
+              <a:t>е методологична рамка за използване на разработените модели. Направен е сравнителен анализ на използването на моделите е увеличаване на степента на автоматизация на дейностите при създаване на софтуерни продукти при използване на разработените модели.</a:t>
+            </a:r>
+            <a:endParaRPr lang="en-US" dirty="0" smtClean="0">
+              <a:solidFill>
+                <a:srgbClr val="FFC000"/>
+              </a:solidFill>
+            </a:endParaRPr>
+          </a:p>
+          <a:p>
+            <a:pPr marL="822960" lvl="1" indent="-457200">
+              <a:buFont typeface="+mj-lt"/>
+              <a:buAutoNum type="arabicPeriod" startAt="5"/>
+            </a:pPr>
+            <a:r>
+              <a:rPr lang="bg-BG" dirty="0" smtClean="0"/>
+              <a:t>Реализиран е </a:t>
             </a:r>
             <a:r>
               <a:rPr lang="ru-RU" dirty="0" smtClean="0"/>
-              <a:t>л</a:t>
-            </a:r>
-            <a:r>
-              <a:rPr lang="bg-BG" dirty="0" smtClean="0"/>
-              <a:t>., </a:t>
-            </a:r>
-            <a:r>
-              <a:rPr lang="bg-BG" b="1" dirty="0" smtClean="0"/>
-              <a:t>Модел на данните в система за контрол на версии, базирана на йерархични работни прстранства</a:t>
-            </a:r>
-            <a:r>
-              <a:rPr lang="bg-BG" dirty="0" smtClean="0"/>
-              <a:t>. </a:t>
-            </a:r>
-            <a:r>
-              <a:rPr lang="bg-BG" dirty="0" smtClean="0"/>
-              <a:t>Научна </a:t>
-            </a:r>
-            <a:r>
-              <a:rPr lang="bg-BG" dirty="0" smtClean="0"/>
-              <a:t>конференция с международно участие „25 години Педагогически факултет</a:t>
-            </a:r>
-            <a:r>
-              <a:rPr lang="bg-BG" dirty="0" smtClean="0"/>
-              <a:t>.,Велико </a:t>
-            </a:r>
-            <a:r>
-              <a:rPr lang="bg-BG" dirty="0" smtClean="0"/>
-              <a:t>Търново, </a:t>
-            </a:r>
-            <a:r>
-              <a:rPr lang="bg-BG" dirty="0" smtClean="0"/>
-              <a:t>2009.</a:t>
+              <a:t>функционален </a:t>
+            </a:r>
+            <a:r>
+              <a:rPr lang="bg-BG" dirty="0" smtClean="0"/>
+              <a:t>прототип</a:t>
+            </a:r>
+            <a:r>
+              <a:rPr lang="ru-RU" dirty="0" smtClean="0"/>
+              <a:t> на система за </a:t>
+            </a:r>
+            <a:r>
+              <a:rPr lang="bg-BG" dirty="0" smtClean="0"/>
+              <a:t>управление</a:t>
+            </a:r>
+            <a:r>
+              <a:rPr lang="ru-RU" dirty="0" smtClean="0"/>
+              <a:t> на версии. С</a:t>
+            </a:r>
+            <a:r>
+              <a:rPr lang="bg-BG" dirty="0" smtClean="0"/>
+              <a:t> помощта на </a:t>
+            </a:r>
+            <a:r>
+              <a:rPr lang="ru-RU" dirty="0" smtClean="0"/>
+              <a:t>прототипа е направена </a:t>
+            </a:r>
+            <a:r>
+              <a:rPr lang="bg-BG" dirty="0" smtClean="0"/>
+              <a:t>апробация</a:t>
+            </a:r>
+            <a:r>
+              <a:rPr lang="ru-RU" dirty="0" smtClean="0"/>
+              <a:t> на</a:t>
+            </a:r>
+            <a:r>
+              <a:rPr lang="bg-BG" dirty="0" smtClean="0"/>
+              <a:t> разработените модели.</a:t>
+            </a:r>
+            <a:endParaRPr lang="en-US" dirty="0" smtClean="0"/>
+          </a:p>
+          <a:p>
+            <a:pPr marL="514350" indent="-514350">
+              <a:buFont typeface="+mj-lt"/>
+              <a:buAutoNum type="arabicPeriod"/>
+            </a:pPr>
+            <a:endParaRPr lang="en-US" dirty="0"/>
+          </a:p>
+        </p:txBody>
+      </p:sp>
+      <p:sp>
+        <p:nvSpPr>
+          <p:cNvPr id="3" name="Title 2"/>
+          <p:cNvSpPr>
+            <a:spLocks noGrp="1"/>
+          </p:cNvSpPr>
+          <p:nvPr>
+            <p:ph type="title"/>
+          </p:nvPr>
+        </p:nvSpPr>
+        <p:spPr/>
+        <p:txBody>
+          <a:bodyPr/>
+          <a:lstStyle/>
+          <a:p>
+            <a:r>
+              <a:rPr lang="bg-BG" dirty="0" smtClean="0"/>
+              <a:t>Научно-приложни приноси </a:t>
+            </a:r>
+            <a:r>
+              <a:rPr lang="bg-BG" dirty="0" smtClean="0"/>
+              <a:t>(2/2</a:t>
+            </a:r>
+            <a:r>
+              <a:rPr lang="bg-BG" dirty="0" smtClean="0"/>
+              <a:t>)</a:t>
+            </a:r>
+            <a:endParaRPr lang="en-US" dirty="0"/>
+          </a:p>
+        </p:txBody>
+      </p:sp>
+    </p:spTree>
+  </p:cSld>
+  <p:clrMapOvr>
+    <a:masterClrMapping/>
+  </p:clrMapOvr>
+</p:sld>
+</file>
+
+<file path=ppt/slides/slide13.xml><?xml version="1.0" encoding="utf-8"?>
+<p:sld xmlns:a="http://schemas.openxmlformats.org/drawingml/2006/main" xmlns:r="http://schemas.openxmlformats.org/officeDocument/2006/relationships" xmlns:p="http://schemas.openxmlformats.org/presentationml/2006/main">
+  <p:cSld>
+    <p:spTree>
+      <p:nvGrpSpPr>
+        <p:cNvPr id="1" name=""/>
+        <p:cNvGrpSpPr/>
+        <p:nvPr/>
+      </p:nvGrpSpPr>
+      <p:grpSpPr>
+        <a:xfrm>
+          <a:off x="0" y="0"/>
+          <a:ext cx="0" cy="0"/>
+          <a:chOff x="0" y="0"/>
+          <a:chExt cx="0" cy="0"/>
+        </a:xfrm>
+      </p:grpSpPr>
+      <p:sp>
+        <p:nvSpPr>
+          <p:cNvPr id="2" name="Content Placeholder 1"/>
+          <p:cNvSpPr>
+            <a:spLocks noGrp="1"/>
+          </p:cNvSpPr>
+          <p:nvPr>
+            <p:ph idx="1"/>
+          </p:nvPr>
+        </p:nvSpPr>
+        <p:spPr/>
+        <p:txBody>
+          <a:bodyPr>
+            <a:normAutofit lnSpcReduction="10000"/>
+          </a:bodyPr>
+          <a:lstStyle/>
+          <a:p>
+            <a:r>
+              <a:rPr lang="bg-BG" dirty="0" smtClean="0"/>
+              <a:t>Jotov, Vl. </a:t>
+            </a:r>
+            <a:r>
+              <a:rPr lang="bg-BG" b="1" dirty="0" smtClean="0">
+                <a:solidFill>
+                  <a:srgbClr val="FFC000"/>
+                </a:solidFill>
+              </a:rPr>
+              <a:t>An investigation on the approaches for version control systems</a:t>
+            </a:r>
+            <a:r>
+              <a:rPr lang="bg-BG" dirty="0" smtClean="0"/>
+              <a:t>. CompSysTech’08, Gabrovo, Bulgaria, 12-13 June, 2008.</a:t>
             </a:r>
           </a:p>
           <a:p>
@@ -3578,28 +3801,52 @@
             </a:r>
             <a:r>
               <a:rPr lang="bg-BG" dirty="0" smtClean="0"/>
+              <a:t>. </a:t>
+            </a:r>
+            <a:r>
+              <a:rPr lang="bg-BG" b="1" dirty="0" smtClean="0">
+                <a:solidFill>
+                  <a:srgbClr val="FFC000"/>
+                </a:solidFill>
+              </a:rPr>
+              <a:t>Transaction over versioned objects in hierarchical workspace environment</a:t>
+            </a:r>
+            <a:r>
+              <a:rPr lang="bg-BG" dirty="0" smtClean="0"/>
+              <a:t>. International Conference on Electronics, Computers and Artificial Intelligence – ECAI” 09, 3-5 July, Pitesti, Romania, 2009.</a:t>
+            </a:r>
+          </a:p>
+          <a:p>
+            <a:r>
+              <a:rPr lang="bg-BG" dirty="0" smtClean="0"/>
+              <a:t>Jotov, V</a:t>
+            </a:r>
+            <a:r>
+              <a:rPr lang="en-US" dirty="0" smtClean="0"/>
+              <a:t>l</a:t>
+            </a:r>
+            <a:r>
+              <a:rPr lang="bg-BG" dirty="0" smtClean="0"/>
               <a:t>.</a:t>
             </a:r>
             <a:r>
               <a:rPr lang="en-US" dirty="0" smtClean="0"/>
-              <a:t>,</a:t>
-            </a:r>
-            <a:r>
-              <a:rPr lang="bg-BG" dirty="0" smtClean="0"/>
-              <a:t> </a:t>
-            </a:r>
-            <a:r>
-              <a:rPr lang="bg-BG" b="1" dirty="0" smtClean="0"/>
-              <a:t>Adaptation of Event-Based Traceability Method for Environment with Hierarchal Composed Workspaces</a:t>
-            </a:r>
-            <a:r>
-              <a:rPr lang="bg-BG" dirty="0" smtClean="0"/>
-              <a:t>. In: John Atanassov Celebration Days. Internajional Conference Automatics and Inforatics’10. Proceedings,Bulgaria, Sofia, October 3-7, </a:t>
-            </a:r>
-            <a:r>
-              <a:rPr lang="bg-BG" dirty="0" smtClean="0"/>
-              <a:t>2010.</a:t>
-            </a:r>
+              <a:t>, </a:t>
+            </a:r>
+            <a:r>
+              <a:rPr lang="bg-BG" b="1" dirty="0" smtClean="0">
+                <a:solidFill>
+                  <a:srgbClr val="FFC000"/>
+                </a:solidFill>
+              </a:rPr>
+              <a:t>Towards a model of versioning domain</a:t>
+            </a:r>
+            <a:r>
+              <a:rPr lang="bg-BG" dirty="0" smtClean="0"/>
+              <a:t>. In: 2009 5th Central and Eastern European Software Engineering Conference in Russia (CEE – SECR), Moscow, 28-29 October, 2009</a:t>
+            </a:r>
+          </a:p>
+          <a:p>
             <a:endParaRPr lang="en-US" dirty="0"/>
           </a:p>
         </p:txBody>
@@ -3627,7 +3874,263 @@
             </a:r>
             <a:r>
               <a:rPr lang="bg-BG" b="1" cap="all" dirty="0" smtClean="0"/>
-              <a:t>труд (2/3)</a:t>
+              <a:t>труд (1/2)</a:t>
+            </a:r>
+            <a:endParaRPr lang="en-US" dirty="0"/>
+          </a:p>
+        </p:txBody>
+      </p:sp>
+    </p:spTree>
+  </p:cSld>
+  <p:clrMapOvr>
+    <a:masterClrMapping/>
+  </p:clrMapOvr>
+</p:sld>
+</file>
+
+<file path=ppt/slides/slide14.xml><?xml version="1.0" encoding="utf-8"?>
+<p:sld xmlns:a="http://schemas.openxmlformats.org/drawingml/2006/main" xmlns:r="http://schemas.openxmlformats.org/officeDocument/2006/relationships" xmlns:p="http://schemas.openxmlformats.org/presentationml/2006/main">
+  <p:cSld>
+    <p:spTree>
+      <p:nvGrpSpPr>
+        <p:cNvPr id="1" name=""/>
+        <p:cNvGrpSpPr/>
+        <p:nvPr/>
+      </p:nvGrpSpPr>
+      <p:grpSpPr>
+        <a:xfrm>
+          <a:off x="0" y="0"/>
+          <a:ext cx="0" cy="0"/>
+          <a:chOff x="0" y="0"/>
+          <a:chExt cx="0" cy="0"/>
+        </a:xfrm>
+      </p:grpSpPr>
+      <p:sp>
+        <p:nvSpPr>
+          <p:cNvPr id="2" name="Content Placeholder 1"/>
+          <p:cNvSpPr>
+            <a:spLocks noGrp="1"/>
+          </p:cNvSpPr>
+          <p:nvPr>
+            <p:ph idx="1"/>
+          </p:nvPr>
+        </p:nvSpPr>
+        <p:spPr/>
+        <p:txBody>
+          <a:bodyPr>
+            <a:normAutofit/>
+          </a:bodyPr>
+          <a:lstStyle/>
+          <a:p>
+            <a:r>
+              <a:rPr lang="bg-BG" dirty="0" smtClean="0"/>
+              <a:t>Йотов, В</a:t>
+            </a:r>
+            <a:r>
+              <a:rPr lang="ru-RU" dirty="0" smtClean="0"/>
+              <a:t>л</a:t>
+            </a:r>
+            <a:r>
+              <a:rPr lang="bg-BG" dirty="0" smtClean="0"/>
+              <a:t>., </a:t>
+            </a:r>
+            <a:r>
+              <a:rPr lang="bg-BG" b="1" dirty="0" smtClean="0">
+                <a:solidFill>
+                  <a:srgbClr val="FFC000"/>
+                </a:solidFill>
+              </a:rPr>
+              <a:t>Модел на данните в система за контрол на версии, базирана на йерархични работни прстранства</a:t>
+            </a:r>
+            <a:r>
+              <a:rPr lang="bg-BG" dirty="0" smtClean="0"/>
+              <a:t>. Научна конференция с международно участие „25 години Педагогически факултет.,Велико Търново, 2009.</a:t>
+            </a:r>
+          </a:p>
+          <a:p>
+            <a:r>
+              <a:rPr lang="bg-BG" dirty="0" smtClean="0"/>
+              <a:t>Jotov, V</a:t>
+            </a:r>
+            <a:r>
+              <a:rPr lang="en-US" dirty="0" smtClean="0"/>
+              <a:t>l</a:t>
+            </a:r>
+            <a:r>
+              <a:rPr lang="bg-BG" dirty="0" smtClean="0"/>
+              <a:t>.</a:t>
+            </a:r>
+            <a:r>
+              <a:rPr lang="en-US" dirty="0" smtClean="0"/>
+              <a:t>,</a:t>
+            </a:r>
+            <a:r>
+              <a:rPr lang="bg-BG" dirty="0" smtClean="0"/>
+              <a:t> </a:t>
+            </a:r>
+            <a:r>
+              <a:rPr lang="bg-BG" b="1" dirty="0" smtClean="0">
+                <a:solidFill>
+                  <a:srgbClr val="FFC000"/>
+                </a:solidFill>
+              </a:rPr>
+              <a:t>Adaptation of Event-Based Traceability Method for Environment with Hierarchal Composed Workspaces</a:t>
+            </a:r>
+            <a:r>
+              <a:rPr lang="bg-BG" dirty="0" smtClean="0"/>
+              <a:t>. </a:t>
+            </a:r>
+            <a:r>
+              <a:rPr lang="bg-BG" dirty="0" smtClean="0"/>
+              <a:t>In</a:t>
+            </a:r>
+            <a:r>
+              <a:rPr lang="en-US" dirty="0" smtClean="0"/>
+              <a:t> </a:t>
+            </a:r>
+            <a:r>
+              <a:rPr lang="bg-BG" dirty="0" smtClean="0"/>
+              <a:t>Proceedings: </a:t>
+            </a:r>
+            <a:r>
+              <a:rPr lang="bg-BG" dirty="0" smtClean="0"/>
+              <a:t>John Atanassov Celebration Days. </a:t>
+            </a:r>
+            <a:r>
+              <a:rPr lang="bg-BG" dirty="0" smtClean="0"/>
+              <a:t>Interna</a:t>
+            </a:r>
+            <a:r>
+              <a:rPr lang="en-US" dirty="0" smtClean="0"/>
+              <a:t>t</a:t>
+            </a:r>
+            <a:r>
+              <a:rPr lang="bg-BG" dirty="0" smtClean="0"/>
+              <a:t>ional </a:t>
+            </a:r>
+            <a:r>
+              <a:rPr lang="bg-BG" dirty="0" smtClean="0"/>
+              <a:t>Conference Automatics and </a:t>
+            </a:r>
+            <a:r>
+              <a:rPr lang="bg-BG" dirty="0" smtClean="0"/>
+              <a:t>Inforatics’10</a:t>
+            </a:r>
+            <a:r>
+              <a:rPr lang="en-US" dirty="0" smtClean="0"/>
+              <a:t>,</a:t>
+            </a:r>
+            <a:r>
+              <a:rPr lang="bg-BG" dirty="0" smtClean="0"/>
+              <a:t> Sofia</a:t>
+            </a:r>
+            <a:r>
+              <a:rPr lang="bg-BG" dirty="0" smtClean="0"/>
+              <a:t>, October 3-7, 2010.</a:t>
+            </a:r>
+            <a:endParaRPr lang="en-US" dirty="0"/>
+          </a:p>
+        </p:txBody>
+      </p:sp>
+      <p:sp>
+        <p:nvSpPr>
+          <p:cNvPr id="3" name="Title 2"/>
+          <p:cNvSpPr>
+            <a:spLocks noGrp="1"/>
+          </p:cNvSpPr>
+          <p:nvPr>
+            <p:ph type="title"/>
+          </p:nvPr>
+        </p:nvSpPr>
+        <p:spPr/>
+        <p:txBody>
+          <a:bodyPr>
+            <a:normAutofit fontScale="90000"/>
+          </a:bodyPr>
+          <a:lstStyle/>
+          <a:p>
+            <a:r>
+              <a:rPr lang="bg-BG" b="1" cap="all" dirty="0" smtClean="0"/>
+              <a:t>Публикации, свързани с дисертационния труд (</a:t>
+            </a:r>
+            <a:r>
+              <a:rPr lang="bg-BG" b="1" cap="all" dirty="0" smtClean="0"/>
+              <a:t>2/</a:t>
+            </a:r>
+            <a:r>
+              <a:rPr b="1" cap="all" smtClean="0"/>
+              <a:t>2</a:t>
+            </a:r>
+            <a:r>
+              <a:rPr lang="bg-BG" b="1" cap="all" dirty="0" smtClean="0"/>
+              <a:t>)</a:t>
+            </a:r>
+            <a:endParaRPr lang="en-US" dirty="0"/>
+          </a:p>
+        </p:txBody>
+      </p:sp>
+    </p:spTree>
+  </p:cSld>
+  <p:clrMapOvr>
+    <a:masterClrMapping/>
+  </p:clrMapOvr>
+</p:sld>
+</file>
+
+<file path=ppt/slides/slide15.xml><?xml version="1.0" encoding="utf-8"?>
+<p:sld xmlns:a="http://schemas.openxmlformats.org/drawingml/2006/main" xmlns:r="http://schemas.openxmlformats.org/officeDocument/2006/relationships" xmlns:p="http://schemas.openxmlformats.org/presentationml/2006/main">
+  <p:cSld>
+    <p:spTree>
+      <p:nvGrpSpPr>
+        <p:cNvPr id="1" name=""/>
+        <p:cNvGrpSpPr/>
+        <p:nvPr/>
+      </p:nvGrpSpPr>
+      <p:grpSpPr>
+        <a:xfrm>
+          <a:off x="0" y="0"/>
+          <a:ext cx="0" cy="0"/>
+          <a:chOff x="0" y="0"/>
+          <a:chExt cx="0" cy="0"/>
+        </a:xfrm>
+      </p:grpSpPr>
+      <p:sp>
+        <p:nvSpPr>
+          <p:cNvPr id="2" name="Subtitle 1"/>
+          <p:cNvSpPr>
+            <a:spLocks noGrp="1"/>
+          </p:cNvSpPr>
+          <p:nvPr>
+            <p:ph type="subTitle" idx="1"/>
+          </p:nvPr>
+        </p:nvSpPr>
+        <p:spPr/>
+        <p:txBody>
+          <a:bodyPr/>
+          <a:lstStyle/>
+          <a:p>
+            <a:endParaRPr lang="en-US"/>
+          </a:p>
+        </p:txBody>
+      </p:sp>
+      <p:sp>
+        <p:nvSpPr>
+          <p:cNvPr id="3" name="Title 2"/>
+          <p:cNvSpPr>
+            <a:spLocks noGrp="1"/>
+          </p:cNvSpPr>
+          <p:nvPr>
+            <p:ph type="ctrTitle"/>
+          </p:nvPr>
+        </p:nvSpPr>
+        <p:spPr/>
+        <p:txBody>
+          <a:bodyPr/>
+          <a:lstStyle/>
+          <a:p>
+            <a:r>
+              <a:rPr lang="bg-BG" dirty="0" smtClean="0"/>
+              <a:t>Въпроси</a:t>
             </a:r>
             <a:endParaRPr lang="en-US" dirty="0"/>
           </a:p>
@@ -3986,15 +4489,7 @@
           <a:p>
             <a:r>
               <a:rPr lang="bg-BG" dirty="0" smtClean="0"/>
-              <a:t>Приложение 2 – Прототип на </a:t>
-            </a:r>
-            <a:r>
-              <a:rPr lang="bg-BG" dirty="0" smtClean="0"/>
-              <a:t>система </a:t>
-            </a:r>
-            <a:r>
-              <a:rPr lang="bg-BG" dirty="0" smtClean="0"/>
-              <a:t>(на диск)</a:t>
+              <a:t>Приложение 2 – Прототип на система (на диск)</a:t>
             </a:r>
             <a:endParaRPr lang="en-US" dirty="0"/>
           </a:p>
@@ -4060,37 +4555,118 @@
         </p:nvSpPr>
         <p:spPr/>
         <p:txBody>
-          <a:bodyPr/>
-          <a:lstStyle/>
-          <a:p>
-            <a:endParaRPr lang="en-US" dirty="0"/>
-          </a:p>
-        </p:txBody>
-      </p:sp>
-      <p:sp>
-        <p:nvSpPr>
-          <p:cNvPr id="3" name="Title 2"/>
-          <p:cNvSpPr>
-            <a:spLocks noGrp="1"/>
-          </p:cNvSpPr>
-          <p:nvPr>
-            <p:ph type="title"/>
-          </p:nvPr>
-        </p:nvSpPr>
-        <p:spPr/>
-        <p:txBody>
           <a:bodyPr>
             <a:normAutofit/>
           </a:bodyPr>
           <a:lstStyle/>
           <a:p>
+            <a:pPr marL="514350" indent="-514350">
+              <a:buFont typeface="+mj-lt"/>
+              <a:buAutoNum type="arabicPeriod"/>
+            </a:pPr>
+            <a:r>
+              <a:rPr lang="bg-BG" dirty="0" smtClean="0"/>
+              <a:t>У</a:t>
+            </a:r>
+            <a:r>
+              <a:rPr lang="ru-RU" dirty="0" smtClean="0"/>
+              <a:t>правлението на </a:t>
+            </a:r>
+            <a:r>
+              <a:rPr lang="ru-RU" dirty="0" smtClean="0"/>
+              <a:t>версии </a:t>
+            </a:r>
+            <a:r>
+              <a:rPr lang="ru-RU" dirty="0" smtClean="0"/>
+              <a:t>– задължителен </a:t>
+            </a:r>
+            <a:r>
+              <a:rPr lang="ru-RU" dirty="0" smtClean="0"/>
+              <a:t>инфраструктурен </a:t>
+            </a:r>
+            <a:r>
+              <a:rPr lang="ru-RU" dirty="0" smtClean="0"/>
+              <a:t>инструмент.</a:t>
+            </a:r>
+          </a:p>
+          <a:p>
+            <a:pPr marL="514350" indent="-514350">
+              <a:buFont typeface="+mj-lt"/>
+              <a:buAutoNum type="arabicPeriod"/>
+            </a:pPr>
+            <a:r>
+              <a:rPr lang="bg-BG" dirty="0" smtClean="0"/>
+              <a:t>Съществуващи модели за версионизиран обект (ВО)– файлово-базирани, необходимост от </a:t>
+            </a:r>
+            <a:r>
+              <a:rPr lang="ru-RU" dirty="0" smtClean="0"/>
+              <a:t>възможност за определяне на </a:t>
+            </a:r>
+            <a:r>
+              <a:rPr lang="ru-RU" dirty="0" smtClean="0"/>
+              <a:t>ниво </a:t>
+            </a:r>
+            <a:r>
+              <a:rPr lang="ru-RU" dirty="0" smtClean="0"/>
+              <a:t>на </a:t>
+            </a:r>
+            <a:r>
+              <a:rPr lang="ru-RU" dirty="0" smtClean="0"/>
+              <a:t>степента </a:t>
+            </a:r>
+            <a:r>
+              <a:rPr lang="ru-RU" dirty="0" smtClean="0"/>
+              <a:t>на </a:t>
+            </a:r>
+            <a:r>
+              <a:rPr lang="ru-RU" dirty="0" smtClean="0"/>
+              <a:t>гранулираност.</a:t>
+            </a:r>
+          </a:p>
+          <a:p>
+            <a:pPr marL="514350" indent="-514350">
+              <a:buFont typeface="+mj-lt"/>
+              <a:buAutoNum type="arabicPeriod"/>
+            </a:pPr>
+            <a:r>
+              <a:rPr lang="ru-RU" dirty="0" smtClean="0"/>
+              <a:t>Анализ  на подходите за съхраняване на ВО. Съхраняване </a:t>
+            </a:r>
+            <a:r>
+              <a:rPr lang="ru-RU" dirty="0" smtClean="0"/>
+              <a:t>състояния </a:t>
+            </a:r>
+            <a:r>
+              <a:rPr lang="ru-RU" dirty="0" smtClean="0"/>
+              <a:t>– добри характеристики за реализация на прототипа.</a:t>
+            </a:r>
+          </a:p>
+        </p:txBody>
+      </p:sp>
+      <p:sp>
+        <p:nvSpPr>
+          <p:cNvPr id="3" name="Title 2"/>
+          <p:cNvSpPr>
+            <a:spLocks noGrp="1"/>
+          </p:cNvSpPr>
+          <p:nvPr>
+            <p:ph type="title"/>
+          </p:nvPr>
+        </p:nvSpPr>
+        <p:spPr/>
+        <p:txBody>
+          <a:bodyPr>
+            <a:normAutofit fontScale="90000"/>
+          </a:bodyPr>
+          <a:lstStyle/>
+          <a:p>
             <a:r>
               <a:rPr lang="bg-BG" sz="3600" dirty="0" smtClean="0"/>
-              <a:t>Първа глава – </a:t>
+              <a:t>Първа глава – Управление на версията при създаването на софтуерни </a:t>
             </a:r>
             <a:r>
               <a:rPr lang="bg-BG" sz="3600" dirty="0" smtClean="0"/>
-              <a:t>Управление на версията при създаването на софтуерни системи</a:t>
+              <a:t>системи (1/2)</a:t>
             </a:r>
             <a:endParaRPr lang="en-US" sz="3600" dirty="0"/>
           </a:p>
@@ -4131,16 +4707,50 @@
             <p:ph idx="1"/>
           </p:nvPr>
         </p:nvSpPr>
-        <p:spPr>
-          <a:xfrm>
-            <a:off x="457200" y="1981200"/>
-            <a:ext cx="8229600" cy="4114800"/>
-          </a:xfrm>
-        </p:spPr>
-        <p:txBody>
-          <a:bodyPr/>
-          <a:lstStyle/>
-          <a:p>
+        <p:spPr/>
+        <p:txBody>
+          <a:bodyPr/>
+          <a:lstStyle/>
+          <a:p>
+            <a:pPr marL="514350" indent="-514350">
+              <a:buFont typeface="+mj-lt"/>
+              <a:buAutoNum type="arabicPeriod" startAt="4"/>
+            </a:pPr>
+            <a:r>
+              <a:rPr lang="ru-RU" dirty="0" smtClean="0"/>
+              <a:t>Определена необходимост от изследване на йерархично композираните работни пространства, като инструмент за осигуряване на съвместна и автономна работа</a:t>
+            </a:r>
+            <a:endParaRPr lang="en-US" dirty="0" smtClean="0"/>
+          </a:p>
+          <a:p>
+            <a:pPr marL="514350" indent="-514350">
+              <a:buFont typeface="+mj-lt"/>
+              <a:buAutoNum type="arabicPeriod" startAt="4"/>
+            </a:pPr>
+            <a:r>
+              <a:rPr lang="ru-RU" dirty="0" smtClean="0"/>
+              <a:t>Анализ </a:t>
+            </a:r>
+            <a:r>
+              <a:rPr lang="ru-RU" dirty="0" smtClean="0"/>
+              <a:t>на </a:t>
+            </a:r>
+            <a:r>
+              <a:rPr lang="ru-RU" dirty="0" smtClean="0"/>
+              <a:t>методите </a:t>
+            </a:r>
+            <a:r>
+              <a:rPr lang="ru-RU" dirty="0" smtClean="0"/>
+              <a:t>за проследимост на </a:t>
+            </a:r>
+            <a:r>
+              <a:rPr lang="ru-RU" dirty="0" smtClean="0"/>
+              <a:t>промените. </a:t>
+            </a:r>
+            <a:r>
+              <a:rPr lang="ru-RU" dirty="0" smtClean="0"/>
+              <a:t>Идентифицирана е липсата на инструменти, предоставящи адекватно ниво за създаване и управление на връзки на проследимост.</a:t>
+            </a:r>
             <a:endParaRPr lang="en-US" dirty="0"/>
           </a:p>
         </p:txBody>
@@ -4155,12 +4765,7 @@
             <p:ph type="title"/>
           </p:nvPr>
         </p:nvSpPr>
-        <p:spPr>
-          <a:xfrm>
-            <a:off x="457200" y="152400"/>
-            <a:ext cx="8229600" cy="1676400"/>
-          </a:xfrm>
-        </p:spPr>
+        <p:spPr/>
         <p:txBody>
           <a:bodyPr>
             <a:noAutofit/>
@@ -4168,18 +4773,18 @@
           <a:lstStyle/>
           <a:p>
             <a:r>
-              <a:rPr lang="bg-BG" sz="3600" dirty="0" smtClean="0"/>
-              <a:t>Втора глава – </a:t>
-            </a:r>
-            <a:r>
-              <a:rPr lang="bg-BG" sz="3600" dirty="0" smtClean="0"/>
-              <a:t>Модели за управление на версии в среда с йерархична композиция на работни </a:t>
-            </a:r>
-            <a:r>
-              <a:rPr lang="bg-BG" sz="3600" dirty="0" smtClean="0"/>
-              <a:t>пространства </a:t>
-            </a:r>
-            <a:endParaRPr lang="en-US" sz="3600" dirty="0"/>
+              <a:rPr lang="bg-BG" sz="3200" dirty="0" smtClean="0"/>
+              <a:t>Първа глава – Управление на версията при създаването на софтуерни системи </a:t>
+            </a:r>
+            <a:r>
+              <a:rPr lang="bg-BG" sz="3200" dirty="0" smtClean="0"/>
+              <a:t>(2/2</a:t>
+            </a:r>
+            <a:r>
+              <a:rPr lang="bg-BG" sz="3200" dirty="0" smtClean="0"/>
+              <a:t>)</a:t>
+            </a:r>
+            <a:endParaRPr lang="en-US" sz="3200" dirty="0"/>
           </a:p>
         </p:txBody>
       </p:sp>
@@ -4218,12 +4823,55 @@
             <p:ph idx="1"/>
           </p:nvPr>
         </p:nvSpPr>
-        <p:spPr/>
-        <p:txBody>
-          <a:bodyPr/>
-          <a:lstStyle/>
-          <a:p>
-            <a:endParaRPr lang="en-US"/>
+        <p:spPr>
+          <a:xfrm>
+            <a:off x="457200" y="2514600"/>
+            <a:ext cx="8229600" cy="3962400"/>
+          </a:xfrm>
+        </p:spPr>
+        <p:txBody>
+          <a:bodyPr>
+            <a:normAutofit/>
+          </a:bodyPr>
+          <a:lstStyle/>
+          <a:p>
+            <a:pPr marL="514350" indent="-514350"/>
+            <a:r>
+              <a:rPr lang="en-US" dirty="0" smtClean="0"/>
+              <a:t>ER </a:t>
+            </a:r>
+            <a:r>
+              <a:rPr lang="bg-BG" dirty="0" smtClean="0"/>
+              <a:t>модел на ВО и съставен ВО – позволяващи свободно определяне степента на гранулираност на предметната област. </a:t>
+            </a:r>
+          </a:p>
+          <a:p>
+            <a:pPr marL="514350" indent="-514350"/>
+            <a:r>
+              <a:rPr lang="bg-BG" dirty="0" smtClean="0"/>
+              <a:t>Йерархично композирани работни пространства (ЙКРП) – Модел, Модел на видимост на ВО в ЙКРП.</a:t>
+            </a:r>
+          </a:p>
+          <a:p>
+            <a:pPr marL="514350" indent="-514350"/>
+            <a:r>
+              <a:rPr lang="bg-BG" dirty="0" smtClean="0"/>
+              <a:t>Транзакции над ВО в среда с ЙКРП. Класификация на транзакциите. Модел на жизнен цикъл на ВО.</a:t>
+            </a:r>
+          </a:p>
+          <a:p>
+            <a:pPr marL="514350" indent="-514350">
+              <a:buFont typeface="+mj-lt"/>
+              <a:buAutoNum type="arabicPeriod"/>
+            </a:pPr>
+            <a:endParaRPr lang="bg-BG" dirty="0" smtClean="0"/>
+          </a:p>
+          <a:p>
+            <a:pPr marL="514350" indent="-514350">
+              <a:buFont typeface="+mj-lt"/>
+              <a:buAutoNum type="arabicPeriod"/>
+            </a:pPr>
+            <a:endParaRPr lang="en-US" dirty="0"/>
           </a:p>
         </p:txBody>
       </p:sp>
@@ -4237,22 +4885,27 @@
             <p:ph type="title"/>
           </p:nvPr>
         </p:nvSpPr>
-        <p:spPr/>
+        <p:spPr>
+          <a:xfrm>
+            <a:off x="457200" y="152400"/>
+            <a:ext cx="8229600" cy="2209800"/>
+          </a:xfrm>
+        </p:spPr>
         <p:txBody>
           <a:bodyPr>
-            <a:normAutofit fontScale="90000"/>
+            <a:noAutofit/>
           </a:bodyPr>
           <a:lstStyle/>
           <a:p>
             <a:r>
-              <a:rPr lang="bg-BG" dirty="0" smtClean="0"/>
-              <a:t>Трета глава – Изследване на приложимостта на </a:t>
-            </a:r>
-            <a:r>
-              <a:rPr lang="bg-BG" dirty="0" smtClean="0"/>
-              <a:t>моделите</a:t>
-            </a:r>
-            <a:endParaRPr lang="en-US" dirty="0"/>
+              <a:rPr lang="bg-BG" sz="3600" dirty="0" smtClean="0"/>
+              <a:t>Втора глава – Модели за управление на версии в среда с йерархична композиция на работни пространства </a:t>
+            </a:r>
+            <a:r>
+              <a:rPr lang="bg-BG" sz="3600" dirty="0" smtClean="0"/>
+              <a:t> (1/2)</a:t>
+            </a:r>
+            <a:endParaRPr lang="en-US" sz="3600" dirty="0"/>
           </a:p>
         </p:txBody>
       </p:sp>
@@ -4291,12 +4944,43 @@
             <p:ph idx="1"/>
           </p:nvPr>
         </p:nvSpPr>
-        <p:spPr/>
-        <p:txBody>
-          <a:bodyPr/>
-          <a:lstStyle/>
-          <a:p>
-            <a:endParaRPr lang="en-US"/>
+        <p:spPr>
+          <a:xfrm>
+            <a:off x="457200" y="2590800"/>
+            <a:ext cx="8229600" cy="3505200"/>
+          </a:xfrm>
+        </p:spPr>
+        <p:txBody>
+          <a:bodyPr/>
+          <a:lstStyle/>
+          <a:p>
+            <a:r>
+              <a:rPr lang="ru-RU" dirty="0" smtClean="0"/>
+              <a:t>Проследимост на промените в среда </a:t>
+            </a:r>
+            <a:r>
+              <a:rPr lang="ru-RU" dirty="0" smtClean="0"/>
+              <a:t>с ЙКРП. Модел на работни единици. </a:t>
+            </a:r>
+            <a:r>
+              <a:rPr lang="bg-BG" dirty="0" smtClean="0"/>
+              <a:t>Адаптация на </a:t>
+            </a:r>
+            <a:r>
+              <a:rPr lang="bg-BG" dirty="0" smtClean="0"/>
+              <a:t>метод за проследимост, базиран на събития за среда с ЙКРП. </a:t>
+            </a:r>
+            <a:r>
+              <a:rPr lang="ru-RU" dirty="0" smtClean="0"/>
+              <a:t>Модел на данните. </a:t>
+            </a:r>
+          </a:p>
+          <a:p>
+            <a:r>
+              <a:rPr lang="bg-BG" dirty="0" smtClean="0"/>
+              <a:t>Методологична рамка за използване на разработените модели.</a:t>
+            </a:r>
+            <a:endParaRPr lang="en-US" dirty="0"/>
           </a:p>
         </p:txBody>
       </p:sp>
@@ -4310,20 +4994,31 @@
             <p:ph type="title"/>
           </p:nvPr>
         </p:nvSpPr>
-        <p:spPr/>
-        <p:txBody>
-          <a:bodyPr/>
-          <a:lstStyle/>
-          <a:p>
-            <a:r>
-              <a:rPr lang="bg-BG" dirty="0" smtClean="0"/>
-              <a:t>Научно-приложни </a:t>
-            </a:r>
-            <a:r>
-              <a:rPr lang="bg-BG" dirty="0" smtClean="0"/>
-              <a:t>приноси</a:t>
-            </a:r>
-            <a:endParaRPr lang="en-US" dirty="0"/>
+        <p:spPr>
+          <a:xfrm>
+            <a:off x="457200" y="152400"/>
+            <a:ext cx="8229600" cy="2362200"/>
+          </a:xfrm>
+        </p:spPr>
+        <p:txBody>
+          <a:bodyPr>
+            <a:noAutofit/>
+          </a:bodyPr>
+          <a:lstStyle/>
+          <a:p>
+            <a:r>
+              <a:rPr lang="bg-BG" sz="3600" dirty="0" smtClean="0"/>
+              <a:t>Втора глава – Модели за управление на версии в среда с йерархична композиция на работни пространства  </a:t>
+            </a:r>
+            <a:r>
+              <a:rPr lang="bg-BG" sz="3600" dirty="0" smtClean="0"/>
+              <a:t>(2/2</a:t>
+            </a:r>
+            <a:r>
+              <a:rPr lang="bg-BG" sz="3600" dirty="0" smtClean="0"/>
+              <a:t>)</a:t>
+            </a:r>
+            <a:endParaRPr lang="en-US" sz="3600" dirty="0"/>
           </a:p>
         </p:txBody>
       </p:sp>

--- a/trunk/doc/Presentation.pptx
+++ b/trunk/doc/Presentation.pptx
@@ -6,9 +6,9 @@
   </p:sldMasterIdLst>
   <p:sldIdLst>
     <p:sldId id="256" r:id="rId2"/>
-    <p:sldId id="257" r:id="rId3"/>
-    <p:sldId id="258" r:id="rId4"/>
-    <p:sldId id="259" r:id="rId5"/>
+    <p:sldId id="271" r:id="rId3"/>
+    <p:sldId id="257" r:id="rId4"/>
+    <p:sldId id="258" r:id="rId5"/>
     <p:sldId id="260" r:id="rId6"/>
     <p:sldId id="261" r:id="rId7"/>
     <p:sldId id="268" r:id="rId8"/>
@@ -412,7 +412,7 @@
             <a:fld id="{0C35B86D-3FAF-4029-966F-3C83973A04B7}" type="datetimeFigureOut">
               <a:rPr lang="en-US" smtClean="0"/>
               <a:pPr/>
-              <a:t>10/8/2012</a:t>
+              <a:t>10/9/2012</a:t>
             </a:fld>
             <a:endParaRPr lang="en-US"/>
           </a:p>
@@ -579,7 +579,7 @@
             <a:fld id="{0C35B86D-3FAF-4029-966F-3C83973A04B7}" type="datetimeFigureOut">
               <a:rPr lang="en-US" smtClean="0"/>
               <a:pPr/>
-              <a:t>10/8/2012</a:t>
+              <a:t>10/9/2012</a:t>
             </a:fld>
             <a:endParaRPr lang="en-US"/>
           </a:p>
@@ -756,7 +756,7 @@
             <a:fld id="{0C35B86D-3FAF-4029-966F-3C83973A04B7}" type="datetimeFigureOut">
               <a:rPr lang="en-US" smtClean="0"/>
               <a:pPr/>
-              <a:t>10/8/2012</a:t>
+              <a:t>10/9/2012</a:t>
             </a:fld>
             <a:endParaRPr lang="en-US"/>
           </a:p>
@@ -905,7 +905,7 @@
             <a:fld id="{0C35B86D-3FAF-4029-966F-3C83973A04B7}" type="datetimeFigureOut">
               <a:rPr lang="en-US" smtClean="0"/>
               <a:pPr/>
-              <a:t>10/8/2012</a:t>
+              <a:t>10/9/2012</a:t>
             </a:fld>
             <a:endParaRPr lang="en-US"/>
           </a:p>
@@ -1024,7 +1024,7 @@
             <a:fld id="{0C35B86D-3FAF-4029-966F-3C83973A04B7}" type="datetimeFigureOut">
               <a:rPr lang="en-US" smtClean="0"/>
               <a:pPr/>
-              <a:t>10/8/2012</a:t>
+              <a:t>10/9/2012</a:t>
             </a:fld>
             <a:endParaRPr lang="en-US"/>
           </a:p>
@@ -1296,7 +1296,7 @@
             <a:fld id="{0C35B86D-3FAF-4029-966F-3C83973A04B7}" type="datetimeFigureOut">
               <a:rPr lang="en-US" smtClean="0"/>
               <a:pPr/>
-              <a:t>10/8/2012</a:t>
+              <a:t>10/9/2012</a:t>
             </a:fld>
             <a:endParaRPr lang="en-US"/>
           </a:p>
@@ -1568,7 +1568,7 @@
             <a:fld id="{0C35B86D-3FAF-4029-966F-3C83973A04B7}" type="datetimeFigureOut">
               <a:rPr lang="en-US" smtClean="0"/>
               <a:pPr/>
-              <a:t>10/8/2012</a:t>
+              <a:t>10/9/2012</a:t>
             </a:fld>
             <a:endParaRPr lang="en-US"/>
           </a:p>
@@ -2016,7 +2016,7 @@
             <a:fld id="{0C35B86D-3FAF-4029-966F-3C83973A04B7}" type="datetimeFigureOut">
               <a:rPr lang="en-US" smtClean="0"/>
               <a:pPr/>
-              <a:t>10/8/2012</a:t>
+              <a:t>10/9/2012</a:t>
             </a:fld>
             <a:endParaRPr lang="en-US"/>
           </a:p>
@@ -2131,7 +2131,7 @@
             <a:fld id="{0C35B86D-3FAF-4029-966F-3C83973A04B7}" type="datetimeFigureOut">
               <a:rPr lang="en-US" smtClean="0"/>
               <a:pPr/>
-              <a:t>10/8/2012</a:t>
+              <a:t>10/9/2012</a:t>
             </a:fld>
             <a:endParaRPr lang="en-US"/>
           </a:p>
@@ -2383,7 +2383,7 @@
             <a:fld id="{0C35B86D-3FAF-4029-966F-3C83973A04B7}" type="datetimeFigureOut">
               <a:rPr lang="en-US" smtClean="0"/>
               <a:pPr/>
-              <a:t>10/8/2012</a:t>
+              <a:t>10/9/2012</a:t>
             </a:fld>
             <a:endParaRPr lang="en-US"/>
           </a:p>
@@ -2625,7 +2625,7 @@
             <a:fld id="{0C35B86D-3FAF-4029-966F-3C83973A04B7}" type="datetimeFigureOut">
               <a:rPr lang="en-US" smtClean="0"/>
               <a:pPr/>
-              <a:t>10/8/2012</a:t>
+              <a:t>10/9/2012</a:t>
             </a:fld>
             <a:endParaRPr lang="en-US"/>
           </a:p>
@@ -2800,7 +2800,7 @@
             <a:fld id="{0C35B86D-3FAF-4029-966F-3C83973A04B7}" type="datetimeFigureOut">
               <a:rPr lang="en-US" smtClean="0"/>
               <a:pPr/>
-              <a:t>10/8/2012</a:t>
+              <a:t>10/9/2012</a:t>
             </a:fld>
             <a:endParaRPr lang="en-US"/>
           </a:p>
@@ -3367,11 +3367,7 @@
           <a:p>
             <a:r>
               <a:rPr lang="ru-RU" dirty="0" smtClean="0"/>
-              <a:t>Възможности за реализиране на </a:t>
-            </a:r>
-            <a:r>
-              <a:rPr lang="ru-RU" dirty="0" smtClean="0"/>
-              <a:t>моделите. Избор на платформа и технологии за разработка.</a:t>
+              <a:t>Възможности за реализиране на моделите. Избор на платформа и технологии за разработка.</a:t>
             </a:r>
           </a:p>
           <a:p>
@@ -3389,19 +3385,11 @@
           <a:p>
             <a:r>
               <a:rPr lang="ru-RU" dirty="0" smtClean="0"/>
-              <a:t>Сравнителен анализ на предимствата на моделите –</a:t>
-            </a:r>
-            <a:r>
-              <a:rPr lang="ru-RU" dirty="0" smtClean="0"/>
-              <a:t>експериментално-теоретично </a:t>
-            </a:r>
-            <a:r>
-              <a:rPr lang="bg-BG" dirty="0" smtClean="0"/>
-              <a:t>демонстрация на предимствата от използване на </a:t>
-            </a:r>
-            <a:r>
-              <a:rPr lang="bg-BG" dirty="0" smtClean="0"/>
-              <a:t>моделите.</a:t>
+              <a:t>Сравнителен анализ на предимствата на моделите –експериментално-теоретично </a:t>
+            </a:r>
+            <a:r>
+              <a:rPr lang="bg-BG" dirty="0" smtClean="0"/>
+              <a:t>демонстрация на предимствата от използване на моделите.</a:t>
             </a:r>
             <a:endParaRPr lang="en-US" dirty="0"/>
           </a:p>
@@ -3425,10 +3413,10 @@
           <a:lstStyle/>
           <a:p>
             <a:r>
-              <a:rPr lang="bg-BG" dirty="0" smtClean="0"/>
+              <a:rPr lang="bg-BG" b="1" dirty="0" smtClean="0"/>
               <a:t>Трета глава – Изследване на приложимостта на моделите</a:t>
             </a:r>
-            <a:endParaRPr lang="en-US" dirty="0"/>
+            <a:endParaRPr lang="en-US" b="1" dirty="0"/>
           </a:p>
         </p:txBody>
       </p:sp>
@@ -3538,26 +3526,24 @@
         </p:nvSpPr>
         <p:spPr/>
         <p:txBody>
-          <a:bodyPr/>
-          <a:lstStyle/>
-          <a:p>
-            <a:r>
-              <a:rPr lang="bg-BG" dirty="0" smtClean="0"/>
-              <a:t>Научно-приложни </a:t>
-            </a:r>
-            <a:r>
-              <a:rPr lang="bg-BG" dirty="0" smtClean="0"/>
-              <a:t>приноси</a:t>
-            </a:r>
-            <a:r>
-              <a:rPr smtClean="0"/>
+          <a:bodyPr>
+            <a:normAutofit fontScale="90000"/>
+          </a:bodyPr>
+          <a:lstStyle/>
+          <a:p>
+            <a:r>
+              <a:rPr lang="bg-BG" b="1" dirty="0" smtClean="0"/>
+              <a:t>Научно-приложни приноси</a:t>
+            </a:r>
+            <a:r>
+              <a:rPr b="1" smtClean="0"/>
               <a:t> </a:t>
             </a:r>
             <a:r>
-              <a:rPr lang="bg-BG" dirty="0" smtClean="0"/>
+              <a:rPr lang="bg-BG" b="1" dirty="0" smtClean="0"/>
               <a:t>(1/2)</a:t>
             </a:r>
-            <a:endParaRPr lang="en-US" dirty="0"/>
+            <a:endParaRPr lang="en-US" b="1" dirty="0"/>
           </a:p>
         </p:txBody>
       </p:sp>
@@ -3599,7 +3585,7 @@
         <p:spPr/>
         <p:txBody>
           <a:bodyPr>
-            <a:normAutofit/>
+            <a:normAutofit lnSpcReduction="10000"/>
           </a:bodyPr>
           <a:lstStyle/>
           <a:p>
@@ -3618,21 +3604,21 @@
               <a:buFont typeface="+mj-lt"/>
               <a:buAutoNum type="arabicPeriod" startAt="5"/>
             </a:pPr>
+            <a:r>
+              <a:rPr lang="bg-BG" dirty="0" smtClean="0"/>
+              <a:t>Предложена е методологична рамка за използване на разработените модели. </a:t>
+            </a:r>
+            <a:r>
+              <a:rPr lang="bg-BG" dirty="0" smtClean="0"/>
+              <a:t>Направен е сравнителен анализ между използването на съществуващите инструменти и разработените модели. Анализа показва увеличаване на степента на автоматизация на част от дейностите при създаване на софтуерни продукти</a:t>
+            </a:r>
             <a:r>
               <a:rPr lang="bg-BG" dirty="0" smtClean="0">
                 <a:solidFill>
                   <a:srgbClr val="FFC000"/>
                 </a:solidFill>
               </a:rPr>
-              <a:t>Предложена </a:t>
-            </a:r>
-            <a:r>
-              <a:rPr lang="bg-BG" dirty="0" smtClean="0">
-                <a:solidFill>
-                  <a:srgbClr val="FFC000"/>
-                </a:solidFill>
-              </a:rPr>
-              <a:t>е методологична рамка за използване на разработените модели. Направен е сравнителен анализ на използването на моделите е увеличаване на степента на автоматизация на дейностите при създаване на софтуерни продукти при използване на разработените модели.</a:t>
+              <a:t>.</a:t>
             </a:r>
             <a:endParaRPr lang="en-US" dirty="0" smtClean="0">
               <a:solidFill>
@@ -3712,22 +3698,16 @@
         </p:nvSpPr>
         <p:spPr/>
         <p:txBody>
-          <a:bodyPr/>
-          <a:lstStyle/>
-          <a:p>
-            <a:r>
-              <a:rPr lang="bg-BG" dirty="0" smtClean="0"/>
-              <a:t>Научно-приложни приноси </a:t>
-            </a:r>
-            <a:r>
-              <a:rPr lang="bg-BG" dirty="0" smtClean="0"/>
-              <a:t>(2/2</a:t>
-            </a:r>
-            <a:r>
-              <a:rPr lang="bg-BG" dirty="0" smtClean="0"/>
-              <a:t>)</a:t>
-            </a:r>
-            <a:endParaRPr lang="en-US" dirty="0"/>
+          <a:bodyPr>
+            <a:normAutofit fontScale="90000"/>
+          </a:bodyPr>
+          <a:lstStyle/>
+          <a:p>
+            <a:r>
+              <a:rPr lang="bg-BG" b="1" dirty="0" smtClean="0"/>
+              <a:t>Научно-приложни приноси (2/2)</a:t>
+            </a:r>
+            <a:endParaRPr lang="en-US" b="1" dirty="0"/>
           </a:p>
         </p:txBody>
       </p:sp>
@@ -3870,11 +3850,7 @@
           <a:p>
             <a:r>
               <a:rPr lang="bg-BG" b="1" cap="all" dirty="0" smtClean="0"/>
-              <a:t>Публикации, свързани с дисертационния </a:t>
-            </a:r>
-            <a:r>
-              <a:rPr lang="bg-BG" b="1" cap="all" dirty="0" smtClean="0"/>
-              <a:t>труд (1/2)</a:t>
+              <a:t>Публикации, свързани с дисертационния труд (1/2)</a:t>
             </a:r>
             <a:endParaRPr lang="en-US" dirty="0"/>
           </a:p>
@@ -3978,11 +3954,7 @@
             </a:r>
             <a:r>
               <a:rPr lang="bg-BG" dirty="0" smtClean="0"/>
-              <a:t>. </a:t>
-            </a:r>
-            <a:r>
-              <a:rPr lang="bg-BG" dirty="0" smtClean="0"/>
-              <a:t>In</a:t>
+              <a:t>. In</a:t>
             </a:r>
             <a:r>
               <a:rPr lang="en-US" dirty="0" smtClean="0"/>
@@ -3990,15 +3962,7 @@
             </a:r>
             <a:r>
               <a:rPr lang="bg-BG" dirty="0" smtClean="0"/>
-              <a:t>Proceedings: </a:t>
-            </a:r>
-            <a:r>
-              <a:rPr lang="bg-BG" dirty="0" smtClean="0"/>
-              <a:t>John Atanassov Celebration Days. </a:t>
-            </a:r>
-            <a:r>
-              <a:rPr lang="bg-BG" dirty="0" smtClean="0"/>
-              <a:t>Interna</a:t>
+              <a:t>Proceedings: John Atanassov Celebration Days. Interna</a:t>
             </a:r>
             <a:r>
               <a:rPr lang="en-US" dirty="0" smtClean="0"/>
@@ -4006,15 +3970,7 @@
             </a:r>
             <a:r>
               <a:rPr lang="bg-BG" dirty="0" smtClean="0"/>
-              <a:t>ional </a:t>
-            </a:r>
-            <a:r>
-              <a:rPr lang="bg-BG" dirty="0" smtClean="0"/>
-              <a:t>Conference Automatics and </a:t>
-            </a:r>
-            <a:r>
-              <a:rPr lang="bg-BG" dirty="0" smtClean="0"/>
-              <a:t>Inforatics’10</a:t>
+              <a:t>ional Conference Automatics and Inforatics’10</a:t>
             </a:r>
             <a:r>
               <a:rPr lang="en-US" dirty="0" smtClean="0"/>
@@ -4022,11 +3978,7 @@
             </a:r>
             <a:r>
               <a:rPr lang="bg-BG" dirty="0" smtClean="0"/>
-              <a:t> Sofia</a:t>
-            </a:r>
-            <a:r>
-              <a:rPr lang="bg-BG" dirty="0" smtClean="0"/>
-              <a:t>, October 3-7, 2010.</a:t>
+              <a:t> Sofia, October 3-7, 2010.</a:t>
             </a:r>
             <a:endParaRPr lang="en-US" dirty="0"/>
           </a:p>
@@ -4051,11 +4003,7 @@
           <a:p>
             <a:r>
               <a:rPr lang="bg-BG" b="1" cap="all" dirty="0" smtClean="0"/>
-              <a:t>Публикации, свързани с дисертационния труд (</a:t>
-            </a:r>
-            <a:r>
-              <a:rPr lang="bg-BG" b="1" cap="all" dirty="0" smtClean="0"/>
-              <a:t>2/</a:t>
+              <a:t>Публикации, свързани с дисертационния труд (2/</a:t>
             </a:r>
             <a:r>
               <a:rPr b="1" cap="all" smtClean="0"/>
@@ -4163,12 +4111,12 @@
       </p:grpSpPr>
       <p:sp>
         <p:nvSpPr>
-          <p:cNvPr id="2" name="Content Placeholder 1"/>
-          <p:cNvSpPr>
-            <a:spLocks noGrp="1"/>
-          </p:cNvSpPr>
-          <p:nvPr>
-            <p:ph idx="1"/>
+          <p:cNvPr id="3" name="Title 2"/>
+          <p:cNvSpPr>
+            <a:spLocks noGrp="1"/>
+          </p:cNvSpPr>
+          <p:nvPr>
+            <p:ph type="title"/>
           </p:nvPr>
         </p:nvSpPr>
         <p:spPr/>
@@ -4177,52 +4125,88 @@
           <a:lstStyle/>
           <a:p>
             <a:r>
-              <a:rPr lang="bg-BG" dirty="0" smtClean="0"/>
-              <a:t>Цел: Изследване и създаване на модели за управление на софтуерни версии версии в среда, базирана на йерархично композирани работни пространства, които да послужат за създаването на прототип на система за управление на версии.</a:t>
-            </a:r>
-          </a:p>
-          <a:p>
-            <a:r>
-              <a:rPr lang="bg-BG" dirty="0" smtClean="0"/>
-              <a:t>Задачи:</a:t>
-            </a:r>
-          </a:p>
-          <a:p>
-            <a:pPr marL="822960" lvl="1" indent="-457200">
-              <a:buFont typeface="+mj-lt"/>
-              <a:buAutoNum type="arabicPeriod"/>
-            </a:pPr>
-            <a:r>
-              <a:rPr lang="bg-BG" dirty="0" smtClean="0"/>
-              <a:t>Да се създаде модел на версионизиран обект, осигуряващ максимална гъвкавост при определяне степента на гранулираност на данните в съчетание с простота и универсалност. </a:t>
-            </a:r>
-            <a:endParaRPr lang="en-US" dirty="0"/>
-          </a:p>
-        </p:txBody>
-      </p:sp>
-      <p:sp>
-        <p:nvSpPr>
-          <p:cNvPr id="3" name="Title 2"/>
-          <p:cNvSpPr>
-            <a:spLocks noGrp="1"/>
-          </p:cNvSpPr>
-          <p:nvPr>
-            <p:ph type="title"/>
-          </p:nvPr>
-        </p:nvSpPr>
-        <p:spPr/>
-        <p:txBody>
-          <a:bodyPr/>
-          <a:lstStyle/>
-          <a:p>
-            <a:r>
-              <a:rPr lang="bg-BG" dirty="0" smtClean="0"/>
-              <a:t>Цели и задачи (1/3)</a:t>
-            </a:r>
-            <a:endParaRPr lang="en-US" dirty="0"/>
-          </a:p>
-        </p:txBody>
-      </p:sp>
+              <a:rPr lang="bg-BG" b="1" dirty="0" smtClean="0"/>
+              <a:t>Обект на изследването</a:t>
+            </a:r>
+            <a:endParaRPr lang="en-US" b="1" dirty="0"/>
+          </a:p>
+        </p:txBody>
+      </p:sp>
+      <p:sp>
+        <p:nvSpPr>
+          <p:cNvPr id="4" name="Content Placeholder 3"/>
+          <p:cNvSpPr>
+            <a:spLocks noGrp="1"/>
+          </p:cNvSpPr>
+          <p:nvPr>
+            <p:ph sz="half" idx="1"/>
+          </p:nvPr>
+        </p:nvSpPr>
+        <p:spPr/>
+        <p:txBody>
+          <a:bodyPr>
+            <a:normAutofit/>
+          </a:bodyPr>
+          <a:lstStyle/>
+          <a:p>
+            <a:r>
+              <a:rPr lang="bg-BG" sz="2400" dirty="0" smtClean="0"/>
+              <a:t>Управление на версия</a:t>
+            </a:r>
+          </a:p>
+          <a:p>
+            <a:r>
+              <a:rPr lang="bg-BG" sz="2400" dirty="0" smtClean="0"/>
+              <a:t>Модели в йерархично композирани работни пространства</a:t>
+            </a:r>
+          </a:p>
+          <a:p>
+            <a:r>
+              <a:rPr lang="ru-RU" sz="2400" dirty="0" smtClean="0"/>
+              <a:t>Анализ </a:t>
+            </a:r>
+            <a:r>
+              <a:rPr lang="ru-RU" sz="2400" dirty="0" smtClean="0"/>
+              <a:t>на влиянието на промените над системата</a:t>
+            </a:r>
+            <a:endParaRPr lang="en-US" sz="2400" dirty="0"/>
+          </a:p>
+        </p:txBody>
+      </p:sp>
+      <p:pic>
+        <p:nvPicPr>
+          <p:cNvPr id="1026" name="Picture 2"/>
+          <p:cNvPicPr>
+            <a:picLocks noChangeAspect="1" noChangeArrowheads="1"/>
+          </p:cNvPicPr>
+          <p:nvPr/>
+        </p:nvPicPr>
+        <p:blipFill>
+          <a:blip r:embed="rId2">
+            <a:grayscl/>
+          </a:blip>
+          <a:srcRect/>
+          <a:stretch>
+            <a:fillRect/>
+          </a:stretch>
+        </p:blipFill>
+        <p:spPr bwMode="auto">
+          <a:xfrm>
+            <a:off x="4462086" y="1295400"/>
+            <a:ext cx="4273927" cy="4343400"/>
+          </a:xfrm>
+          <a:prstGeom prst="rect">
+            <a:avLst/>
+          </a:prstGeom>
+          <a:noFill/>
+          <a:ln w="9525">
+            <a:noFill/>
+            <a:miter lim="800000"/>
+            <a:headEnd/>
+            <a:tailEnd/>
+          </a:ln>
+        </p:spPr>
+      </p:pic>
     </p:spTree>
   </p:cSld>
   <p:clrMapOvr>
@@ -4258,46 +4242,58 @@
             <p:ph idx="1"/>
           </p:nvPr>
         </p:nvSpPr>
-        <p:spPr/>
-        <p:txBody>
-          <a:bodyPr/>
-          <a:lstStyle/>
+        <p:spPr>
+          <a:xfrm>
+            <a:off x="457200" y="838200"/>
+            <a:ext cx="8229600" cy="5638800"/>
+          </a:xfrm>
+        </p:spPr>
+        <p:txBody>
+          <a:bodyPr>
+            <a:normAutofit/>
+          </a:bodyPr>
+          <a:lstStyle/>
+          <a:p>
+            <a:r>
+              <a:rPr lang="bg-BG" b="1" dirty="0" smtClean="0"/>
+              <a:t>Цел</a:t>
+            </a:r>
+            <a:r>
+              <a:rPr lang="bg-BG" dirty="0" smtClean="0"/>
+              <a:t>: Изследване и създаване на модели за управление на софтуерни версии версии в среда, базирана на йерархично композирани работни пространства, които да послужат за създаването на прототип на система за управление на версии.</a:t>
+            </a:r>
+          </a:p>
+          <a:p>
+            <a:r>
+              <a:rPr lang="bg-BG" dirty="0" smtClean="0"/>
+              <a:t>Задачи:</a:t>
+            </a:r>
+          </a:p>
           <a:p>
             <a:pPr marL="822960" lvl="1" indent="-457200">
               <a:buFont typeface="+mj-lt"/>
-              <a:buAutoNum type="arabicPeriod" startAt="2"/>
+              <a:buAutoNum type="arabicPeriod"/>
             </a:pPr>
             <a:r>
               <a:rPr lang="bg-BG" dirty="0" smtClean="0"/>
-              <a:t>Да се създаде модел на среда с йерархично композирани работни пространства, както и да се определят правилата за управление на версия на обекти в тази среда.</a:t>
-            </a:r>
+              <a:t>Да се създаде модел на версионизиран обект, осигуряващ максимална гъвкавост при определяне степента на гранулираност на данните в съчетание с простота и универсалност. </a:t>
+            </a:r>
+            <a:endParaRPr lang="bg-BG" dirty="0" smtClean="0"/>
           </a:p>
           <a:p>
             <a:pPr marL="822960" lvl="1" indent="-457200">
               <a:buFont typeface="+mj-lt"/>
-              <a:buAutoNum type="arabicPeriod" startAt="2"/>
+              <a:buAutoNum type="arabicPeriod"/>
             </a:pPr>
             <a:r>
               <a:rPr lang="bg-BG" dirty="0" smtClean="0"/>
-              <a:t>Да се адаптира метод за проследимост на промени, базиран на събития, за среда с модел на йерархично композирани работни пространства.</a:t>
-            </a:r>
-          </a:p>
-          <a:p>
-            <a:pPr marL="822960" lvl="1" indent="-457200">
-              <a:buFont typeface="+mj-lt"/>
-              <a:buAutoNum type="arabicPeriod" startAt="2"/>
-            </a:pPr>
-            <a:r>
-              <a:rPr lang="bg-BG" dirty="0" smtClean="0"/>
-              <a:t>Да се определи терминологията в областта на версионизирането с използването на йерархично композирани работни пространства.</a:t>
-            </a:r>
-          </a:p>
-          <a:p>
-            <a:pPr marL="822960" lvl="1" indent="-457200">
-              <a:buFont typeface="+mj-lt"/>
-              <a:buAutoNum type="arabicPeriod" startAt="2"/>
-            </a:pPr>
-            <a:endParaRPr lang="en-US" dirty="0"/>
+              <a:t>Да се създаде модел на среда с йерархично композирани работни пространства, както и да се определят правилата за управление на версия на обекти в тази среда</a:t>
+            </a:r>
+            <a:r>
+              <a:rPr lang="bg-BG" dirty="0" smtClean="0"/>
+              <a:t>.</a:t>
+            </a:r>
+            <a:endParaRPr lang="bg-BG" dirty="0" smtClean="0"/>
           </a:p>
         </p:txBody>
       </p:sp>
@@ -4311,16 +4307,25 @@
             <p:ph type="title"/>
           </p:nvPr>
         </p:nvSpPr>
-        <p:spPr/>
+        <p:spPr>
+          <a:xfrm>
+            <a:off x="457200" y="152400"/>
+            <a:ext cx="8229600" cy="762000"/>
+          </a:xfrm>
+        </p:spPr>
         <p:txBody>
           <a:bodyPr/>
           <a:lstStyle/>
           <a:p>
             <a:r>
-              <a:rPr lang="bg-BG" dirty="0" smtClean="0"/>
-              <a:t>Цели и задачи (2/3)</a:t>
-            </a:r>
-            <a:endParaRPr lang="en-US" dirty="0"/>
+              <a:rPr lang="bg-BG" b="1" dirty="0" smtClean="0"/>
+              <a:t>Цели и задачи (</a:t>
+            </a:r>
+            <a:r>
+              <a:rPr lang="bg-BG" b="1" dirty="0" smtClean="0"/>
+              <a:t>1/2)</a:t>
+            </a:r>
+            <a:endParaRPr lang="en-US" b="1" dirty="0"/>
           </a:p>
         </p:txBody>
       </p:sp>
@@ -4359,10 +4364,45 @@
             <p:ph idx="1"/>
           </p:nvPr>
         </p:nvSpPr>
-        <p:spPr/>
-        <p:txBody>
-          <a:bodyPr/>
-          <a:lstStyle/>
+        <p:spPr>
+          <a:xfrm>
+            <a:off x="457200" y="990600"/>
+            <a:ext cx="8229600" cy="5105400"/>
+          </a:xfrm>
+        </p:spPr>
+        <p:txBody>
+          <a:bodyPr>
+            <a:normAutofit/>
+          </a:bodyPr>
+          <a:lstStyle/>
+          <a:p>
+            <a:pPr marL="822960" lvl="1" indent="-457200">
+              <a:buFont typeface="+mj-lt"/>
+              <a:buAutoNum type="arabicPeriod" startAt="3"/>
+            </a:pPr>
+            <a:r>
+              <a:rPr lang="bg-BG" dirty="0" smtClean="0"/>
+              <a:t>Да </a:t>
+            </a:r>
+            <a:r>
+              <a:rPr lang="bg-BG" dirty="0" smtClean="0"/>
+              <a:t>се адаптира метод за проследимост на промени, базиран на събития, за среда с модел на йерархично композирани работни пространства.</a:t>
+            </a:r>
+          </a:p>
+          <a:p>
+            <a:pPr marL="822960" lvl="1" indent="-457200">
+              <a:buFont typeface="+mj-lt"/>
+              <a:buAutoNum type="arabicPeriod" startAt="3"/>
+            </a:pPr>
+            <a:r>
+              <a:rPr lang="bg-BG" dirty="0" smtClean="0"/>
+              <a:t>Да се определи терминологията в областта на версионизирането с използването на йерархично композирани работни пространства</a:t>
+            </a:r>
+            <a:r>
+              <a:rPr lang="bg-BG" dirty="0" smtClean="0"/>
+              <a:t>.</a:t>
+            </a:r>
+          </a:p>
           <a:p>
             <a:pPr marL="822960" lvl="1" indent="-457200">
               <a:buFont typeface="+mj-lt"/>
@@ -4382,6 +4422,20 @@
               <a:rPr lang="bg-BG" dirty="0" smtClean="0"/>
               <a:t>Да се увеличи степента на автоматизация на дейностите при създаване на софтуерни продукти, в следствие на използване на разработените модели.</a:t>
             </a:r>
+            <a:endParaRPr lang="en-US" dirty="0" smtClean="0"/>
+          </a:p>
+          <a:p>
+            <a:pPr marL="822960" lvl="1" indent="-457200">
+              <a:buFont typeface="+mj-lt"/>
+              <a:buAutoNum type="arabicPeriod" startAt="3"/>
+            </a:pPr>
+            <a:endParaRPr lang="bg-BG" dirty="0" smtClean="0"/>
+          </a:p>
+          <a:p>
+            <a:pPr marL="822960" lvl="1" indent="-457200">
+              <a:buFont typeface="+mj-lt"/>
+              <a:buAutoNum type="arabicPeriod" startAt="3"/>
+            </a:pPr>
             <a:endParaRPr lang="en-US" dirty="0"/>
           </a:p>
         </p:txBody>
@@ -4396,16 +4450,25 @@
             <p:ph type="title"/>
           </p:nvPr>
         </p:nvSpPr>
-        <p:spPr/>
+        <p:spPr>
+          <a:xfrm>
+            <a:off x="457200" y="152400"/>
+            <a:ext cx="8229600" cy="762000"/>
+          </a:xfrm>
+        </p:spPr>
         <p:txBody>
           <a:bodyPr/>
           <a:lstStyle/>
           <a:p>
             <a:r>
-              <a:rPr lang="bg-BG" dirty="0" smtClean="0"/>
-              <a:t>Цели и задачи (3/3)</a:t>
-            </a:r>
-            <a:endParaRPr lang="en-US" dirty="0"/>
+              <a:rPr lang="bg-BG" b="1" dirty="0" smtClean="0"/>
+              <a:t>Цели и задачи (</a:t>
+            </a:r>
+            <a:r>
+              <a:rPr lang="bg-BG" b="1" dirty="0" smtClean="0"/>
+              <a:t>2/2)</a:t>
+            </a:r>
+            <a:endParaRPr lang="en-US" b="1" dirty="0"/>
           </a:p>
         </p:txBody>
       </p:sp>
@@ -4511,10 +4574,10 @@
           <a:lstStyle/>
           <a:p>
             <a:r>
-              <a:rPr lang="bg-BG" dirty="0" smtClean="0"/>
+              <a:rPr lang="bg-BG" b="1" dirty="0" smtClean="0"/>
               <a:t>Структура на дисертацията</a:t>
             </a:r>
-            <a:endParaRPr lang="en-US" dirty="0"/>
+            <a:endParaRPr lang="en-US" b="1" dirty="0"/>
           </a:p>
         </p:txBody>
       </p:sp>
@@ -4570,23 +4633,7 @@
             </a:r>
             <a:r>
               <a:rPr lang="ru-RU" dirty="0" smtClean="0"/>
-              <a:t>правлението на </a:t>
-            </a:r>
-            <a:r>
-              <a:rPr lang="ru-RU" dirty="0" smtClean="0"/>
-              <a:t>версии </a:t>
-            </a:r>
-            <a:r>
-              <a:rPr lang="ru-RU" dirty="0" smtClean="0"/>
-              <a:t>– задължителен </a:t>
-            </a:r>
-            <a:r>
-              <a:rPr lang="ru-RU" dirty="0" smtClean="0"/>
-              <a:t>инфраструктурен </a:t>
-            </a:r>
-            <a:r>
-              <a:rPr lang="ru-RU" dirty="0" smtClean="0"/>
-              <a:t>инструмент.</a:t>
+              <a:t>правлението на версии – задължителен инфраструктурен инструмент.</a:t>
             </a:r>
           </a:p>
           <a:p>
@@ -4600,27 +4647,7 @@
             </a:r>
             <a:r>
               <a:rPr lang="ru-RU" dirty="0" smtClean="0"/>
-              <a:t>възможност за определяне на </a:t>
-            </a:r>
-            <a:r>
-              <a:rPr lang="ru-RU" dirty="0" smtClean="0"/>
-              <a:t>ниво </a:t>
-            </a:r>
-            <a:r>
-              <a:rPr lang="ru-RU" dirty="0" smtClean="0"/>
-              <a:t>на </a:t>
-            </a:r>
-            <a:r>
-              <a:rPr lang="ru-RU" dirty="0" smtClean="0"/>
-              <a:t>степента </a:t>
-            </a:r>
-            <a:r>
-              <a:rPr lang="ru-RU" dirty="0" smtClean="0"/>
-              <a:t>на </a:t>
-            </a:r>
-            <a:r>
-              <a:rPr lang="ru-RU" dirty="0" smtClean="0"/>
-              <a:t>гранулираност.</a:t>
+              <a:t>възможност за определяне на ниво на степента на гранулираност.</a:t>
             </a:r>
           </a:p>
           <a:p>
@@ -4630,15 +4657,7 @@
             </a:pPr>
             <a:r>
               <a:rPr lang="ru-RU" dirty="0" smtClean="0"/>
-              <a:t>Анализ  на подходите за съхраняване на ВО. Съхраняване </a:t>
-            </a:r>
-            <a:r>
-              <a:rPr lang="ru-RU" dirty="0" smtClean="0"/>
-              <a:t>състояния </a:t>
-            </a:r>
-            <a:r>
-              <a:rPr lang="ru-RU" dirty="0" smtClean="0"/>
-              <a:t>– добри характеристики за реализация на прототипа.</a:t>
+              <a:t>Анализ  на подходите за съхраняване на ВО. Съхраняване състояния – добри характеристики за реализация на прототипа.</a:t>
             </a:r>
           </a:p>
         </p:txBody>
@@ -4661,14 +4680,10 @@
           <a:lstStyle/>
           <a:p>
             <a:r>
-              <a:rPr lang="bg-BG" sz="3600" dirty="0" smtClean="0"/>
-              <a:t>Първа глава – Управление на версията при създаването на софтуерни </a:t>
-            </a:r>
-            <a:r>
-              <a:rPr lang="bg-BG" sz="3600" dirty="0" smtClean="0"/>
-              <a:t>системи (1/2)</a:t>
-            </a:r>
-            <a:endParaRPr lang="en-US" sz="3600" dirty="0"/>
+              <a:rPr lang="bg-BG" sz="3600" b="1" dirty="0" smtClean="0"/>
+              <a:t>Първа глава – Управление на версията при създаването на софтуерни системи (1/2)</a:t>
+            </a:r>
+            <a:endParaRPr lang="en-US" sz="3600" b="1" dirty="0"/>
           </a:p>
         </p:txBody>
       </p:sp>
@@ -4729,27 +4744,7 @@
             </a:pPr>
             <a:r>
               <a:rPr lang="ru-RU" dirty="0" smtClean="0"/>
-              <a:t>Анализ </a:t>
-            </a:r>
-            <a:r>
-              <a:rPr lang="ru-RU" dirty="0" smtClean="0"/>
-              <a:t>на </a:t>
-            </a:r>
-            <a:r>
-              <a:rPr lang="ru-RU" dirty="0" smtClean="0"/>
-              <a:t>методите </a:t>
-            </a:r>
-            <a:r>
-              <a:rPr lang="ru-RU" dirty="0" smtClean="0"/>
-              <a:t>за проследимост на </a:t>
-            </a:r>
-            <a:r>
-              <a:rPr lang="ru-RU" dirty="0" smtClean="0"/>
-              <a:t>промените. </a:t>
-            </a:r>
-            <a:r>
-              <a:rPr lang="ru-RU" dirty="0" smtClean="0"/>
-              <a:t>Идентифицирана е липсата на инструменти, предоставящи адекватно ниво за създаване и управление на връзки на проследимост.</a:t>
+              <a:t>Анализ на методите за проследимост на промените. Идентифицирана е липсата на инструменти, предоставящи адекватно ниво за създаване и управление на връзки на проследимост.</a:t>
             </a:r>
             <a:endParaRPr lang="en-US" dirty="0"/>
           </a:p>
@@ -4773,18 +4768,10 @@
           <a:lstStyle/>
           <a:p>
             <a:r>
-              <a:rPr lang="bg-BG" sz="3200" dirty="0" smtClean="0"/>
-              <a:t>Първа глава – Управление на версията при създаването на софтуерни системи </a:t>
-            </a:r>
-            <a:r>
-              <a:rPr lang="bg-BG" sz="3200" dirty="0" smtClean="0"/>
-              <a:t>(2/2</a:t>
-            </a:r>
-            <a:r>
-              <a:rPr lang="bg-BG" sz="3200" dirty="0" smtClean="0"/>
-              <a:t>)</a:t>
-            </a:r>
-            <a:endParaRPr lang="en-US" sz="3200" dirty="0"/>
+              <a:rPr lang="bg-BG" sz="3200" b="1" dirty="0" smtClean="0"/>
+              <a:t>Първа глава – Управление на версията при създаването на софтуерни системи (2/2)</a:t>
+            </a:r>
+            <a:endParaRPr lang="en-US" sz="3200" b="1" dirty="0"/>
           </a:p>
         </p:txBody>
       </p:sp>
@@ -4898,14 +4885,10 @@
           <a:lstStyle/>
           <a:p>
             <a:r>
-              <a:rPr lang="bg-BG" sz="3600" dirty="0" smtClean="0"/>
-              <a:t>Втора глава – Модели за управление на версии в среда с йерархична композиция на работни пространства </a:t>
-            </a:r>
-            <a:r>
-              <a:rPr lang="bg-BG" sz="3600" dirty="0" smtClean="0"/>
-              <a:t> (1/2)</a:t>
-            </a:r>
-            <a:endParaRPr lang="en-US" sz="3600" dirty="0"/>
+              <a:rPr lang="bg-BG" sz="3600" b="1" dirty="0" smtClean="0"/>
+              <a:t>Втора глава – Модели за управление на версии в среда с йерархична композиция на работни пространства  (1/2)</a:t>
+            </a:r>
+            <a:endParaRPr lang="en-US" sz="3600" b="1" dirty="0"/>
           </a:p>
         </p:txBody>
       </p:sp>
@@ -4956,19 +4939,11 @@
           <a:p>
             <a:r>
               <a:rPr lang="ru-RU" dirty="0" smtClean="0"/>
-              <a:t>Проследимост на промените в среда </a:t>
-            </a:r>
-            <a:r>
-              <a:rPr lang="ru-RU" dirty="0" smtClean="0"/>
-              <a:t>с ЙКРП. Модел на работни единици. </a:t>
-            </a:r>
-            <a:r>
-              <a:rPr lang="bg-BG" dirty="0" smtClean="0"/>
-              <a:t>Адаптация на </a:t>
-            </a:r>
-            <a:r>
-              <a:rPr lang="bg-BG" dirty="0" smtClean="0"/>
-              <a:t>метод за проследимост, базиран на събития за среда с ЙКРП. </a:t>
+              <a:t>Проследимост на промените в среда с ЙКРП. Модел на работни единици. </a:t>
+            </a:r>
+            <a:r>
+              <a:rPr lang="bg-BG" dirty="0" smtClean="0"/>
+              <a:t>Адаптация на метод за проследимост, базиран на събития за среда с ЙКРП. </a:t>
             </a:r>
             <a:r>
               <a:rPr lang="ru-RU" dirty="0" smtClean="0"/>
@@ -5007,18 +4982,10 @@
           <a:lstStyle/>
           <a:p>
             <a:r>
-              <a:rPr lang="bg-BG" sz="3600" dirty="0" smtClean="0"/>
-              <a:t>Втора глава – Модели за управление на версии в среда с йерархична композиция на работни пространства  </a:t>
-            </a:r>
-            <a:r>
-              <a:rPr lang="bg-BG" sz="3600" dirty="0" smtClean="0"/>
-              <a:t>(2/2</a:t>
-            </a:r>
-            <a:r>
-              <a:rPr lang="bg-BG" sz="3600" dirty="0" smtClean="0"/>
-              <a:t>)</a:t>
-            </a:r>
-            <a:endParaRPr lang="en-US" sz="3600" dirty="0"/>
+              <a:rPr lang="bg-BG" sz="3600" b="1" dirty="0" smtClean="0"/>
+              <a:t>Втора глава – Модели за управление на версии в среда с йерархична композиция на работни пространства  (2/2)</a:t>
+            </a:r>
+            <a:endParaRPr lang="en-US" sz="3600" b="1" dirty="0"/>
           </a:p>
         </p:txBody>
       </p:sp>

--- a/trunk/doc/Presentation.pptx
+++ b/trunk/doc/Presentation.pptx
@@ -6,20 +6,22 @@
   </p:sldMasterIdLst>
   <p:sldIdLst>
     <p:sldId id="256" r:id="rId2"/>
-    <p:sldId id="271" r:id="rId3"/>
-    <p:sldId id="257" r:id="rId4"/>
-    <p:sldId id="258" r:id="rId5"/>
-    <p:sldId id="260" r:id="rId6"/>
-    <p:sldId id="261" r:id="rId7"/>
-    <p:sldId id="268" r:id="rId8"/>
-    <p:sldId id="262" r:id="rId9"/>
-    <p:sldId id="269" r:id="rId10"/>
-    <p:sldId id="263" r:id="rId11"/>
-    <p:sldId id="264" r:id="rId12"/>
-    <p:sldId id="267" r:id="rId13"/>
-    <p:sldId id="265" r:id="rId14"/>
-    <p:sldId id="266" r:id="rId15"/>
-    <p:sldId id="270" r:id="rId16"/>
+    <p:sldId id="257" r:id="rId3"/>
+    <p:sldId id="258" r:id="rId4"/>
+    <p:sldId id="260" r:id="rId5"/>
+    <p:sldId id="261" r:id="rId6"/>
+    <p:sldId id="268" r:id="rId7"/>
+    <p:sldId id="262" r:id="rId8"/>
+    <p:sldId id="269" r:id="rId9"/>
+    <p:sldId id="271" r:id="rId10"/>
+    <p:sldId id="272" r:id="rId11"/>
+    <p:sldId id="273" r:id="rId12"/>
+    <p:sldId id="274" r:id="rId13"/>
+    <p:sldId id="263" r:id="rId14"/>
+    <p:sldId id="264" r:id="rId15"/>
+    <p:sldId id="267" r:id="rId16"/>
+    <p:sldId id="265" r:id="rId17"/>
+    <p:sldId id="270" r:id="rId18"/>
   </p:sldIdLst>
   <p:sldSz cx="9144000" cy="6858000" type="screen4x3"/>
   <p:notesSz cx="6858000" cy="9144000"/>
@@ -412,7 +414,7 @@
             <a:fld id="{0C35B86D-3FAF-4029-966F-3C83973A04B7}" type="datetimeFigureOut">
               <a:rPr lang="en-US" smtClean="0"/>
               <a:pPr/>
-              <a:t>10/9/2012</a:t>
+              <a:t>10/11/2012</a:t>
             </a:fld>
             <a:endParaRPr lang="en-US"/>
           </a:p>
@@ -579,7 +581,7 @@
             <a:fld id="{0C35B86D-3FAF-4029-966F-3C83973A04B7}" type="datetimeFigureOut">
               <a:rPr lang="en-US" smtClean="0"/>
               <a:pPr/>
-              <a:t>10/9/2012</a:t>
+              <a:t>10/11/2012</a:t>
             </a:fld>
             <a:endParaRPr lang="en-US"/>
           </a:p>
@@ -756,7 +758,7 @@
             <a:fld id="{0C35B86D-3FAF-4029-966F-3C83973A04B7}" type="datetimeFigureOut">
               <a:rPr lang="en-US" smtClean="0"/>
               <a:pPr/>
-              <a:t>10/9/2012</a:t>
+              <a:t>10/11/2012</a:t>
             </a:fld>
             <a:endParaRPr lang="en-US"/>
           </a:p>
@@ -905,7 +907,7 @@
             <a:fld id="{0C35B86D-3FAF-4029-966F-3C83973A04B7}" type="datetimeFigureOut">
               <a:rPr lang="en-US" smtClean="0"/>
               <a:pPr/>
-              <a:t>10/9/2012</a:t>
+              <a:t>10/11/2012</a:t>
             </a:fld>
             <a:endParaRPr lang="en-US"/>
           </a:p>
@@ -1024,7 +1026,7 @@
             <a:fld id="{0C35B86D-3FAF-4029-966F-3C83973A04B7}" type="datetimeFigureOut">
               <a:rPr lang="en-US" smtClean="0"/>
               <a:pPr/>
-              <a:t>10/9/2012</a:t>
+              <a:t>10/11/2012</a:t>
             </a:fld>
             <a:endParaRPr lang="en-US"/>
           </a:p>
@@ -1296,7 +1298,7 @@
             <a:fld id="{0C35B86D-3FAF-4029-966F-3C83973A04B7}" type="datetimeFigureOut">
               <a:rPr lang="en-US" smtClean="0"/>
               <a:pPr/>
-              <a:t>10/9/2012</a:t>
+              <a:t>10/11/2012</a:t>
             </a:fld>
             <a:endParaRPr lang="en-US"/>
           </a:p>
@@ -1568,7 +1570,7 @@
             <a:fld id="{0C35B86D-3FAF-4029-966F-3C83973A04B7}" type="datetimeFigureOut">
               <a:rPr lang="en-US" smtClean="0"/>
               <a:pPr/>
-              <a:t>10/9/2012</a:t>
+              <a:t>10/11/2012</a:t>
             </a:fld>
             <a:endParaRPr lang="en-US"/>
           </a:p>
@@ -2016,7 +2018,7 @@
             <a:fld id="{0C35B86D-3FAF-4029-966F-3C83973A04B7}" type="datetimeFigureOut">
               <a:rPr lang="en-US" smtClean="0"/>
               <a:pPr/>
-              <a:t>10/9/2012</a:t>
+              <a:t>10/11/2012</a:t>
             </a:fld>
             <a:endParaRPr lang="en-US"/>
           </a:p>
@@ -2131,7 +2133,7 @@
             <a:fld id="{0C35B86D-3FAF-4029-966F-3C83973A04B7}" type="datetimeFigureOut">
               <a:rPr lang="en-US" smtClean="0"/>
               <a:pPr/>
-              <a:t>10/9/2012</a:t>
+              <a:t>10/11/2012</a:t>
             </a:fld>
             <a:endParaRPr lang="en-US"/>
           </a:p>
@@ -2383,7 +2385,7 @@
             <a:fld id="{0C35B86D-3FAF-4029-966F-3C83973A04B7}" type="datetimeFigureOut">
               <a:rPr lang="en-US" smtClean="0"/>
               <a:pPr/>
-              <a:t>10/9/2012</a:t>
+              <a:t>10/11/2012</a:t>
             </a:fld>
             <a:endParaRPr lang="en-US"/>
           </a:p>
@@ -2625,7 +2627,7 @@
             <a:fld id="{0C35B86D-3FAF-4029-966F-3C83973A04B7}" type="datetimeFigureOut">
               <a:rPr lang="en-US" smtClean="0"/>
               <a:pPr/>
-              <a:t>10/9/2012</a:t>
+              <a:t>10/11/2012</a:t>
             </a:fld>
             <a:endParaRPr lang="en-US"/>
           </a:p>
@@ -2800,7 +2802,7 @@
             <a:fld id="{0C35B86D-3FAF-4029-966F-3C83973A04B7}" type="datetimeFigureOut">
               <a:rPr lang="en-US" smtClean="0"/>
               <a:pPr/>
-              <a:t>10/9/2012</a:t>
+              <a:t>10/11/2012</a:t>
             </a:fld>
             <a:endParaRPr lang="en-US"/>
           </a:p>
@@ -3350,12 +3352,12 @@
       </p:grpSpPr>
       <p:sp>
         <p:nvSpPr>
-          <p:cNvPr id="2" name="Content Placeholder 1"/>
-          <p:cNvSpPr>
-            <a:spLocks noGrp="1"/>
-          </p:cNvSpPr>
-          <p:nvPr>
-            <p:ph idx="1"/>
+          <p:cNvPr id="3" name="Title 2"/>
+          <p:cNvSpPr>
+            <a:spLocks noGrp="1"/>
+          </p:cNvSpPr>
+          <p:nvPr>
+            <p:ph type="title"/>
           </p:nvPr>
         </p:nvSpPr>
         <p:spPr/>
@@ -3366,60 +3368,86 @@
           <a:lstStyle/>
           <a:p>
             <a:r>
-              <a:rPr lang="ru-RU" dirty="0" smtClean="0"/>
-              <a:t>Възможности за реализиране на моделите. Избор на платформа и технологии за разработка.</a:t>
-            </a:r>
-          </a:p>
-          <a:p>
-            <a:r>
-              <a:rPr lang="ru-RU" dirty="0" smtClean="0"/>
-              <a:t>Организация процеса на разработка на прототипа. Навигационна схема на прототипа.</a:t>
-            </a:r>
-          </a:p>
-          <a:p>
-            <a:r>
-              <a:rPr lang="ru-RU" dirty="0" smtClean="0"/>
-              <a:t>Примерни модели за композиране на ВО – показват възможностите на моделите в свободата на определяне на гранулираността им.</a:t>
-            </a:r>
-          </a:p>
-          <a:p>
-            <a:r>
-              <a:rPr lang="ru-RU" dirty="0" smtClean="0"/>
-              <a:t>Сравнителен анализ на предимствата на моделите –експериментално-теоретично </a:t>
-            </a:r>
-            <a:r>
-              <a:rPr lang="bg-BG" dirty="0" smtClean="0"/>
-              <a:t>демонстрация на предимствата от използване на моделите.</a:t>
+              <a:rPr lang="bg-BG" sz="3600" dirty="0" smtClean="0"/>
+              <a:t>Йерархично композирани работни </a:t>
+            </a:r>
+            <a:r>
+              <a:rPr lang="bg-BG" sz="3600" dirty="0" smtClean="0"/>
+              <a:t>пространства, модел на видимост на ВО</a:t>
+            </a:r>
+            <a:endParaRPr lang="en-US" sz="3600" dirty="0"/>
+          </a:p>
+        </p:txBody>
+      </p:sp>
+      <p:sp>
+        <p:nvSpPr>
+          <p:cNvPr id="2" name="Content Placeholder 1"/>
+          <p:cNvSpPr>
+            <a:spLocks noGrp="1"/>
+          </p:cNvSpPr>
+          <p:nvPr>
+            <p:ph sz="half" idx="1"/>
+          </p:nvPr>
+        </p:nvSpPr>
+        <p:spPr/>
+        <p:txBody>
+          <a:bodyPr>
+            <a:normAutofit fontScale="85000" lnSpcReduction="20000"/>
+          </a:bodyPr>
+          <a:lstStyle/>
+          <a:p>
+            <a:r>
+              <a:rPr lang="bg-BG" dirty="0" smtClean="0"/>
+              <a:t>Ако даден версионизиран обект има версия в рамките на дадено пространство (локална версия), то в това пространство се вижда само тази версия на обекта, въпреки наличието на други версии в родителските пространства</a:t>
+            </a:r>
+          </a:p>
+          <a:p>
+            <a:r>
+              <a:rPr lang="bg-BG" dirty="0" smtClean="0"/>
+              <a:t>Локалната версия на обект от дадено работно пространство се вижда рекурсивно във всички под-пространства, освен ако няма дефинирана друга локална версия в тях</a:t>
             </a:r>
             <a:endParaRPr lang="en-US" dirty="0"/>
           </a:p>
         </p:txBody>
       </p:sp>
-      <p:sp>
-        <p:nvSpPr>
-          <p:cNvPr id="3" name="Title 2"/>
-          <p:cNvSpPr>
-            <a:spLocks noGrp="1"/>
-          </p:cNvSpPr>
-          <p:nvPr>
-            <p:ph type="title"/>
-          </p:nvPr>
-        </p:nvSpPr>
-        <p:spPr/>
-        <p:txBody>
-          <a:bodyPr>
-            <a:normAutofit fontScale="90000"/>
-          </a:bodyPr>
-          <a:lstStyle/>
-          <a:p>
-            <a:r>
-              <a:rPr lang="bg-BG" b="1" dirty="0" smtClean="0"/>
-              <a:t>Трета глава – Изследване на приложимостта на моделите</a:t>
-            </a:r>
-            <a:endParaRPr lang="en-US" b="1" dirty="0"/>
-          </a:p>
-        </p:txBody>
-      </p:sp>
+      <p:pic>
+        <p:nvPicPr>
+          <p:cNvPr id="2051" name="Picture 3"/>
+          <p:cNvPicPr>
+            <a:picLocks noGrp="1" noChangeAspect="1" noChangeArrowheads="1"/>
+          </p:cNvPicPr>
+          <p:nvPr>
+            <p:ph sz="half" idx="2"/>
+          </p:nvPr>
+        </p:nvPicPr>
+        <p:blipFill>
+          <a:blip r:embed="rId2"/>
+          <a:srcRect/>
+          <a:stretch>
+            <a:fillRect/>
+          </a:stretch>
+        </p:blipFill>
+        <p:spPr bwMode="auto">
+          <a:xfrm>
+            <a:off x="4572000" y="2286000"/>
+            <a:ext cx="4224613" cy="2933179"/>
+          </a:xfrm>
+          <a:prstGeom prst="rect">
+            <a:avLst/>
+          </a:prstGeom>
+          <a:solidFill>
+            <a:srgbClr val="FFFFFF"/>
+          </a:solidFill>
+          <a:ln w="3175">
+            <a:solidFill>
+              <a:schemeClr val="tx1"/>
+            </a:solidFill>
+            <a:miter lim="800000"/>
+            <a:headEnd/>
+            <a:tailEnd/>
+          </a:ln>
+        </p:spPr>
+      </p:pic>
     </p:spTree>
   </p:cSld>
   <p:clrMapOvr>
@@ -3447,75 +3475,6 @@
       </p:grpSpPr>
       <p:sp>
         <p:nvSpPr>
-          <p:cNvPr id="2" name="Content Placeholder 1"/>
-          <p:cNvSpPr>
-            <a:spLocks noGrp="1"/>
-          </p:cNvSpPr>
-          <p:nvPr>
-            <p:ph idx="1"/>
-          </p:nvPr>
-        </p:nvSpPr>
-        <p:spPr/>
-        <p:txBody>
-          <a:bodyPr>
-            <a:normAutofit fontScale="92500" lnSpcReduction="10000"/>
-          </a:bodyPr>
-          <a:lstStyle/>
-          <a:p>
-            <a:pPr marL="822960" lvl="1" indent="-457200">
-              <a:buFont typeface="+mj-lt"/>
-              <a:buAutoNum type="arabicPeriod"/>
-            </a:pPr>
-            <a:r>
-              <a:rPr lang="bg-BG" dirty="0" smtClean="0"/>
-              <a:t>Изследвани са основните въпроси и направления в дадената предметна област и са определени направленията за развитие, стоящи пред съвременните системи за управление на версии.</a:t>
-            </a:r>
-            <a:endParaRPr lang="en-US" dirty="0" smtClean="0"/>
-          </a:p>
-          <a:p>
-            <a:pPr marL="822960" lvl="1" indent="-457200">
-              <a:buFont typeface="+mj-lt"/>
-              <a:buAutoNum type="arabicPeriod"/>
-            </a:pPr>
-            <a:r>
-              <a:rPr lang="bg-BG" dirty="0" smtClean="0"/>
-              <a:t>Създаден е модел на версионизиран обект, който позволява свободно да се определи степента на гранулираност на данните. </a:t>
-            </a:r>
-            <a:endParaRPr lang="en-US" dirty="0" smtClean="0"/>
-          </a:p>
-          <a:p>
-            <a:pPr marL="822960" lvl="1" indent="-457200">
-              <a:buFont typeface="+mj-lt"/>
-              <a:buAutoNum type="arabicPeriod"/>
-            </a:pPr>
-            <a:r>
-              <a:rPr lang="bg-BG" dirty="0" smtClean="0"/>
-              <a:t>Предложен е модел на среда с йерархично композирани работни пространства, също така са определени правилата за управление на версия на обекти в тази среда.</a:t>
-            </a:r>
-            <a:endParaRPr lang="en-US" dirty="0" smtClean="0"/>
-          </a:p>
-          <a:p>
-            <a:pPr marL="822960" lvl="1" indent="-457200">
-              <a:buFont typeface="+mj-lt"/>
-              <a:buAutoNum type="arabicPeriod"/>
-            </a:pPr>
-            <a:r>
-              <a:rPr lang="bg-BG" dirty="0" smtClean="0"/>
-              <a:t>Направена е адаптация на метод за проследимост на промени, базиран на събития, за среда с модел на йерархично композирани работни пространства. </a:t>
-            </a:r>
-            <a:endParaRPr lang="en-US" dirty="0" smtClean="0"/>
-          </a:p>
-          <a:p>
-            <a:pPr marL="514350" indent="-514350">
-              <a:buFont typeface="+mj-lt"/>
-              <a:buAutoNum type="arabicPeriod"/>
-            </a:pPr>
-            <a:endParaRPr lang="en-US" dirty="0"/>
-          </a:p>
-        </p:txBody>
-      </p:sp>
-      <p:sp>
-        <p:nvSpPr>
           <p:cNvPr id="3" name="Title 2"/>
           <p:cNvSpPr>
             <a:spLocks noGrp="1"/>
@@ -3532,21 +3491,124 @@
           <a:lstStyle/>
           <a:p>
             <a:r>
-              <a:rPr lang="bg-BG" b="1" dirty="0" smtClean="0"/>
-              <a:t>Научно-приложни приноси</a:t>
-            </a:r>
-            <a:r>
-              <a:rPr b="1" smtClean="0"/>
-              <a:t> </a:t>
-            </a:r>
-            <a:r>
-              <a:rPr lang="bg-BG" b="1" dirty="0" smtClean="0"/>
-              <a:t>(1/2)</a:t>
-            </a:r>
-            <a:endParaRPr lang="en-US" b="1" dirty="0"/>
-          </a:p>
-        </p:txBody>
-      </p:sp>
+              <a:rPr lang="bg-BG" dirty="0" smtClean="0"/>
+              <a:t>Транзакции над ВО в среда с </a:t>
+            </a:r>
+            <a:r>
+              <a:rPr lang="bg-BG" dirty="0" smtClean="0"/>
+              <a:t>ЙКРП. Жизнен цикъл на ВО</a:t>
+            </a:r>
+            <a:endParaRPr lang="en-US" dirty="0"/>
+          </a:p>
+        </p:txBody>
+      </p:sp>
+      <p:sp>
+        <p:nvSpPr>
+          <p:cNvPr id="4" name="Content Placeholder 3"/>
+          <p:cNvSpPr>
+            <a:spLocks noGrp="1"/>
+          </p:cNvSpPr>
+          <p:nvPr>
+            <p:ph sz="half" idx="1"/>
+          </p:nvPr>
+        </p:nvSpPr>
+        <p:spPr>
+          <a:xfrm>
+            <a:off x="457200" y="1524000"/>
+            <a:ext cx="3581400" cy="4572000"/>
+          </a:xfrm>
+        </p:spPr>
+        <p:txBody>
+          <a:bodyPr>
+            <a:normAutofit lnSpcReduction="10000"/>
+          </a:bodyPr>
+          <a:lstStyle/>
+          <a:p>
+            <a:r>
+              <a:rPr lang="bg-BG" dirty="0" smtClean="0"/>
+              <a:t>Транзакции </a:t>
+            </a:r>
+            <a:r>
+              <a:rPr lang="bg-BG" dirty="0" smtClean="0"/>
+              <a:t>в </a:t>
+            </a:r>
+            <a:r>
+              <a:rPr lang="bg-BG" dirty="0" smtClean="0"/>
+              <a:t>едно </a:t>
+            </a:r>
+            <a:r>
+              <a:rPr lang="bg-BG" dirty="0" smtClean="0"/>
+              <a:t>работно </a:t>
+            </a:r>
+            <a:r>
+              <a:rPr lang="bg-BG" dirty="0" smtClean="0"/>
+              <a:t>пространство</a:t>
+            </a:r>
+          </a:p>
+          <a:p>
+            <a:r>
+              <a:rPr lang="bg-BG" dirty="0" smtClean="0"/>
+              <a:t>Транзакции между две работни </a:t>
+            </a:r>
+            <a:r>
+              <a:rPr lang="bg-BG" dirty="0" smtClean="0"/>
+              <a:t>пространства</a:t>
+            </a:r>
+          </a:p>
+          <a:p>
+            <a:endParaRPr lang="bg-BG" dirty="0" smtClean="0"/>
+          </a:p>
+          <a:p>
+            <a:r>
+              <a:rPr lang="bg-BG" dirty="0" smtClean="0"/>
+              <a:t>Транзакции над прости обекти</a:t>
+            </a:r>
+          </a:p>
+          <a:p>
+            <a:r>
+              <a:rPr lang="bg-BG" dirty="0" smtClean="0"/>
+              <a:t>Транзакции над съставни обекти</a:t>
+            </a:r>
+            <a:endParaRPr lang="en-US" dirty="0"/>
+          </a:p>
+        </p:txBody>
+      </p:sp>
+      <p:pic>
+        <p:nvPicPr>
+          <p:cNvPr id="3075" name="Picture 3"/>
+          <p:cNvPicPr>
+            <a:picLocks noChangeAspect="1" noChangeArrowheads="1"/>
+          </p:cNvPicPr>
+          <p:nvPr/>
+        </p:nvPicPr>
+        <p:blipFill>
+          <a:blip r:embed="rId2"/>
+          <a:srcRect/>
+          <a:stretch>
+            <a:fillRect/>
+          </a:stretch>
+        </p:blipFill>
+        <p:spPr bwMode="auto">
+          <a:xfrm>
+            <a:off x="4114800" y="2133600"/>
+            <a:ext cx="4267200" cy="3808951"/>
+          </a:xfrm>
+          <a:prstGeom prst="rect">
+            <a:avLst/>
+          </a:prstGeom>
+          <a:solidFill>
+            <a:srgbClr val="FFFFFF"/>
+          </a:solidFill>
+          <a:ln w="3175">
+            <a:solidFill>
+              <a:schemeClr val="tx1"/>
+            </a:solidFill>
+            <a:miter lim="800000"/>
+            <a:headEnd/>
+            <a:tailEnd/>
+          </a:ln>
+        </p:spPr>
+      </p:pic>
     </p:spTree>
   </p:cSld>
   <p:clrMapOvr>
@@ -3574,7 +3636,7 @@
       </p:grpSpPr>
       <p:sp>
         <p:nvSpPr>
-          <p:cNvPr id="2" name="Content Placeholder 1"/>
+          <p:cNvPr id="6" name="Content Placeholder 5"/>
           <p:cNvSpPr>
             <a:spLocks noGrp="1"/>
           </p:cNvSpPr>
@@ -3589,106 +3651,77 @@
           </a:bodyPr>
           <a:lstStyle/>
           <a:p>
-            <a:pPr marL="822960" lvl="1" indent="-457200">
-              <a:buFont typeface="+mj-lt"/>
-              <a:buAutoNum type="arabicPeriod" startAt="5"/>
-            </a:pPr>
-            <a:r>
-              <a:rPr lang="bg-BG" dirty="0" smtClean="0"/>
-              <a:t>Определена е терминологията в областта на версионизирането с използването на йерархично композирани работни пространства.</a:t>
+            <a:r>
+              <a:rPr lang="bg-BG" dirty="0" smtClean="0"/>
+              <a:t>Работна единица е работата, която следва да се извърши</a:t>
+            </a:r>
+            <a:r>
+              <a:rPr lang="bg-BG" dirty="0" smtClean="0"/>
+              <a:t>.</a:t>
+            </a:r>
+          </a:p>
+          <a:p>
+            <a:r>
+              <a:rPr lang="bg-BG" dirty="0" smtClean="0"/>
+              <a:t>Етапи на метод на проследимост, базиран на </a:t>
+            </a:r>
+            <a:r>
+              <a:rPr lang="bg-BG" dirty="0" smtClean="0"/>
+              <a:t>събития</a:t>
+            </a:r>
+            <a:r>
+              <a:rPr lang="en-US" dirty="0" smtClean="0"/>
+              <a:t>:</a:t>
+            </a:r>
+            <a:endParaRPr lang="bg-BG" dirty="0" smtClean="0"/>
+          </a:p>
+          <a:p>
+            <a:pPr lvl="1"/>
+            <a:r>
+              <a:rPr lang="bg-BG" dirty="0" smtClean="0"/>
+              <a:t>Настройване на средата за генериране на проследяващи </a:t>
+            </a:r>
+            <a:r>
+              <a:rPr lang="bg-BG" dirty="0" smtClean="0"/>
+              <a:t>събития</a:t>
+            </a:r>
+          </a:p>
+          <a:p>
+            <a:pPr lvl="2"/>
+            <a:r>
+              <a:rPr lang="bg-BG" dirty="0" smtClean="0"/>
+              <a:t>Определяне на даден версионизиран обект като работна </a:t>
+            </a:r>
+            <a:r>
+              <a:rPr lang="bg-BG" dirty="0" smtClean="0"/>
+              <a:t>единица</a:t>
+            </a:r>
+          </a:p>
+          <a:p>
+            <a:pPr lvl="2"/>
+            <a:r>
+              <a:rPr lang="bg-BG" dirty="0" smtClean="0"/>
+              <a:t>Подготвяне на работното пространсто за автоматично генериране на проследяващи връзки</a:t>
+            </a:r>
+            <a:endParaRPr lang="bg-BG" dirty="0" smtClean="0"/>
+          </a:p>
+          <a:p>
+            <a:pPr lvl="1"/>
+            <a:r>
+              <a:rPr lang="bg-BG" dirty="0" smtClean="0"/>
+              <a:t>Прихващане на събития за осъществена промяна над обект и създаване на проследяващи </a:t>
+            </a:r>
+            <a:r>
+              <a:rPr lang="bg-BG" dirty="0" smtClean="0"/>
+              <a:t>връзки	</a:t>
             </a:r>
             <a:endParaRPr lang="en-US" dirty="0" smtClean="0"/>
           </a:p>
-          <a:p>
-            <a:pPr marL="822960" lvl="1" indent="-457200">
-              <a:buFont typeface="+mj-lt"/>
-              <a:buAutoNum type="arabicPeriod" startAt="5"/>
-            </a:pPr>
-            <a:r>
-              <a:rPr lang="bg-BG" dirty="0" smtClean="0"/>
-              <a:t>Предложена е методологична рамка за използване на разработените модели. </a:t>
-            </a:r>
-            <a:r>
-              <a:rPr lang="bg-BG" dirty="0" smtClean="0"/>
-              <a:t>Направен е сравнителен анализ между използването на съществуващите инструменти и разработените модели. Анализа показва увеличаване на степента на автоматизация на част от дейностите при създаване на софтуерни продукти</a:t>
-            </a:r>
-            <a:r>
-              <a:rPr lang="bg-BG" dirty="0" smtClean="0">
-                <a:solidFill>
-                  <a:srgbClr val="FFC000"/>
-                </a:solidFill>
-              </a:rPr>
-              <a:t>.</a:t>
-            </a:r>
-            <a:endParaRPr lang="en-US" dirty="0" smtClean="0">
-              <a:solidFill>
-                <a:srgbClr val="FFC000"/>
-              </a:solidFill>
-            </a:endParaRPr>
-          </a:p>
-          <a:p>
-            <a:pPr marL="822960" lvl="1" indent="-457200">
-              <a:buFont typeface="+mj-lt"/>
-              <a:buAutoNum type="arabicPeriod" startAt="5"/>
-            </a:pPr>
-            <a:r>
-              <a:rPr lang="bg-BG" dirty="0" smtClean="0"/>
-              <a:t>Реализиран е </a:t>
-            </a:r>
-            <a:r>
-              <a:rPr lang="ru-RU" dirty="0" smtClean="0"/>
-              <a:t>функционален </a:t>
-            </a:r>
-            <a:r>
-              <a:rPr lang="bg-BG" dirty="0" smtClean="0"/>
-              <a:t>прототип</a:t>
-            </a:r>
-            <a:r>
-              <a:rPr lang="ru-RU" dirty="0" smtClean="0"/>
-              <a:t> на система за </a:t>
-            </a:r>
-            <a:r>
-              <a:rPr lang="bg-BG" dirty="0" smtClean="0"/>
-              <a:t>управление</a:t>
-            </a:r>
-            <a:r>
-              <a:rPr lang="ru-RU" dirty="0" smtClean="0"/>
-              <a:t> на версии. С</a:t>
-            </a:r>
-            <a:r>
-              <a:rPr lang="bg-BG" dirty="0" smtClean="0"/>
-              <a:t> помощта на </a:t>
-            </a:r>
-            <a:r>
-              <a:rPr lang="ru-RU" dirty="0" smtClean="0"/>
-              <a:t>прототипа е направена </a:t>
-            </a:r>
-            <a:r>
-              <a:rPr lang="bg-BG" dirty="0" smtClean="0"/>
-              <a:t>апробация</a:t>
-            </a:r>
-            <a:r>
-              <a:rPr lang="ru-RU" dirty="0" smtClean="0"/>
-              <a:t> на</a:t>
-            </a:r>
-            <a:r>
-              <a:rPr lang="bg-BG" dirty="0" smtClean="0"/>
-              <a:t> разработените модели.</a:t>
-            </a:r>
-            <a:endParaRPr lang="en-US" dirty="0" smtClean="0"/>
-          </a:p>
-          <a:p>
-            <a:pPr marL="514350" indent="-514350">
-              <a:buFont typeface="+mj-lt"/>
-              <a:buAutoNum type="arabicPeriod"/>
-            </a:pPr>
-            <a:endParaRPr lang="en-US" dirty="0"/>
-          </a:p>
-        </p:txBody>
-      </p:sp>
-      <p:sp>
-        <p:nvSpPr>
-          <p:cNvPr id="3" name="Title 2"/>
+        </p:txBody>
+      </p:sp>
+      <p:sp>
+        <p:nvSpPr>
+          <p:cNvPr id="2" name="Title 1"/>
           <p:cNvSpPr>
             <a:spLocks noGrp="1"/>
           </p:cNvSpPr>
@@ -3704,10 +3737,10 @@
           <a:lstStyle/>
           <a:p>
             <a:r>
-              <a:rPr lang="bg-BG" b="1" dirty="0" smtClean="0"/>
-              <a:t>Научно-приложни приноси (2/2)</a:t>
-            </a:r>
-            <a:endParaRPr lang="en-US" b="1" dirty="0"/>
+              <a:rPr lang="ru-RU" dirty="0" smtClean="0"/>
+              <a:t>Проследимост на промените в среда с ЙКРП. Модел на работни единици</a:t>
+            </a:r>
+            <a:endParaRPr lang="en-US" dirty="0"/>
           </a:p>
         </p:txBody>
       </p:sp>
@@ -3749,84 +3782,36 @@
         <p:spPr/>
         <p:txBody>
           <a:bodyPr>
-            <a:normAutofit lnSpcReduction="10000"/>
+            <a:normAutofit/>
           </a:bodyPr>
           <a:lstStyle/>
           <a:p>
             <a:r>
-              <a:rPr lang="bg-BG" dirty="0" smtClean="0"/>
-              <a:t>Jotov, Vl. </a:t>
-            </a:r>
-            <a:r>
-              <a:rPr lang="bg-BG" b="1" dirty="0" smtClean="0">
-                <a:solidFill>
-                  <a:srgbClr val="FFC000"/>
-                </a:solidFill>
-              </a:rPr>
-              <a:t>An investigation on the approaches for version control systems</a:t>
-            </a:r>
-            <a:r>
-              <a:rPr lang="bg-BG" dirty="0" smtClean="0"/>
-              <a:t>. CompSysTech’08, Gabrovo, Bulgaria, 12-13 June, 2008.</a:t>
-            </a:r>
-          </a:p>
-          <a:p>
-            <a:r>
-              <a:rPr lang="bg-BG" dirty="0" smtClean="0"/>
-              <a:t>Jotov, V</a:t>
-            </a:r>
-            <a:r>
-              <a:rPr lang="en-US" dirty="0" smtClean="0"/>
-              <a:t>l</a:t>
-            </a:r>
-            <a:r>
-              <a:rPr lang="bg-BG" dirty="0" smtClean="0"/>
-              <a:t>. </a:t>
-            </a:r>
-            <a:r>
-              <a:rPr lang="bg-BG" b="1" dirty="0" smtClean="0">
-                <a:solidFill>
-                  <a:srgbClr val="FFC000"/>
-                </a:solidFill>
-              </a:rPr>
-              <a:t>Transaction over versioned objects in hierarchical workspace environment</a:t>
-            </a:r>
-            <a:r>
-              <a:rPr lang="bg-BG" dirty="0" smtClean="0"/>
-              <a:t>. International Conference on Electronics, Computers and Artificial Intelligence – ECAI” 09, 3-5 July, Pitesti, Romania, 2009.</a:t>
-            </a:r>
-          </a:p>
-          <a:p>
-            <a:r>
-              <a:rPr lang="bg-BG" dirty="0" smtClean="0"/>
-              <a:t>Jotov, V</a:t>
-            </a:r>
-            <a:r>
-              <a:rPr lang="en-US" dirty="0" smtClean="0"/>
-              <a:t>l</a:t>
-            </a:r>
-            <a:r>
-              <a:rPr lang="bg-BG" dirty="0" smtClean="0"/>
-              <a:t>.</a:t>
-            </a:r>
-            <a:r>
-              <a:rPr lang="en-US" dirty="0" smtClean="0"/>
-              <a:t>, </a:t>
-            </a:r>
-            <a:r>
-              <a:rPr lang="bg-BG" b="1" dirty="0" smtClean="0">
-                <a:solidFill>
-                  <a:srgbClr val="FFC000"/>
-                </a:solidFill>
-              </a:rPr>
-              <a:t>Towards a model of versioning domain</a:t>
-            </a:r>
-            <a:r>
-              <a:rPr lang="bg-BG" dirty="0" smtClean="0"/>
-              <a:t>. In: 2009 5th Central and Eastern European Software Engineering Conference in Russia (CEE – SECR), Moscow, 28-29 October, 2009</a:t>
-            </a:r>
-          </a:p>
-          <a:p>
+              <a:rPr lang="ru-RU" dirty="0" smtClean="0"/>
+              <a:t>Възможности за реализиране на моделите. Избор на платформа и технологии за разработка.</a:t>
+            </a:r>
+          </a:p>
+          <a:p>
+            <a:r>
+              <a:rPr lang="ru-RU" dirty="0" smtClean="0"/>
+              <a:t>Организация процеса на разработка на прототипа. Навигационна схема на прототипа.</a:t>
+            </a:r>
+          </a:p>
+          <a:p>
+            <a:r>
+              <a:rPr lang="ru-RU" dirty="0" smtClean="0"/>
+              <a:t>Примерни модели за композиране на ВО – показват възможностите на моделите в свободата на определяне на гранулираността им.</a:t>
+            </a:r>
+          </a:p>
+          <a:p>
+            <a:r>
+              <a:rPr lang="ru-RU" dirty="0" smtClean="0"/>
+              <a:t>Сравнителен анализ на предимствата на моделите –експериментално-теоретично </a:t>
+            </a:r>
+            <a:r>
+              <a:rPr lang="bg-BG" dirty="0" smtClean="0"/>
+              <a:t>демонстрация на предимствата от използване на моделите.</a:t>
+            </a:r>
             <a:endParaRPr lang="en-US" dirty="0"/>
           </a:p>
         </p:txBody>
@@ -3849,10 +3834,10 @@
           <a:lstStyle/>
           <a:p>
             <a:r>
-              <a:rPr lang="bg-BG" b="1" cap="all" dirty="0" smtClean="0"/>
-              <a:t>Публикации, свързани с дисертационния труд (1/2)</a:t>
-            </a:r>
-            <a:endParaRPr lang="en-US" dirty="0"/>
+              <a:rPr lang="bg-BG" b="1" dirty="0" smtClean="0"/>
+              <a:t>Трета глава – Изследване на приложимостта на моделите</a:t>
+            </a:r>
+            <a:endParaRPr lang="en-US" b="1" dirty="0"/>
           </a:p>
         </p:txBody>
       </p:sp>
@@ -3894,92 +3879,58 @@
         <p:spPr/>
         <p:txBody>
           <a:bodyPr>
-            <a:normAutofit/>
+            <a:normAutofit fontScale="92500" lnSpcReduction="10000"/>
           </a:bodyPr>
           <a:lstStyle/>
           <a:p>
-            <a:r>
-              <a:rPr lang="bg-BG" dirty="0" smtClean="0"/>
-              <a:t>Йотов, В</a:t>
-            </a:r>
-            <a:r>
-              <a:rPr lang="ru-RU" dirty="0" smtClean="0"/>
-              <a:t>л</a:t>
-            </a:r>
-            <a:r>
-              <a:rPr lang="bg-BG" dirty="0" smtClean="0"/>
-              <a:t>., </a:t>
-            </a:r>
-            <a:r>
-              <a:rPr lang="bg-BG" b="1" dirty="0" smtClean="0">
-                <a:solidFill>
-                  <a:srgbClr val="FFC000"/>
-                </a:solidFill>
-              </a:rPr>
-              <a:t>Модел на данните в система за контрол на версии, базирана на йерархични работни прстранства</a:t>
-            </a:r>
-            <a:r>
-              <a:rPr lang="bg-BG" dirty="0" smtClean="0"/>
-              <a:t>. Научна конференция с международно участие „25 години Педагогически факултет.,Велико Търново, 2009.</a:t>
-            </a:r>
-          </a:p>
-          <a:p>
-            <a:r>
-              <a:rPr lang="bg-BG" dirty="0" smtClean="0"/>
-              <a:t>Jotov, V</a:t>
-            </a:r>
-            <a:r>
-              <a:rPr lang="en-US" dirty="0" smtClean="0"/>
-              <a:t>l</a:t>
-            </a:r>
-            <a:r>
-              <a:rPr lang="bg-BG" dirty="0" smtClean="0"/>
-              <a:t>.</a:t>
-            </a:r>
-            <a:r>
-              <a:rPr lang="en-US" dirty="0" smtClean="0"/>
-              <a:t>,</a:t>
-            </a:r>
-            <a:r>
-              <a:rPr lang="bg-BG" dirty="0" smtClean="0"/>
-              <a:t> </a:t>
-            </a:r>
-            <a:r>
-              <a:rPr lang="bg-BG" b="1" dirty="0" smtClean="0">
-                <a:solidFill>
-                  <a:srgbClr val="FFC000"/>
-                </a:solidFill>
-              </a:rPr>
-              <a:t>Adaptation of Event-Based Traceability Method for Environment with Hierarchal Composed Workspaces</a:t>
-            </a:r>
-            <a:r>
-              <a:rPr lang="bg-BG" dirty="0" smtClean="0"/>
-              <a:t>. In</a:t>
-            </a:r>
-            <a:r>
-              <a:rPr lang="en-US" dirty="0" smtClean="0"/>
-              <a:t> </a:t>
-            </a:r>
-            <a:r>
-              <a:rPr lang="bg-BG" dirty="0" smtClean="0"/>
-              <a:t>Proceedings: John Atanassov Celebration Days. Interna</a:t>
-            </a:r>
-            <a:r>
-              <a:rPr lang="en-US" dirty="0" smtClean="0"/>
-              <a:t>t</a:t>
-            </a:r>
-            <a:r>
-              <a:rPr lang="bg-BG" dirty="0" smtClean="0"/>
-              <a:t>ional Conference Automatics and Inforatics’10</a:t>
-            </a:r>
-            <a:r>
-              <a:rPr lang="en-US" dirty="0" smtClean="0"/>
-              <a:t>,</a:t>
-            </a:r>
-            <a:r>
-              <a:rPr lang="bg-BG" dirty="0" smtClean="0"/>
-              <a:t> Sofia, October 3-7, 2010.</a:t>
-            </a:r>
+            <a:pPr marL="822960" lvl="1" indent="-457200">
+              <a:buFont typeface="+mj-lt"/>
+              <a:buAutoNum type="arabicPeriod"/>
+            </a:pPr>
+            <a:r>
+              <a:rPr lang="bg-BG" dirty="0" smtClean="0"/>
+              <a:t>Изследвани са основните въпроси и направления в дадената предметна област и са определени направленията за развитие, стоящи пред съвременните системи за управление на версии.</a:t>
+            </a:r>
+            <a:endParaRPr lang="en-US" dirty="0" smtClean="0"/>
+          </a:p>
+          <a:p>
+            <a:pPr marL="822960" lvl="1" indent="-457200">
+              <a:buFont typeface="+mj-lt"/>
+              <a:buAutoNum type="arabicPeriod"/>
+            </a:pPr>
+            <a:r>
+              <a:rPr lang="bg-BG" dirty="0" smtClean="0"/>
+              <a:t>Създаден е модел на версионизиран обект, който позволява свободно да се определи степента на гранулираност на данните. </a:t>
+            </a:r>
+            <a:endParaRPr lang="en-US" dirty="0" smtClean="0"/>
+          </a:p>
+          <a:p>
+            <a:pPr marL="822960" lvl="1" indent="-457200">
+              <a:buFont typeface="+mj-lt"/>
+              <a:buAutoNum type="arabicPeriod"/>
+            </a:pPr>
+            <a:r>
+              <a:rPr lang="bg-BG" dirty="0" smtClean="0"/>
+              <a:t>Предложен е модел на среда с йерархично композирани работни пространства, също така са определени правилата за управление на версия на обекти в тази среда.</a:t>
+            </a:r>
+            <a:endParaRPr lang="en-US" dirty="0" smtClean="0"/>
+          </a:p>
+          <a:p>
+            <a:pPr marL="822960" lvl="1" indent="-457200">
+              <a:buFont typeface="+mj-lt"/>
+              <a:buAutoNum type="arabicPeriod"/>
+            </a:pPr>
+            <a:r>
+              <a:rPr lang="bg-BG" dirty="0" smtClean="0"/>
+              <a:t>Направена е адаптация на метод за проследимост на промени, базиран на събития, за среда с модел на йерархично композирани работни пространства. </a:t>
+            </a:r>
+            <a:endParaRPr lang="en-US" dirty="0" smtClean="0"/>
+          </a:p>
+          <a:p>
+            <a:pPr marL="514350" indent="-514350">
+              <a:buFont typeface="+mj-lt"/>
+              <a:buAutoNum type="arabicPeriod"/>
+            </a:pPr>
             <a:endParaRPr lang="en-US" dirty="0"/>
           </a:p>
         </p:txBody>
@@ -4002,18 +3953,18 @@
           <a:lstStyle/>
           <a:p>
             <a:r>
-              <a:rPr lang="bg-BG" b="1" cap="all" dirty="0" smtClean="0"/>
-              <a:t>Публикации, свързани с дисертационния труд (2/</a:t>
-            </a:r>
-            <a:r>
-              <a:rPr b="1" cap="all" smtClean="0"/>
-              <a:t>2</a:t>
-            </a:r>
-            <a:r>
-              <a:rPr lang="bg-BG" b="1" cap="all" dirty="0" smtClean="0"/>
-              <a:t>)</a:t>
-            </a:r>
-            <a:endParaRPr lang="en-US" dirty="0"/>
+              <a:rPr lang="bg-BG" b="1" dirty="0" smtClean="0"/>
+              <a:t>Научно-приложни приноси</a:t>
+            </a:r>
+            <a:r>
+              <a:rPr b="1" smtClean="0"/>
+              <a:t> </a:t>
+            </a:r>
+            <a:r>
+              <a:rPr lang="bg-BG" b="1" dirty="0" smtClean="0"/>
+              <a:t>(1/2)</a:t>
+            </a:r>
+            <a:endParaRPr lang="en-US" b="1" dirty="0"/>
           </a:p>
         </p:txBody>
       </p:sp>
@@ -4044,6 +3995,400 @@
       </p:grpSpPr>
       <p:sp>
         <p:nvSpPr>
+          <p:cNvPr id="2" name="Content Placeholder 1"/>
+          <p:cNvSpPr>
+            <a:spLocks noGrp="1"/>
+          </p:cNvSpPr>
+          <p:nvPr>
+            <p:ph idx="1"/>
+          </p:nvPr>
+        </p:nvSpPr>
+        <p:spPr/>
+        <p:txBody>
+          <a:bodyPr>
+            <a:normAutofit lnSpcReduction="10000"/>
+          </a:bodyPr>
+          <a:lstStyle/>
+          <a:p>
+            <a:pPr marL="822960" lvl="1" indent="-457200">
+              <a:buFont typeface="+mj-lt"/>
+              <a:buAutoNum type="arabicPeriod" startAt="5"/>
+            </a:pPr>
+            <a:r>
+              <a:rPr lang="bg-BG" dirty="0" smtClean="0"/>
+              <a:t>Определена е терминологията в областта на версионизирането с използването на йерархично композирани работни пространства.</a:t>
+            </a:r>
+            <a:endParaRPr lang="en-US" dirty="0" smtClean="0"/>
+          </a:p>
+          <a:p>
+            <a:pPr marL="822960" lvl="1" indent="-457200">
+              <a:buFont typeface="+mj-lt"/>
+              <a:buAutoNum type="arabicPeriod" startAt="5"/>
+            </a:pPr>
+            <a:r>
+              <a:rPr lang="bg-BG" dirty="0" smtClean="0"/>
+              <a:t>Предложена е методологична рамка за използване на разработените модели. Направен е сравнителен анализ между използването на съществуващите инструменти и разработените модели. Анализа показва увеличаване на степента на автоматизация на част от дейностите при създаване на софтуерни продукти</a:t>
+            </a:r>
+            <a:r>
+              <a:rPr lang="bg-BG" dirty="0" smtClean="0">
+                <a:solidFill>
+                  <a:srgbClr val="FFC000"/>
+                </a:solidFill>
+              </a:rPr>
+              <a:t>.</a:t>
+            </a:r>
+            <a:endParaRPr lang="en-US" dirty="0" smtClean="0">
+              <a:solidFill>
+                <a:srgbClr val="FFC000"/>
+              </a:solidFill>
+            </a:endParaRPr>
+          </a:p>
+          <a:p>
+            <a:pPr marL="822960" lvl="1" indent="-457200">
+              <a:buFont typeface="+mj-lt"/>
+              <a:buAutoNum type="arabicPeriod" startAt="5"/>
+            </a:pPr>
+            <a:r>
+              <a:rPr lang="bg-BG" dirty="0" smtClean="0"/>
+              <a:t>Реализиран е </a:t>
+            </a:r>
+            <a:r>
+              <a:rPr lang="ru-RU" dirty="0" smtClean="0"/>
+              <a:t>функционален </a:t>
+            </a:r>
+            <a:r>
+              <a:rPr lang="bg-BG" dirty="0" smtClean="0"/>
+              <a:t>прототип</a:t>
+            </a:r>
+            <a:r>
+              <a:rPr lang="ru-RU" dirty="0" smtClean="0"/>
+              <a:t> на система за </a:t>
+            </a:r>
+            <a:r>
+              <a:rPr lang="bg-BG" dirty="0" smtClean="0"/>
+              <a:t>управление</a:t>
+            </a:r>
+            <a:r>
+              <a:rPr lang="ru-RU" dirty="0" smtClean="0"/>
+              <a:t> на версии. С</a:t>
+            </a:r>
+            <a:r>
+              <a:rPr lang="bg-BG" dirty="0" smtClean="0"/>
+              <a:t> помощта на </a:t>
+            </a:r>
+            <a:r>
+              <a:rPr lang="ru-RU" dirty="0" smtClean="0"/>
+              <a:t>прототипа е направена </a:t>
+            </a:r>
+            <a:r>
+              <a:rPr lang="bg-BG" dirty="0" smtClean="0"/>
+              <a:t>апробация</a:t>
+            </a:r>
+            <a:r>
+              <a:rPr lang="ru-RU" dirty="0" smtClean="0"/>
+              <a:t> на</a:t>
+            </a:r>
+            <a:r>
+              <a:rPr lang="bg-BG" dirty="0" smtClean="0"/>
+              <a:t> разработените модели.</a:t>
+            </a:r>
+            <a:endParaRPr lang="en-US" dirty="0" smtClean="0"/>
+          </a:p>
+          <a:p>
+            <a:pPr marL="514350" indent="-514350">
+              <a:buFont typeface="+mj-lt"/>
+              <a:buAutoNum type="arabicPeriod"/>
+            </a:pPr>
+            <a:endParaRPr lang="en-US" dirty="0"/>
+          </a:p>
+        </p:txBody>
+      </p:sp>
+      <p:sp>
+        <p:nvSpPr>
+          <p:cNvPr id="3" name="Title 2"/>
+          <p:cNvSpPr>
+            <a:spLocks noGrp="1"/>
+          </p:cNvSpPr>
+          <p:nvPr>
+            <p:ph type="title"/>
+          </p:nvPr>
+        </p:nvSpPr>
+        <p:spPr/>
+        <p:txBody>
+          <a:bodyPr>
+            <a:normAutofit fontScale="90000"/>
+          </a:bodyPr>
+          <a:lstStyle/>
+          <a:p>
+            <a:r>
+              <a:rPr lang="bg-BG" b="1" dirty="0" smtClean="0"/>
+              <a:t>Научно-приложни приноси (2/2)</a:t>
+            </a:r>
+            <a:endParaRPr lang="en-US" b="1" dirty="0"/>
+          </a:p>
+        </p:txBody>
+      </p:sp>
+    </p:spTree>
+  </p:cSld>
+  <p:clrMapOvr>
+    <a:masterClrMapping/>
+  </p:clrMapOvr>
+</p:sld>
+</file>
+
+<file path=ppt/slides/slide16.xml><?xml version="1.0" encoding="utf-8"?>
+<p:sld xmlns:a="http://schemas.openxmlformats.org/drawingml/2006/main" xmlns:r="http://schemas.openxmlformats.org/officeDocument/2006/relationships" xmlns:p="http://schemas.openxmlformats.org/presentationml/2006/main">
+  <p:cSld>
+    <p:spTree>
+      <p:nvGrpSpPr>
+        <p:cNvPr id="1" name=""/>
+        <p:cNvGrpSpPr/>
+        <p:nvPr/>
+      </p:nvGrpSpPr>
+      <p:grpSpPr>
+        <a:xfrm>
+          <a:off x="0" y="0"/>
+          <a:ext cx="0" cy="0"/>
+          <a:chOff x="0" y="0"/>
+          <a:chExt cx="0" cy="0"/>
+        </a:xfrm>
+      </p:grpSpPr>
+      <p:sp>
+        <p:nvSpPr>
+          <p:cNvPr id="2" name="Content Placeholder 1"/>
+          <p:cNvSpPr>
+            <a:spLocks noGrp="1"/>
+          </p:cNvSpPr>
+          <p:nvPr>
+            <p:ph idx="1"/>
+          </p:nvPr>
+        </p:nvSpPr>
+        <p:spPr/>
+        <p:txBody>
+          <a:bodyPr>
+            <a:normAutofit fontScale="77500" lnSpcReduction="20000"/>
+          </a:bodyPr>
+          <a:lstStyle/>
+          <a:p>
+            <a:r>
+              <a:rPr lang="bg-BG" dirty="0" smtClean="0"/>
+              <a:t>Jotov, Vl. </a:t>
+            </a:r>
+            <a:r>
+              <a:rPr lang="bg-BG" b="1" dirty="0" smtClean="0">
+                <a:solidFill>
+                  <a:srgbClr val="FFC000"/>
+                </a:solidFill>
+              </a:rPr>
+              <a:t>An investigation on the approaches for version control systems</a:t>
+            </a:r>
+            <a:r>
+              <a:rPr lang="bg-BG" dirty="0" smtClean="0"/>
+              <a:t>. CompSysTech’08, Gabrovo, Bulgaria, 12-13 June, 2008.</a:t>
+            </a:r>
+          </a:p>
+          <a:p>
+            <a:r>
+              <a:rPr lang="bg-BG" dirty="0" smtClean="0"/>
+              <a:t>Jotov, V</a:t>
+            </a:r>
+            <a:r>
+              <a:rPr lang="en-US" dirty="0" smtClean="0"/>
+              <a:t>l</a:t>
+            </a:r>
+            <a:r>
+              <a:rPr lang="bg-BG" dirty="0" smtClean="0"/>
+              <a:t>. </a:t>
+            </a:r>
+            <a:r>
+              <a:rPr lang="bg-BG" b="1" dirty="0" smtClean="0">
+                <a:solidFill>
+                  <a:srgbClr val="FFC000"/>
+                </a:solidFill>
+              </a:rPr>
+              <a:t>Transaction over versioned objects in hierarchical workspace environment</a:t>
+            </a:r>
+            <a:r>
+              <a:rPr lang="bg-BG" dirty="0" smtClean="0"/>
+              <a:t>. International Conference on Electronics, Computers and Artificial Intelligence – ECAI” 09, 3-5 July, Pitesti, Romania, 2009.</a:t>
+            </a:r>
+          </a:p>
+          <a:p>
+            <a:r>
+              <a:rPr lang="bg-BG" dirty="0" smtClean="0"/>
+              <a:t>Jotov, V</a:t>
+            </a:r>
+            <a:r>
+              <a:rPr lang="en-US" dirty="0" smtClean="0"/>
+              <a:t>l</a:t>
+            </a:r>
+            <a:r>
+              <a:rPr lang="bg-BG" dirty="0" smtClean="0"/>
+              <a:t>.</a:t>
+            </a:r>
+            <a:r>
+              <a:rPr lang="en-US" dirty="0" smtClean="0"/>
+              <a:t>, </a:t>
+            </a:r>
+            <a:r>
+              <a:rPr lang="bg-BG" b="1" dirty="0" smtClean="0">
+                <a:solidFill>
+                  <a:srgbClr val="FFC000"/>
+                </a:solidFill>
+              </a:rPr>
+              <a:t>Towards a model of versioning domain</a:t>
+            </a:r>
+            <a:r>
+              <a:rPr lang="bg-BG" dirty="0" smtClean="0"/>
+              <a:t>. In: 2009 5th Central and Eastern European Software Engineering Conference in Russia (CEE – SECR), Moscow, 28-29 October, </a:t>
+            </a:r>
+            <a:r>
+              <a:rPr lang="bg-BG" dirty="0" smtClean="0"/>
+              <a:t>2009.</a:t>
+            </a:r>
+          </a:p>
+          <a:p>
+            <a:r>
+              <a:rPr lang="bg-BG" dirty="0" smtClean="0"/>
+              <a:t>Йотов, В</a:t>
+            </a:r>
+            <a:r>
+              <a:rPr lang="ru-RU" dirty="0" smtClean="0"/>
+              <a:t>л</a:t>
+            </a:r>
+            <a:r>
+              <a:rPr lang="bg-BG" dirty="0" smtClean="0"/>
+              <a:t>., </a:t>
+            </a:r>
+            <a:r>
+              <a:rPr lang="bg-BG" b="1" dirty="0" smtClean="0">
+                <a:solidFill>
+                  <a:srgbClr val="FFC000"/>
+                </a:solidFill>
+              </a:rPr>
+              <a:t>Модел на данните в система за контрол на версии, базирана на йерархични работни прстранства</a:t>
+            </a:r>
+            <a:r>
+              <a:rPr lang="bg-BG" dirty="0" smtClean="0"/>
+              <a:t>. Научна конференция с международно участие „25 години Педагогически факултет.,Велико Търново, 2009.</a:t>
+            </a:r>
+          </a:p>
+          <a:p>
+            <a:r>
+              <a:rPr lang="bg-BG" dirty="0" smtClean="0"/>
+              <a:t>Jotov, V</a:t>
+            </a:r>
+            <a:r>
+              <a:rPr lang="en-US" dirty="0" smtClean="0"/>
+              <a:t>l</a:t>
+            </a:r>
+            <a:r>
+              <a:rPr lang="bg-BG" dirty="0" smtClean="0"/>
+              <a:t>.</a:t>
+            </a:r>
+            <a:r>
+              <a:rPr lang="en-US" dirty="0" smtClean="0"/>
+              <a:t>,</a:t>
+            </a:r>
+            <a:r>
+              <a:rPr lang="bg-BG" dirty="0" smtClean="0"/>
+              <a:t> </a:t>
+            </a:r>
+            <a:r>
+              <a:rPr lang="bg-BG" b="1" dirty="0" smtClean="0">
+                <a:solidFill>
+                  <a:srgbClr val="FFC000"/>
+                </a:solidFill>
+              </a:rPr>
+              <a:t>Adaptation of Event-Based Traceability Method for Environment with Hierarchal Composed Workspaces</a:t>
+            </a:r>
+            <a:r>
+              <a:rPr lang="bg-BG" dirty="0" smtClean="0"/>
+              <a:t>. In</a:t>
+            </a:r>
+            <a:r>
+              <a:rPr lang="en-US" dirty="0" smtClean="0"/>
+              <a:t> </a:t>
+            </a:r>
+            <a:r>
+              <a:rPr lang="bg-BG" dirty="0" smtClean="0"/>
+              <a:t>Proceedings: John Atanassov Celebration Days. Interna</a:t>
+            </a:r>
+            <a:r>
+              <a:rPr lang="en-US" dirty="0" smtClean="0"/>
+              <a:t>t</a:t>
+            </a:r>
+            <a:r>
+              <a:rPr lang="bg-BG" dirty="0" smtClean="0"/>
+              <a:t>ional Conference Automatics and Inforatics’10</a:t>
+            </a:r>
+            <a:r>
+              <a:rPr lang="en-US" dirty="0" smtClean="0"/>
+              <a:t>,</a:t>
+            </a:r>
+            <a:r>
+              <a:rPr lang="bg-BG" dirty="0" smtClean="0"/>
+              <a:t> Sofia, October 3-7, 2010</a:t>
+            </a:r>
+            <a:endParaRPr lang="bg-BG" dirty="0" smtClean="0"/>
+          </a:p>
+          <a:p>
+            <a:endParaRPr lang="en-US" dirty="0"/>
+          </a:p>
+        </p:txBody>
+      </p:sp>
+      <p:sp>
+        <p:nvSpPr>
+          <p:cNvPr id="3" name="Title 2"/>
+          <p:cNvSpPr>
+            <a:spLocks noGrp="1"/>
+          </p:cNvSpPr>
+          <p:nvPr>
+            <p:ph type="title"/>
+          </p:nvPr>
+        </p:nvSpPr>
+        <p:spPr/>
+        <p:txBody>
+          <a:bodyPr>
+            <a:normAutofit fontScale="90000"/>
+          </a:bodyPr>
+          <a:lstStyle/>
+          <a:p>
+            <a:r>
+              <a:rPr lang="bg-BG" b="1" cap="all" dirty="0" smtClean="0"/>
+              <a:t>Публикации, свързани с дисертационния труд </a:t>
+            </a:r>
+            <a:endParaRPr lang="en-US" dirty="0"/>
+          </a:p>
+        </p:txBody>
+      </p:sp>
+    </p:spTree>
+  </p:cSld>
+  <p:clrMapOvr>
+    <a:masterClrMapping/>
+  </p:clrMapOvr>
+</p:sld>
+</file>
+
+<file path=ppt/slides/slide17.xml><?xml version="1.0" encoding="utf-8"?>
+<p:sld xmlns:a="http://schemas.openxmlformats.org/drawingml/2006/main" xmlns:r="http://schemas.openxmlformats.org/officeDocument/2006/relationships" xmlns:p="http://schemas.openxmlformats.org/presentationml/2006/main">
+  <p:cSld>
+    <p:spTree>
+      <p:nvGrpSpPr>
+        <p:cNvPr id="1" name=""/>
+        <p:cNvGrpSpPr/>
+        <p:nvPr/>
+      </p:nvGrpSpPr>
+      <p:grpSpPr>
+        <a:xfrm>
+          <a:off x="0" y="0"/>
+          <a:ext cx="0" cy="0"/>
+          <a:chOff x="0" y="0"/>
+          <a:chExt cx="0" cy="0"/>
+        </a:xfrm>
+      </p:grpSpPr>
+      <p:sp>
+        <p:nvSpPr>
           <p:cNvPr id="2" name="Subtitle 1"/>
           <p:cNvSpPr>
             <a:spLocks noGrp="1"/>
@@ -4057,7 +4402,11 @@
           <a:bodyPr/>
           <a:lstStyle/>
           <a:p>
-            <a:endParaRPr lang="en-US"/>
+            <a:r>
+              <a:rPr lang="bg-BG" dirty="0" smtClean="0"/>
+              <a:t>Въпроси</a:t>
+            </a:r>
+            <a:endParaRPr lang="en-US" dirty="0"/>
           </a:p>
         </p:txBody>
       </p:sp>
@@ -4078,7 +4427,7 @@
           <a:p>
             <a:r>
               <a:rPr lang="bg-BG" dirty="0" smtClean="0"/>
-              <a:t>Въпроси</a:t>
+              <a:t>Благодаря за вниманието</a:t>
             </a:r>
             <a:endParaRPr lang="en-US" dirty="0"/>
           </a:p>
@@ -4111,38 +4460,20 @@
       </p:grpSpPr>
       <p:sp>
         <p:nvSpPr>
-          <p:cNvPr id="3" name="Title 2"/>
-          <p:cNvSpPr>
-            <a:spLocks noGrp="1"/>
-          </p:cNvSpPr>
-          <p:nvPr>
-            <p:ph type="title"/>
-          </p:nvPr>
-        </p:nvSpPr>
-        <p:spPr/>
-        <p:txBody>
-          <a:bodyPr/>
-          <a:lstStyle/>
-          <a:p>
-            <a:r>
-              <a:rPr lang="bg-BG" b="1" dirty="0" smtClean="0"/>
-              <a:t>Обект на изследването</a:t>
-            </a:r>
-            <a:endParaRPr lang="en-US" b="1" dirty="0"/>
-          </a:p>
-        </p:txBody>
-      </p:sp>
-      <p:sp>
-        <p:nvSpPr>
-          <p:cNvPr id="4" name="Content Placeholder 3"/>
-          <p:cNvSpPr>
-            <a:spLocks noGrp="1"/>
-          </p:cNvSpPr>
-          <p:nvPr>
-            <p:ph sz="half" idx="1"/>
-          </p:nvPr>
-        </p:nvSpPr>
-        <p:spPr/>
+          <p:cNvPr id="2" name="Content Placeholder 1"/>
+          <p:cNvSpPr>
+            <a:spLocks noGrp="1"/>
+          </p:cNvSpPr>
+          <p:nvPr>
+            <p:ph idx="1"/>
+          </p:nvPr>
+        </p:nvSpPr>
+        <p:spPr>
+          <a:xfrm>
+            <a:off x="457200" y="838200"/>
+            <a:ext cx="8229600" cy="5638800"/>
+          </a:xfrm>
+        </p:spPr>
         <p:txBody>
           <a:bodyPr>
             <a:normAutofit/>
@@ -4150,63 +4481,70 @@
           <a:lstStyle/>
           <a:p>
             <a:r>
-              <a:rPr lang="bg-BG" sz="2400" dirty="0" smtClean="0"/>
-              <a:t>Управление на версия</a:t>
-            </a:r>
-          </a:p>
-          <a:p>
-            <a:r>
-              <a:rPr lang="bg-BG" sz="2400" dirty="0" smtClean="0"/>
-              <a:t>Модели в йерархично композирани работни пространства</a:t>
-            </a:r>
-          </a:p>
-          <a:p>
-            <a:r>
-              <a:rPr lang="ru-RU" sz="2400" dirty="0" smtClean="0"/>
-              <a:t>Анализ </a:t>
-            </a:r>
-            <a:r>
-              <a:rPr lang="ru-RU" sz="2400" dirty="0" smtClean="0"/>
-              <a:t>на влиянието на промените над системата</a:t>
-            </a:r>
-            <a:endParaRPr lang="en-US" sz="2400" dirty="0"/>
-          </a:p>
-        </p:txBody>
-      </p:sp>
-      <p:pic>
-        <p:nvPicPr>
-          <p:cNvPr id="1026" name="Picture 2"/>
-          <p:cNvPicPr>
-            <a:picLocks noChangeAspect="1" noChangeArrowheads="1"/>
-          </p:cNvPicPr>
-          <p:nvPr/>
-        </p:nvPicPr>
-        <p:blipFill>
-          <a:blip r:embed="rId2">
-            <a:grayscl/>
-          </a:blip>
-          <a:srcRect/>
-          <a:stretch>
-            <a:fillRect/>
-          </a:stretch>
-        </p:blipFill>
-        <p:spPr bwMode="auto">
+              <a:rPr lang="bg-BG" b="1" dirty="0" smtClean="0"/>
+              <a:t>Цел</a:t>
+            </a:r>
+            <a:r>
+              <a:rPr lang="bg-BG" dirty="0" smtClean="0"/>
+              <a:t>: Изследване и създаване на модели за управление на софтуерни версии версии в среда, базирана на йерархично композирани работни пространства, които да послужат за създаването на прототип на система за управление на версии.</a:t>
+            </a:r>
+          </a:p>
+          <a:p>
+            <a:r>
+              <a:rPr lang="bg-BG" dirty="0" smtClean="0"/>
+              <a:t>Задачи:</a:t>
+            </a:r>
+          </a:p>
+          <a:p>
+            <a:pPr marL="822960" lvl="1" indent="-457200">
+              <a:buFont typeface="+mj-lt"/>
+              <a:buAutoNum type="arabicPeriod"/>
+            </a:pPr>
+            <a:r>
+              <a:rPr lang="bg-BG" dirty="0" smtClean="0"/>
+              <a:t>Да се създаде модел на версионизиран обект, осигуряващ максимална гъвкавост при определяне степента на гранулираност на данните в съчетание с простота и универсалност. </a:t>
+            </a:r>
+          </a:p>
+          <a:p>
+            <a:pPr marL="822960" lvl="1" indent="-457200">
+              <a:buFont typeface="+mj-lt"/>
+              <a:buAutoNum type="arabicPeriod"/>
+            </a:pPr>
+            <a:r>
+              <a:rPr lang="bg-BG" dirty="0" smtClean="0"/>
+              <a:t>Да се създаде модел на среда с йерархично композирани работни пространства, както и да се определят правилата за управление на версия на обекти в тази среда.</a:t>
+            </a:r>
+          </a:p>
+        </p:txBody>
+      </p:sp>
+      <p:sp>
+        <p:nvSpPr>
+          <p:cNvPr id="3" name="Title 2"/>
+          <p:cNvSpPr>
+            <a:spLocks noGrp="1"/>
+          </p:cNvSpPr>
+          <p:nvPr>
+            <p:ph type="title"/>
+          </p:nvPr>
+        </p:nvSpPr>
+        <p:spPr>
           <a:xfrm>
-            <a:off x="4462086" y="1295400"/>
-            <a:ext cx="4273927" cy="4343400"/>
+            <a:off x="457200" y="152400"/>
+            <a:ext cx="8229600" cy="762000"/>
           </a:xfrm>
-          <a:prstGeom prst="rect">
-            <a:avLst/>
-          </a:prstGeom>
-          <a:noFill/>
-          <a:ln w="9525">
-            <a:noFill/>
-            <a:miter lim="800000"/>
-            <a:headEnd/>
-            <a:tailEnd/>
-          </a:ln>
         </p:spPr>
-      </p:pic>
+        <p:txBody>
+          <a:bodyPr/>
+          <a:lstStyle/>
+          <a:p>
+            <a:r>
+              <a:rPr lang="bg-BG" b="1" dirty="0" smtClean="0"/>
+              <a:t>Цели и задачи (1/2)</a:t>
+            </a:r>
+            <a:endParaRPr lang="en-US" b="1" dirty="0"/>
+          </a:p>
+        </p:txBody>
+      </p:sp>
     </p:spTree>
   </p:cSld>
   <p:clrMapOvr>
@@ -4244,8 +4582,8 @@
         </p:nvSpPr>
         <p:spPr>
           <a:xfrm>
-            <a:off x="457200" y="838200"/>
-            <a:ext cx="8229600" cy="5638800"/>
+            <a:off x="457200" y="990600"/>
+            <a:ext cx="8229600" cy="5105400"/>
           </a:xfrm>
         </p:spPr>
         <p:txBody>
@@ -4254,46 +4592,59 @@
           </a:bodyPr>
           <a:lstStyle/>
           <a:p>
-            <a:r>
-              <a:rPr lang="bg-BG" b="1" dirty="0" smtClean="0"/>
-              <a:t>Цел</a:t>
-            </a:r>
-            <a:r>
-              <a:rPr lang="bg-BG" dirty="0" smtClean="0"/>
-              <a:t>: Изследване и създаване на модели за управление на софтуерни версии версии в среда, базирана на йерархично композирани работни пространства, които да послужат за създаването на прототип на система за управление на версии.</a:t>
-            </a:r>
-          </a:p>
-          <a:p>
-            <a:r>
-              <a:rPr lang="bg-BG" dirty="0" smtClean="0"/>
-              <a:t>Задачи:</a:t>
-            </a:r>
-          </a:p>
-          <a:p>
             <a:pPr marL="822960" lvl="1" indent="-457200">
               <a:buFont typeface="+mj-lt"/>
-              <a:buAutoNum type="arabicPeriod"/>
+              <a:buAutoNum type="arabicPeriod" startAt="3"/>
             </a:pPr>
             <a:r>
               <a:rPr lang="bg-BG" dirty="0" smtClean="0"/>
-              <a:t>Да се създаде модел на версионизиран обект, осигуряващ максимална гъвкавост при определяне степента на гранулираност на данните в съчетание с простота и универсалност. </a:t>
-            </a:r>
-            <a:endParaRPr lang="bg-BG" dirty="0" smtClean="0"/>
+              <a:t>Да се адаптира метод за проследимост на промени, базиран на събития, за среда с модел на йерархично композирани работни пространства.</a:t>
+            </a:r>
           </a:p>
           <a:p>
             <a:pPr marL="822960" lvl="1" indent="-457200">
               <a:buFont typeface="+mj-lt"/>
-              <a:buAutoNum type="arabicPeriod"/>
+              <a:buAutoNum type="arabicPeriod" startAt="3"/>
             </a:pPr>
             <a:r>
               <a:rPr lang="bg-BG" dirty="0" smtClean="0"/>
-              <a:t>Да се създаде модел на среда с йерархично композирани работни пространства, както и да се определят правилата за управление на версия на обекти в тази среда</a:t>
-            </a:r>
-            <a:r>
-              <a:rPr lang="bg-BG" dirty="0" smtClean="0"/>
-              <a:t>.</a:t>
-            </a:r>
+              <a:t>Да се определи терминологията в областта на версионизирането с използването на йерархично композирани работни пространства.</a:t>
+            </a:r>
+          </a:p>
+          <a:p>
+            <a:pPr marL="822960" lvl="1" indent="-457200">
+              <a:buFont typeface="+mj-lt"/>
+              <a:buAutoNum type="arabicPeriod" startAt="5"/>
+            </a:pPr>
+            <a:r>
+              <a:rPr lang="bg-BG" dirty="0" smtClean="0"/>
+              <a:t>Да се създаде методологична рамка за създаване на софтуерни продукти в среда с йерархично композирани работни пространства.</a:t>
+            </a:r>
+          </a:p>
+          <a:p>
+            <a:pPr marL="822960" lvl="1" indent="-457200">
+              <a:buFont typeface="+mj-lt"/>
+              <a:buAutoNum type="arabicPeriod" startAt="5"/>
+            </a:pPr>
+            <a:r>
+              <a:rPr lang="bg-BG" dirty="0" smtClean="0"/>
+              <a:t>Да се увеличи степента на автоматизация на дейностите при създаване на софтуерни продукти, в следствие на използване на разработените модели.</a:t>
+            </a:r>
+            <a:endParaRPr lang="en-US" dirty="0" smtClean="0"/>
+          </a:p>
+          <a:p>
+            <a:pPr marL="822960" lvl="1" indent="-457200">
+              <a:buFont typeface="+mj-lt"/>
+              <a:buAutoNum type="arabicPeriod" startAt="3"/>
+            </a:pPr>
             <a:endParaRPr lang="bg-BG" dirty="0" smtClean="0"/>
+          </a:p>
+          <a:p>
+            <a:pPr marL="822960" lvl="1" indent="-457200">
+              <a:buFont typeface="+mj-lt"/>
+              <a:buAutoNum type="arabicPeriod" startAt="3"/>
+            </a:pPr>
+            <a:endParaRPr lang="en-US" dirty="0"/>
           </a:p>
         </p:txBody>
       </p:sp>
@@ -4319,11 +4670,7 @@
           <a:p>
             <a:r>
               <a:rPr lang="bg-BG" b="1" dirty="0" smtClean="0"/>
-              <a:t>Цели и задачи (</a:t>
-            </a:r>
-            <a:r>
-              <a:rPr lang="bg-BG" b="1" dirty="0" smtClean="0"/>
-              <a:t>1/2)</a:t>
+              <a:t>Цели и задачи (2/2)</a:t>
             </a:r>
             <a:endParaRPr lang="en-US" b="1" dirty="0"/>
           </a:p>
@@ -4364,78 +4711,53 @@
             <p:ph idx="1"/>
           </p:nvPr>
         </p:nvSpPr>
-        <p:spPr>
-          <a:xfrm>
-            <a:off x="457200" y="990600"/>
-            <a:ext cx="8229600" cy="5105400"/>
-          </a:xfrm>
-        </p:spPr>
+        <p:spPr/>
         <p:txBody>
           <a:bodyPr>
-            <a:normAutofit/>
+            <a:normAutofit lnSpcReduction="10000"/>
           </a:bodyPr>
           <a:lstStyle/>
           <a:p>
-            <a:pPr marL="822960" lvl="1" indent="-457200">
-              <a:buFont typeface="+mj-lt"/>
-              <a:buAutoNum type="arabicPeriod" startAt="3"/>
-            </a:pPr>
-            <a:r>
-              <a:rPr lang="bg-BG" dirty="0" smtClean="0"/>
-              <a:t>Да </a:t>
-            </a:r>
-            <a:r>
-              <a:rPr lang="bg-BG" dirty="0" smtClean="0"/>
-              <a:t>се адаптира метод за проследимост на промени, базиран на събития, за среда с модел на йерархично композирани работни пространства.</a:t>
-            </a:r>
-          </a:p>
-          <a:p>
-            <a:pPr marL="822960" lvl="1" indent="-457200">
-              <a:buFont typeface="+mj-lt"/>
-              <a:buAutoNum type="arabicPeriod" startAt="3"/>
-            </a:pPr>
-            <a:r>
-              <a:rPr lang="bg-BG" dirty="0" smtClean="0"/>
-              <a:t>Да се определи терминологията в областта на версионизирането с използването на йерархично композирани работни пространства</a:t>
-            </a:r>
-            <a:r>
-              <a:rPr lang="bg-BG" dirty="0" smtClean="0"/>
-              <a:t>.</a:t>
-            </a:r>
-          </a:p>
-          <a:p>
-            <a:pPr marL="822960" lvl="1" indent="-457200">
-              <a:buFont typeface="+mj-lt"/>
-              <a:buAutoNum type="arabicPeriod" startAt="5"/>
-            </a:pPr>
-            <a:r>
-              <a:rPr lang="bg-BG" dirty="0" smtClean="0"/>
-              <a:t>Да се създаде методологична рамка за създаване на софтуерни продукти в среда с йерархично композирани работни пространства.</a:t>
-            </a:r>
-          </a:p>
-          <a:p>
-            <a:pPr marL="822960" lvl="1" indent="-457200">
-              <a:buFont typeface="+mj-lt"/>
-              <a:buAutoNum type="arabicPeriod" startAt="5"/>
-            </a:pPr>
-            <a:r>
-              <a:rPr lang="bg-BG" dirty="0" smtClean="0"/>
-              <a:t>Да се увеличи степента на автоматизация на дейностите при създаване на софтуерни продукти, в следствие на използване на разработените модели.</a:t>
-            </a:r>
-            <a:endParaRPr lang="en-US" dirty="0" smtClean="0"/>
-          </a:p>
-          <a:p>
-            <a:pPr marL="822960" lvl="1" indent="-457200">
-              <a:buFont typeface="+mj-lt"/>
-              <a:buAutoNum type="arabicPeriod" startAt="3"/>
-            </a:pPr>
-            <a:endParaRPr lang="bg-BG" dirty="0" smtClean="0"/>
-          </a:p>
-          <a:p>
-            <a:pPr marL="822960" lvl="1" indent="-457200">
-              <a:buFont typeface="+mj-lt"/>
-              <a:buAutoNum type="arabicPeriod" startAt="3"/>
-            </a:pPr>
+            <a:r>
+              <a:rPr lang="bg-BG" dirty="0" smtClean="0"/>
+              <a:t>Прърва глава – Управление на версията при създаването на софтуерни системи.</a:t>
+            </a:r>
+          </a:p>
+          <a:p>
+            <a:r>
+              <a:rPr lang="bg-BG" dirty="0" smtClean="0"/>
+              <a:t>Втора глава – Модели за управление на версии в среда с йерархична композиция на работни пространства.</a:t>
+            </a:r>
+          </a:p>
+          <a:p>
+            <a:r>
+              <a:rPr lang="bg-BG" dirty="0" smtClean="0"/>
+              <a:t>Трета глава – Изследване на приложимостта на моделите.</a:t>
+            </a:r>
+          </a:p>
+          <a:p>
+            <a:r>
+              <a:rPr lang="bg-BG" dirty="0" smtClean="0"/>
+              <a:t>Заключение</a:t>
+            </a:r>
+          </a:p>
+          <a:p>
+            <a:r>
+              <a:rPr lang="bg-BG" dirty="0" smtClean="0"/>
+              <a:t>Библиография – 112 позиции.</a:t>
+            </a:r>
+          </a:p>
+          <a:p>
+            <a:r>
+              <a:rPr lang="bg-BG" dirty="0" smtClean="0"/>
+              <a:t>Приложение 1 – Описание на модела на данните</a:t>
+            </a:r>
+          </a:p>
+          <a:p>
+            <a:r>
+              <a:rPr lang="bg-BG" dirty="0" smtClean="0"/>
+              <a:t>Приложение 2 – Прототип на система (на диск)</a:t>
+            </a:r>
             <a:endParaRPr lang="en-US" dirty="0"/>
           </a:p>
         </p:txBody>
@@ -4450,23 +4772,14 @@
             <p:ph type="title"/>
           </p:nvPr>
         </p:nvSpPr>
-        <p:spPr>
-          <a:xfrm>
-            <a:off x="457200" y="152400"/>
-            <a:ext cx="8229600" cy="762000"/>
-          </a:xfrm>
-        </p:spPr>
+        <p:spPr/>
         <p:txBody>
           <a:bodyPr/>
           <a:lstStyle/>
           <a:p>
             <a:r>
               <a:rPr lang="bg-BG" b="1" dirty="0" smtClean="0"/>
-              <a:t>Цели и задачи (</a:t>
-            </a:r>
-            <a:r>
-              <a:rPr lang="bg-BG" b="1" dirty="0" smtClean="0"/>
-              <a:t>2/2)</a:t>
+              <a:t>Структура на дисертацията</a:t>
             </a:r>
             <a:endParaRPr lang="en-US" b="1" dirty="0"/>
           </a:p>
@@ -4510,51 +4823,46 @@
         <p:spPr/>
         <p:txBody>
           <a:bodyPr>
-            <a:normAutofit lnSpcReduction="10000"/>
+            <a:normAutofit/>
           </a:bodyPr>
           <a:lstStyle/>
           <a:p>
-            <a:r>
-              <a:rPr lang="bg-BG" dirty="0" smtClean="0"/>
-              <a:t>Прърва глава – Управление на версията при създаването на софтуерни системи.</a:t>
-            </a:r>
-          </a:p>
-          <a:p>
-            <a:r>
-              <a:rPr lang="bg-BG" dirty="0" smtClean="0"/>
-              <a:t>Втора глава – Модели за управление на версии в среда с йерархична композиция на работни пространства.</a:t>
-            </a:r>
-          </a:p>
-          <a:p>
-            <a:r>
-              <a:rPr lang="bg-BG" dirty="0" smtClean="0"/>
-              <a:t>Трета глава – Изследване на приложимостта на моделите.</a:t>
-            </a:r>
-          </a:p>
-          <a:p>
-            <a:r>
-              <a:rPr lang="bg-BG" dirty="0" smtClean="0"/>
-              <a:t>Заключение</a:t>
-            </a:r>
-          </a:p>
-          <a:p>
-            <a:r>
-              <a:rPr lang="bg-BG" dirty="0" smtClean="0"/>
-              <a:t>Библиография – 112 позиции.</a:t>
-            </a:r>
-          </a:p>
-          <a:p>
-            <a:r>
-              <a:rPr lang="bg-BG" dirty="0" smtClean="0"/>
-              <a:t>Приложение 1 – Описание на модела на данните</a:t>
-            </a:r>
-          </a:p>
-          <a:p>
-            <a:r>
-              <a:rPr lang="bg-BG" dirty="0" smtClean="0"/>
-              <a:t>Приложение 2 – Прототип на система (на диск)</a:t>
-            </a:r>
-            <a:endParaRPr lang="en-US" dirty="0"/>
+            <a:pPr marL="514350" indent="-514350">
+              <a:buFont typeface="+mj-lt"/>
+              <a:buAutoNum type="arabicPeriod"/>
+            </a:pPr>
+            <a:r>
+              <a:rPr lang="bg-BG" dirty="0" smtClean="0"/>
+              <a:t>У</a:t>
+            </a:r>
+            <a:r>
+              <a:rPr lang="ru-RU" dirty="0" smtClean="0"/>
+              <a:t>правлението на версии – задължителен инфраструктурен инструмент.</a:t>
+            </a:r>
+          </a:p>
+          <a:p>
+            <a:pPr marL="514350" indent="-514350">
+              <a:buFont typeface="+mj-lt"/>
+              <a:buAutoNum type="arabicPeriod"/>
+            </a:pPr>
+            <a:r>
+              <a:rPr lang="bg-BG" dirty="0" smtClean="0"/>
+              <a:t>Съществуващи модели за версионизиран обект (ВО)– файлово-базирани, необходимост от </a:t>
+            </a:r>
+            <a:r>
+              <a:rPr lang="ru-RU" dirty="0" smtClean="0"/>
+              <a:t>възможност за определяне на ниво на степента на гранулираност.</a:t>
+            </a:r>
+          </a:p>
+          <a:p>
+            <a:pPr marL="514350" indent="-514350">
+              <a:buFont typeface="+mj-lt"/>
+              <a:buAutoNum type="arabicPeriod"/>
+            </a:pPr>
+            <a:r>
+              <a:rPr lang="ru-RU" dirty="0" smtClean="0"/>
+              <a:t>Анализ  на подходите за съхраняване на ВО. Съхраняване състояния – добри характеристики за реализация на прототипа.</a:t>
+            </a:r>
           </a:p>
         </p:txBody>
       </p:sp>
@@ -4570,14 +4878,16 @@
         </p:nvSpPr>
         <p:spPr/>
         <p:txBody>
-          <a:bodyPr/>
-          <a:lstStyle/>
-          <a:p>
-            <a:r>
-              <a:rPr lang="bg-BG" b="1" dirty="0" smtClean="0"/>
-              <a:t>Структура на дисертацията</a:t>
-            </a:r>
-            <a:endParaRPr lang="en-US" b="1" dirty="0"/>
+          <a:bodyPr>
+            <a:normAutofit fontScale="90000"/>
+          </a:bodyPr>
+          <a:lstStyle/>
+          <a:p>
+            <a:r>
+              <a:rPr lang="bg-BG" sz="3600" b="1" dirty="0" smtClean="0"/>
+              <a:t>Първа глава – Управление на версията при създаването на софтуерни системи (1/2)</a:t>
+            </a:r>
+            <a:endParaRPr lang="en-US" sz="3600" b="1" dirty="0"/>
           </a:p>
         </p:txBody>
       </p:sp>
@@ -4618,47 +4928,29 @@
         </p:nvSpPr>
         <p:spPr/>
         <p:txBody>
-          <a:bodyPr>
-            <a:normAutofit/>
-          </a:bodyPr>
+          <a:bodyPr/>
           <a:lstStyle/>
           <a:p>
             <a:pPr marL="514350" indent="-514350">
               <a:buFont typeface="+mj-lt"/>
-              <a:buAutoNum type="arabicPeriod"/>
+              <a:buAutoNum type="arabicPeriod" startAt="4"/>
             </a:pPr>
             <a:r>
-              <a:rPr lang="bg-BG" dirty="0" smtClean="0"/>
-              <a:t>У</a:t>
-            </a:r>
-            <a:r>
               <a:rPr lang="ru-RU" dirty="0" smtClean="0"/>
-              <a:t>правлението на версии – задължителен инфраструктурен инструмент.</a:t>
-            </a:r>
+              <a:t>Определена необходимост от изследване на йерархично композираните работни пространства, като инструмент за осигуряване на съвместна и автономна работа</a:t>
+            </a:r>
+            <a:endParaRPr lang="en-US" dirty="0" smtClean="0"/>
           </a:p>
           <a:p>
             <a:pPr marL="514350" indent="-514350">
               <a:buFont typeface="+mj-lt"/>
-              <a:buAutoNum type="arabicPeriod"/>
+              <a:buAutoNum type="arabicPeriod" startAt="4"/>
             </a:pPr>
             <a:r>
-              <a:rPr lang="bg-BG" dirty="0" smtClean="0"/>
-              <a:t>Съществуващи модели за версионизиран обект (ВО)– файлово-базирани, необходимост от </a:t>
-            </a:r>
-            <a:r>
               <a:rPr lang="ru-RU" dirty="0" smtClean="0"/>
-              <a:t>възможност за определяне на ниво на степента на гранулираност.</a:t>
-            </a:r>
-          </a:p>
-          <a:p>
-            <a:pPr marL="514350" indent="-514350">
-              <a:buFont typeface="+mj-lt"/>
-              <a:buAutoNum type="arabicPeriod"/>
-            </a:pPr>
-            <a:r>
-              <a:rPr lang="ru-RU" dirty="0" smtClean="0"/>
-              <a:t>Анализ  на подходите за съхраняване на ВО. Съхраняване състояния – добри характеристики за реализация на прототипа.</a:t>
-            </a:r>
+              <a:t>Анализ на методите за проследимост на промените. Идентифицирана е липсата на инструменти, предоставящи адекватно ниво за създаване и управление на връзки на проследимост.</a:t>
+            </a:r>
+            <a:endParaRPr lang="en-US" dirty="0"/>
           </a:p>
         </p:txBody>
       </p:sp>
@@ -4675,15 +4967,15 @@
         <p:spPr/>
         <p:txBody>
           <a:bodyPr>
-            <a:normAutofit fontScale="90000"/>
+            <a:noAutofit/>
           </a:bodyPr>
           <a:lstStyle/>
           <a:p>
             <a:r>
-              <a:rPr lang="bg-BG" sz="3600" b="1" dirty="0" smtClean="0"/>
-              <a:t>Първа глава – Управление на версията при създаването на софтуерни системи (1/2)</a:t>
-            </a:r>
-            <a:endParaRPr lang="en-US" sz="3600" b="1" dirty="0"/>
+              <a:rPr lang="bg-BG" sz="3200" b="1" dirty="0" smtClean="0"/>
+              <a:t>Първа глава – Управление на версията при създаването на софтуерни системи (2/2)</a:t>
+            </a:r>
+            <a:endParaRPr lang="en-US" sz="3200" b="1" dirty="0"/>
           </a:p>
         </p:txBody>
       </p:sp>
@@ -4722,30 +5014,54 @@
             <p:ph idx="1"/>
           </p:nvPr>
         </p:nvSpPr>
-        <p:spPr/>
-        <p:txBody>
-          <a:bodyPr/>
-          <a:lstStyle/>
+        <p:spPr>
+          <a:xfrm>
+            <a:off x="457200" y="2514600"/>
+            <a:ext cx="8229600" cy="3962400"/>
+          </a:xfrm>
+        </p:spPr>
+        <p:txBody>
+          <a:bodyPr>
+            <a:normAutofit/>
+          </a:bodyPr>
+          <a:lstStyle/>
+          <a:p>
+            <a:pPr marL="514350" indent="-514350"/>
+            <a:r>
+              <a:rPr lang="en-US" dirty="0" smtClean="0"/>
+              <a:t>ER </a:t>
+            </a:r>
+            <a:r>
+              <a:rPr lang="bg-BG" dirty="0" smtClean="0"/>
+              <a:t>модел на ВО и съставен ВО – позволяващи свободно определяне степента на гранулираност на предметната област. </a:t>
+            </a:r>
+          </a:p>
+          <a:p>
+            <a:pPr marL="514350" indent="-514350"/>
+            <a:r>
+              <a:rPr lang="bg-BG" dirty="0" smtClean="0"/>
+              <a:t>Йерархично композирани работни пространства (ЙКРП) – Модел, Модел на видимост на ВО в ЙКРП.</a:t>
+            </a:r>
+          </a:p>
+          <a:p>
+            <a:pPr marL="514350" indent="-514350"/>
+            <a:r>
+              <a:rPr lang="bg-BG" dirty="0" smtClean="0"/>
+              <a:t>Транзакции над ВО в среда с ЙКРП. Класификация на транзакциите. Модел на жизнен цикъл на ВО.</a:t>
+            </a:r>
+          </a:p>
           <a:p>
             <a:pPr marL="514350" indent="-514350">
               <a:buFont typeface="+mj-lt"/>
-              <a:buAutoNum type="arabicPeriod" startAt="4"/>
+              <a:buAutoNum type="arabicPeriod"/>
             </a:pPr>
-            <a:r>
-              <a:rPr lang="ru-RU" dirty="0" smtClean="0"/>
-              <a:t>Определена необходимост от изследване на йерархично композираните работни пространства, като инструмент за осигуряване на съвместна и автономна работа</a:t>
-            </a:r>
-            <a:endParaRPr lang="en-US" dirty="0" smtClean="0"/>
+            <a:endParaRPr lang="bg-BG" dirty="0" smtClean="0"/>
           </a:p>
           <a:p>
             <a:pPr marL="514350" indent="-514350">
               <a:buFont typeface="+mj-lt"/>
-              <a:buAutoNum type="arabicPeriod" startAt="4"/>
+              <a:buAutoNum type="arabicPeriod"/>
             </a:pPr>
-            <a:r>
-              <a:rPr lang="ru-RU" dirty="0" smtClean="0"/>
-              <a:t>Анализ на методите за проследимост на промените. Идентифицирана е липсата на инструменти, предоставящи адекватно ниво за създаване и управление на връзки на проследимост.</a:t>
-            </a:r>
             <a:endParaRPr lang="en-US" dirty="0"/>
           </a:p>
         </p:txBody>
@@ -4760,7 +5076,12 @@
             <p:ph type="title"/>
           </p:nvPr>
         </p:nvSpPr>
-        <p:spPr/>
+        <p:spPr>
+          <a:xfrm>
+            <a:off x="457200" y="152400"/>
+            <a:ext cx="8229600" cy="2209800"/>
+          </a:xfrm>
+        </p:spPr>
         <p:txBody>
           <a:bodyPr>
             <a:noAutofit/>
@@ -4768,10 +5089,10 @@
           <a:lstStyle/>
           <a:p>
             <a:r>
-              <a:rPr lang="bg-BG" sz="3200" b="1" dirty="0" smtClean="0"/>
-              <a:t>Първа глава – Управление на версията при създаването на софтуерни системи (2/2)</a:t>
-            </a:r>
-            <a:endParaRPr lang="en-US" sz="3200" b="1" dirty="0"/>
+              <a:rPr lang="bg-BG" sz="3600" b="1" dirty="0" smtClean="0"/>
+              <a:t>Втора глава – Модели за управление на версии в среда с йерархична композиция на работни пространства  (1/2)</a:t>
+            </a:r>
+            <a:endParaRPr lang="en-US" sz="3600" b="1" dirty="0"/>
           </a:p>
         </p:txBody>
       </p:sp>
@@ -4812,52 +5133,32 @@
         </p:nvSpPr>
         <p:spPr>
           <a:xfrm>
-            <a:off x="457200" y="2514600"/>
-            <a:ext cx="8229600" cy="3962400"/>
+            <a:off x="457200" y="2590800"/>
+            <a:ext cx="8229600" cy="3505200"/>
           </a:xfrm>
         </p:spPr>
         <p:txBody>
-          <a:bodyPr>
-            <a:normAutofit/>
-          </a:bodyPr>
-          <a:lstStyle/>
-          <a:p>
-            <a:pPr marL="514350" indent="-514350"/>
-            <a:r>
-              <a:rPr lang="en-US" dirty="0" smtClean="0"/>
-              <a:t>ER </a:t>
-            </a:r>
-            <a:r>
-              <a:rPr lang="bg-BG" dirty="0" smtClean="0"/>
-              <a:t>модел на ВО и съставен ВО – позволяващи свободно определяне степента на гранулираност на предметната област. </a:t>
-            </a:r>
-          </a:p>
-          <a:p>
-            <a:pPr marL="514350" indent="-514350"/>
-            <a:r>
-              <a:rPr lang="bg-BG" dirty="0" smtClean="0"/>
-              <a:t>Йерархично композирани работни пространства (ЙКРП) – Модел, Модел на видимост на ВО в ЙКРП.</a:t>
-            </a:r>
-          </a:p>
-          <a:p>
-            <a:pPr marL="514350" indent="-514350"/>
-            <a:r>
-              <a:rPr lang="bg-BG" dirty="0" smtClean="0"/>
-              <a:t>Транзакции над ВО в среда с ЙКРП. Класификация на транзакциите. Модел на жизнен цикъл на ВО.</a:t>
-            </a:r>
-          </a:p>
-          <a:p>
-            <a:pPr marL="514350" indent="-514350">
-              <a:buFont typeface="+mj-lt"/>
-              <a:buAutoNum type="arabicPeriod"/>
-            </a:pPr>
-            <a:endParaRPr lang="bg-BG" dirty="0" smtClean="0"/>
-          </a:p>
-          <a:p>
-            <a:pPr marL="514350" indent="-514350">
-              <a:buFont typeface="+mj-lt"/>
-              <a:buAutoNum type="arabicPeriod"/>
-            </a:pPr>
+          <a:bodyPr/>
+          <a:lstStyle/>
+          <a:p>
+            <a:r>
+              <a:rPr lang="ru-RU" dirty="0" smtClean="0"/>
+              <a:t>Проследимост на промените в среда с ЙКРП. Модел на работни единици. </a:t>
+            </a:r>
+            <a:r>
+              <a:rPr lang="bg-BG" dirty="0" smtClean="0"/>
+              <a:t>Адаптация на метод за проследимост, базиран на събития за среда с ЙКРП. </a:t>
+            </a:r>
+            <a:r>
+              <a:rPr lang="ru-RU" dirty="0" smtClean="0"/>
+              <a:t>Модел на данните. </a:t>
+            </a:r>
+          </a:p>
+          <a:p>
+            <a:r>
+              <a:rPr lang="bg-BG" dirty="0" smtClean="0"/>
+              <a:t>Методологична рамка за използване на разработените модели.</a:t>
+            </a:r>
             <a:endParaRPr lang="en-US" dirty="0"/>
           </a:p>
         </p:txBody>
@@ -4875,7 +5176,7 @@
         <p:spPr>
           <a:xfrm>
             <a:off x="457200" y="152400"/>
-            <a:ext cx="8229600" cy="2209800"/>
+            <a:ext cx="8229600" cy="2362200"/>
           </a:xfrm>
         </p:spPr>
         <p:txBody>
@@ -4886,7 +5187,7 @@
           <a:p>
             <a:r>
               <a:rPr lang="bg-BG" sz="3600" b="1" dirty="0" smtClean="0"/>
-              <a:t>Втора глава – Модели за управление на версии в среда с йерархична композиция на работни пространства  (1/2)</a:t>
+              <a:t>Втора глава – Модели за управление на версии в среда с йерархична композиция на работни пространства  (2/2)</a:t>
             </a:r>
             <a:endParaRPr lang="en-US" sz="3600" b="1" dirty="0"/>
           </a:p>
@@ -4919,48 +5220,6 @@
       </p:grpSpPr>
       <p:sp>
         <p:nvSpPr>
-          <p:cNvPr id="2" name="Content Placeholder 1"/>
-          <p:cNvSpPr>
-            <a:spLocks noGrp="1"/>
-          </p:cNvSpPr>
-          <p:nvPr>
-            <p:ph idx="1"/>
-          </p:nvPr>
-        </p:nvSpPr>
-        <p:spPr>
-          <a:xfrm>
-            <a:off x="457200" y="2590800"/>
-            <a:ext cx="8229600" cy="3505200"/>
-          </a:xfrm>
-        </p:spPr>
-        <p:txBody>
-          <a:bodyPr/>
-          <a:lstStyle/>
-          <a:p>
-            <a:r>
-              <a:rPr lang="ru-RU" dirty="0" smtClean="0"/>
-              <a:t>Проследимост на промените в среда с ЙКРП. Модел на работни единици. </a:t>
-            </a:r>
-            <a:r>
-              <a:rPr lang="bg-BG" dirty="0" smtClean="0"/>
-              <a:t>Адаптация на метод за проследимост, базиран на събития за среда с ЙКРП. </a:t>
-            </a:r>
-            <a:r>
-              <a:rPr lang="ru-RU" dirty="0" smtClean="0"/>
-              <a:t>Модел на данните. </a:t>
-            </a:r>
-          </a:p>
-          <a:p>
-            <a:r>
-              <a:rPr lang="bg-BG" dirty="0" smtClean="0"/>
-              <a:t>Методологична рамка за използване на разработените модели.</a:t>
-            </a:r>
-            <a:endParaRPr lang="en-US" dirty="0"/>
-          </a:p>
-        </p:txBody>
-      </p:sp>
-      <p:sp>
-        <p:nvSpPr>
           <p:cNvPr id="3" name="Title 2"/>
           <p:cNvSpPr>
             <a:spLocks noGrp="1"/>
@@ -4972,23 +5231,163 @@
         <p:spPr>
           <a:xfrm>
             <a:off x="457200" y="152400"/>
-            <a:ext cx="8229600" cy="2362200"/>
+            <a:ext cx="8229600" cy="685800"/>
           </a:xfrm>
         </p:spPr>
         <p:txBody>
           <a:bodyPr>
-            <a:noAutofit/>
+            <a:normAutofit fontScale="90000"/>
           </a:bodyPr>
           <a:lstStyle/>
           <a:p>
             <a:r>
-              <a:rPr lang="bg-BG" sz="3600" b="1" dirty="0" smtClean="0"/>
-              <a:t>Втора глава – Модели за управление на версии в среда с йерархична композиция на работни пространства  (2/2)</a:t>
-            </a:r>
-            <a:endParaRPr lang="en-US" sz="3600" b="1" dirty="0"/>
-          </a:p>
-        </p:txBody>
-      </p:sp>
+              <a:rPr lang="bg-BG" b="1" dirty="0" smtClean="0"/>
+              <a:t>Версионизиран обект</a:t>
+            </a:r>
+            <a:endParaRPr lang="en-US" b="1" dirty="0"/>
+          </a:p>
+        </p:txBody>
+      </p:sp>
+      <p:pic>
+        <p:nvPicPr>
+          <p:cNvPr id="1026" name="Picture 2"/>
+          <p:cNvPicPr>
+            <a:picLocks noChangeAspect="1" noChangeArrowheads="1"/>
+          </p:cNvPicPr>
+          <p:nvPr/>
+        </p:nvPicPr>
+        <p:blipFill>
+          <a:blip r:embed="rId2"/>
+          <a:srcRect/>
+          <a:stretch>
+            <a:fillRect/>
+          </a:stretch>
+        </p:blipFill>
+        <p:spPr bwMode="auto">
+          <a:xfrm>
+            <a:off x="990600" y="1295400"/>
+            <a:ext cx="3068638" cy="2870200"/>
+          </a:xfrm>
+          <a:prstGeom prst="roundRect">
+            <a:avLst>
+              <a:gd name="adj" fmla="val 4167"/>
+            </a:avLst>
+          </a:prstGeom>
+          <a:solidFill>
+            <a:srgbClr val="FFFFFF"/>
+          </a:solidFill>
+          <a:ln w="76200" cap="sq">
+            <a:solidFill>
+              <a:srgbClr val="EAEAEA"/>
+            </a:solidFill>
+            <a:miter lim="800000"/>
+          </a:ln>
+          <a:effectLst>
+            <a:reflection blurRad="12700" stA="33000" endPos="28000" dist="5000" dir="5400000" sy="-100000" algn="bl" rotWithShape="0"/>
+          </a:effectLst>
+          <a:scene3d>
+            <a:camera prst="orthographicFront"/>
+            <a:lightRig rig="threePt" dir="t">
+              <a:rot lat="0" lon="0" rev="2700000"/>
+            </a:lightRig>
+          </a:scene3d>
+          <a:sp3d contourW="6350">
+            <a:bevelT h="38100"/>
+            <a:contourClr>
+              <a:srgbClr val="C0C0C0"/>
+            </a:contourClr>
+          </a:sp3d>
+        </p:spPr>
+      </p:pic>
+      <p:pic>
+        <p:nvPicPr>
+          <p:cNvPr id="1027" name="Picture 3"/>
+          <p:cNvPicPr>
+            <a:picLocks noChangeAspect="1" noChangeArrowheads="1"/>
+          </p:cNvPicPr>
+          <p:nvPr/>
+        </p:nvPicPr>
+        <p:blipFill>
+          <a:blip r:embed="rId3">
+            <a:grayscl/>
+          </a:blip>
+          <a:srcRect/>
+          <a:stretch>
+            <a:fillRect/>
+          </a:stretch>
+        </p:blipFill>
+        <p:spPr bwMode="auto">
+          <a:xfrm>
+            <a:off x="5105400" y="1828800"/>
+            <a:ext cx="2924175" cy="2263775"/>
+          </a:xfrm>
+          <a:prstGeom prst="roundRect">
+            <a:avLst>
+              <a:gd name="adj" fmla="val 4167"/>
+            </a:avLst>
+          </a:prstGeom>
+          <a:solidFill>
+            <a:srgbClr val="FFFFFF"/>
+          </a:solidFill>
+          <a:ln w="76200" cap="sq">
+            <a:solidFill>
+              <a:srgbClr val="EAEAEA"/>
+            </a:solidFill>
+            <a:miter lim="800000"/>
+          </a:ln>
+          <a:effectLst>
+            <a:reflection blurRad="12700" stA="33000" endPos="28000" dist="5000" dir="5400000" sy="-100000" algn="bl" rotWithShape="0"/>
+          </a:effectLst>
+          <a:scene3d>
+            <a:camera prst="orthographicFront"/>
+            <a:lightRig rig="threePt" dir="t">
+              <a:rot lat="0" lon="0" rev="2700000"/>
+            </a:lightRig>
+          </a:scene3d>
+          <a:sp3d contourW="6350">
+            <a:bevelT h="38100"/>
+            <a:contourClr>
+              <a:srgbClr val="C0C0C0"/>
+            </a:contourClr>
+          </a:sp3d>
+        </p:spPr>
+      </p:pic>
+      <p:pic>
+        <p:nvPicPr>
+          <p:cNvPr id="1028" name="Picture 4"/>
+          <p:cNvPicPr>
+            <a:picLocks noChangeAspect="1" noChangeArrowheads="1"/>
+          </p:cNvPicPr>
+          <p:nvPr/>
+        </p:nvPicPr>
+        <p:blipFill>
+          <a:blip r:embed="rId4"/>
+          <a:srcRect/>
+          <a:stretch>
+            <a:fillRect/>
+          </a:stretch>
+        </p:blipFill>
+        <p:spPr bwMode="auto">
+          <a:xfrm>
+            <a:off x="2514600" y="5029200"/>
+            <a:ext cx="4183063" cy="1022350"/>
+          </a:xfrm>
+          <a:prstGeom prst="rect">
+            <a:avLst/>
+          </a:prstGeom>
+          <a:solidFill>
+            <a:srgbClr val="FFFFFF"/>
+          </a:solidFill>
+          <a:ln w="3175">
+            <a:solidFill>
+              <a:schemeClr val="tx1"/>
+            </a:solidFill>
+            <a:miter lim="800000"/>
+            <a:headEnd/>
+            <a:tailEnd/>
+          </a:ln>
+        </p:spPr>
+      </p:pic>
     </p:spTree>
   </p:cSld>
   <p:clrMapOvr>

--- a/trunk/doc/Presentation.pptx
+++ b/trunk/doc/Presentation.pptx
@@ -4,6 +4,9 @@
   <p:sldMasterIdLst>
     <p:sldMasterId id="2147483708" r:id="rId1"/>
   </p:sldMasterIdLst>
+  <p:notesMasterIdLst>
+    <p:notesMasterId r:id="rId17"/>
+  </p:notesMasterIdLst>
   <p:sldIdLst>
     <p:sldId id="256" r:id="rId2"/>
     <p:sldId id="257" r:id="rId3"/>
@@ -121,6 +124,1568 @@
 </p:presentation>
 </file>
 
+<file path=ppt/notesMasters/notesMaster1.xml><?xml version="1.0" encoding="utf-8"?>
+<p:notesMaster xmlns:a="http://schemas.openxmlformats.org/drawingml/2006/main" xmlns:r="http://schemas.openxmlformats.org/officeDocument/2006/relationships" xmlns:p="http://schemas.openxmlformats.org/presentationml/2006/main">
+  <p:cSld>
+    <p:bg>
+      <p:bgRef idx="1001">
+        <a:schemeClr val="bg1"/>
+      </p:bgRef>
+    </p:bg>
+    <p:spTree>
+      <p:nvGrpSpPr>
+        <p:cNvPr id="1" name=""/>
+        <p:cNvGrpSpPr/>
+        <p:nvPr/>
+      </p:nvGrpSpPr>
+      <p:grpSpPr>
+        <a:xfrm>
+          <a:off x="0" y="0"/>
+          <a:ext cx="0" cy="0"/>
+          <a:chOff x="0" y="0"/>
+          <a:chExt cx="0" cy="0"/>
+        </a:xfrm>
+      </p:grpSpPr>
+      <p:sp>
+        <p:nvSpPr>
+          <p:cNvPr id="2" name="Верхний колонтитул 1"/>
+          <p:cNvSpPr>
+            <a:spLocks noGrp="1"/>
+          </p:cNvSpPr>
+          <p:nvPr>
+            <p:ph type="hdr" sz="quarter"/>
+          </p:nvPr>
+        </p:nvSpPr>
+        <p:spPr>
+          <a:xfrm>
+            <a:off x="0" y="0"/>
+            <a:ext cx="2971800" cy="457200"/>
+          </a:xfrm>
+          <a:prstGeom prst="rect">
+            <a:avLst/>
+          </a:prstGeom>
+        </p:spPr>
+        <p:txBody>
+          <a:bodyPr vert="horz" lIns="91440" tIns="45720" rIns="91440" bIns="45720" rtlCol="0"/>
+          <a:lstStyle>
+            <a:lvl1pPr algn="l">
+              <a:defRPr sz="1200"/>
+            </a:lvl1pPr>
+          </a:lstStyle>
+          <a:p>
+            <a:endParaRPr lang="ru-RU"/>
+          </a:p>
+        </p:txBody>
+      </p:sp>
+      <p:sp>
+        <p:nvSpPr>
+          <p:cNvPr id="3" name="Дата 2"/>
+          <p:cNvSpPr>
+            <a:spLocks noGrp="1"/>
+          </p:cNvSpPr>
+          <p:nvPr>
+            <p:ph type="dt" idx="1"/>
+          </p:nvPr>
+        </p:nvSpPr>
+        <p:spPr>
+          <a:xfrm>
+            <a:off x="3884613" y="0"/>
+            <a:ext cx="2971800" cy="457200"/>
+          </a:xfrm>
+          <a:prstGeom prst="rect">
+            <a:avLst/>
+          </a:prstGeom>
+        </p:spPr>
+        <p:txBody>
+          <a:bodyPr vert="horz" lIns="91440" tIns="45720" rIns="91440" bIns="45720" rtlCol="0"/>
+          <a:lstStyle>
+            <a:lvl1pPr algn="r">
+              <a:defRPr sz="1200"/>
+            </a:lvl1pPr>
+          </a:lstStyle>
+          <a:p>
+            <a:fld id="{28817342-5093-4AF1-A95F-D4765AC6F186}" type="datetimeFigureOut">
+              <a:rPr lang="ru-RU" smtClean="0"/>
+              <a:t>20.02.2013</a:t>
+            </a:fld>
+            <a:endParaRPr lang="ru-RU"/>
+          </a:p>
+        </p:txBody>
+      </p:sp>
+      <p:sp>
+        <p:nvSpPr>
+          <p:cNvPr id="4" name="Образ слайда 3"/>
+          <p:cNvSpPr>
+            <a:spLocks noGrp="1" noRot="1" noChangeAspect="1"/>
+          </p:cNvSpPr>
+          <p:nvPr>
+            <p:ph type="sldImg" idx="2"/>
+          </p:nvPr>
+        </p:nvSpPr>
+        <p:spPr>
+          <a:xfrm>
+            <a:off x="1143000" y="685800"/>
+            <a:ext cx="4572000" cy="3429000"/>
+          </a:xfrm>
+          <a:prstGeom prst="rect">
+            <a:avLst/>
+          </a:prstGeom>
+          <a:noFill/>
+          <a:ln w="12700">
+            <a:solidFill>
+              <a:prstClr val="black"/>
+            </a:solidFill>
+          </a:ln>
+        </p:spPr>
+        <p:txBody>
+          <a:bodyPr vert="horz" lIns="91440" tIns="45720" rIns="91440" bIns="45720" rtlCol="0" anchor="ctr"/>
+          <a:lstStyle/>
+          <a:p>
+            <a:endParaRPr lang="ru-RU"/>
+          </a:p>
+        </p:txBody>
+      </p:sp>
+      <p:sp>
+        <p:nvSpPr>
+          <p:cNvPr id="5" name="Заметки 4"/>
+          <p:cNvSpPr>
+            <a:spLocks noGrp="1"/>
+          </p:cNvSpPr>
+          <p:nvPr>
+            <p:ph type="body" sz="quarter" idx="3"/>
+          </p:nvPr>
+        </p:nvSpPr>
+        <p:spPr>
+          <a:xfrm>
+            <a:off x="685800" y="4343400"/>
+            <a:ext cx="5486400" cy="4114800"/>
+          </a:xfrm>
+          <a:prstGeom prst="rect">
+            <a:avLst/>
+          </a:prstGeom>
+        </p:spPr>
+        <p:txBody>
+          <a:bodyPr vert="horz" lIns="91440" tIns="45720" rIns="91440" bIns="45720" rtlCol="0">
+            <a:normAutofit/>
+          </a:bodyPr>
+          <a:lstStyle/>
+          <a:p>
+            <a:pPr lvl="0"/>
+            <a:r>
+              <a:rPr lang="ru-RU" smtClean="0"/>
+              <a:t>Образец текста</a:t>
+            </a:r>
+          </a:p>
+          <a:p>
+            <a:pPr lvl="1"/>
+            <a:r>
+              <a:rPr lang="ru-RU" smtClean="0"/>
+              <a:t>Второй уровень</a:t>
+            </a:r>
+          </a:p>
+          <a:p>
+            <a:pPr lvl="2"/>
+            <a:r>
+              <a:rPr lang="ru-RU" smtClean="0"/>
+              <a:t>Третий уровень</a:t>
+            </a:r>
+          </a:p>
+          <a:p>
+            <a:pPr lvl="3"/>
+            <a:r>
+              <a:rPr lang="ru-RU" smtClean="0"/>
+              <a:t>Четвертый уровень</a:t>
+            </a:r>
+          </a:p>
+          <a:p>
+            <a:pPr lvl="4"/>
+            <a:r>
+              <a:rPr lang="ru-RU" smtClean="0"/>
+              <a:t>Пятый уровень</a:t>
+            </a:r>
+            <a:endParaRPr lang="ru-RU"/>
+          </a:p>
+        </p:txBody>
+      </p:sp>
+      <p:sp>
+        <p:nvSpPr>
+          <p:cNvPr id="6" name="Нижний колонтитул 5"/>
+          <p:cNvSpPr>
+            <a:spLocks noGrp="1"/>
+          </p:cNvSpPr>
+          <p:nvPr>
+            <p:ph type="ftr" sz="quarter" idx="4"/>
+          </p:nvPr>
+        </p:nvSpPr>
+        <p:spPr>
+          <a:xfrm>
+            <a:off x="0" y="8685213"/>
+            <a:ext cx="2971800" cy="457200"/>
+          </a:xfrm>
+          <a:prstGeom prst="rect">
+            <a:avLst/>
+          </a:prstGeom>
+        </p:spPr>
+        <p:txBody>
+          <a:bodyPr vert="horz" lIns="91440" tIns="45720" rIns="91440" bIns="45720" rtlCol="0" anchor="b"/>
+          <a:lstStyle>
+            <a:lvl1pPr algn="l">
+              <a:defRPr sz="1200"/>
+            </a:lvl1pPr>
+          </a:lstStyle>
+          <a:p>
+            <a:endParaRPr lang="ru-RU"/>
+          </a:p>
+        </p:txBody>
+      </p:sp>
+      <p:sp>
+        <p:nvSpPr>
+          <p:cNvPr id="7" name="Номер слайда 6"/>
+          <p:cNvSpPr>
+            <a:spLocks noGrp="1"/>
+          </p:cNvSpPr>
+          <p:nvPr>
+            <p:ph type="sldNum" sz="quarter" idx="5"/>
+          </p:nvPr>
+        </p:nvSpPr>
+        <p:spPr>
+          <a:xfrm>
+            <a:off x="3884613" y="8685213"/>
+            <a:ext cx="2971800" cy="457200"/>
+          </a:xfrm>
+          <a:prstGeom prst="rect">
+            <a:avLst/>
+          </a:prstGeom>
+        </p:spPr>
+        <p:txBody>
+          <a:bodyPr vert="horz" lIns="91440" tIns="45720" rIns="91440" bIns="45720" rtlCol="0" anchor="b"/>
+          <a:lstStyle>
+            <a:lvl1pPr algn="r">
+              <a:defRPr sz="1200"/>
+            </a:lvl1pPr>
+          </a:lstStyle>
+          <a:p>
+            <a:fld id="{30900FE3-C8F9-4E62-B63F-7D2782D3F2B4}" type="slidenum">
+              <a:rPr lang="ru-RU" smtClean="0"/>
+              <a:t>‹#›</a:t>
+            </a:fld>
+            <a:endParaRPr lang="ru-RU"/>
+          </a:p>
+        </p:txBody>
+      </p:sp>
+    </p:spTree>
+  </p:cSld>
+  <p:clrMap bg1="lt1" tx1="dk1" bg2="lt2" tx2="dk2" accent1="accent1" accent2="accent2" accent3="accent3" accent4="accent4" accent5="accent5" accent6="accent6" hlink="hlink" folHlink="folHlink"/>
+  <p:notesStyle>
+    <a:lvl1pPr marL="0" algn="l" defTabSz="914400" rtl="0" eaLnBrk="1" latinLnBrk="0" hangingPunct="1">
+      <a:defRPr sz="1200" kern="1200">
+        <a:solidFill>
+          <a:schemeClr val="tx1"/>
+        </a:solidFill>
+        <a:latin typeface="+mn-lt"/>
+        <a:ea typeface="+mn-ea"/>
+        <a:cs typeface="+mn-cs"/>
+      </a:defRPr>
+    </a:lvl1pPr>
+    <a:lvl2pPr marL="457200" algn="l" defTabSz="914400" rtl="0" eaLnBrk="1" latinLnBrk="0" hangingPunct="1">
+      <a:defRPr sz="1200" kern="1200">
+        <a:solidFill>
+          <a:schemeClr val="tx1"/>
+        </a:solidFill>
+        <a:latin typeface="+mn-lt"/>
+        <a:ea typeface="+mn-ea"/>
+        <a:cs typeface="+mn-cs"/>
+      </a:defRPr>
+    </a:lvl2pPr>
+    <a:lvl3pPr marL="914400" algn="l" defTabSz="914400" rtl="0" eaLnBrk="1" latinLnBrk="0" hangingPunct="1">
+      <a:defRPr sz="1200" kern="1200">
+        <a:solidFill>
+          <a:schemeClr val="tx1"/>
+        </a:solidFill>
+        <a:latin typeface="+mn-lt"/>
+        <a:ea typeface="+mn-ea"/>
+        <a:cs typeface="+mn-cs"/>
+      </a:defRPr>
+    </a:lvl3pPr>
+    <a:lvl4pPr marL="1371600" algn="l" defTabSz="914400" rtl="0" eaLnBrk="1" latinLnBrk="0" hangingPunct="1">
+      <a:defRPr sz="1200" kern="1200">
+        <a:solidFill>
+          <a:schemeClr val="tx1"/>
+        </a:solidFill>
+        <a:latin typeface="+mn-lt"/>
+        <a:ea typeface="+mn-ea"/>
+        <a:cs typeface="+mn-cs"/>
+      </a:defRPr>
+    </a:lvl4pPr>
+    <a:lvl5pPr marL="1828800" algn="l" defTabSz="914400" rtl="0" eaLnBrk="1" latinLnBrk="0" hangingPunct="1">
+      <a:defRPr sz="1200" kern="1200">
+        <a:solidFill>
+          <a:schemeClr val="tx1"/>
+        </a:solidFill>
+        <a:latin typeface="+mn-lt"/>
+        <a:ea typeface="+mn-ea"/>
+        <a:cs typeface="+mn-cs"/>
+      </a:defRPr>
+    </a:lvl5pPr>
+    <a:lvl6pPr marL="2286000" algn="l" defTabSz="914400" rtl="0" eaLnBrk="1" latinLnBrk="0" hangingPunct="1">
+      <a:defRPr sz="1200" kern="1200">
+        <a:solidFill>
+          <a:schemeClr val="tx1"/>
+        </a:solidFill>
+        <a:latin typeface="+mn-lt"/>
+        <a:ea typeface="+mn-ea"/>
+        <a:cs typeface="+mn-cs"/>
+      </a:defRPr>
+    </a:lvl6pPr>
+    <a:lvl7pPr marL="2743200" algn="l" defTabSz="914400" rtl="0" eaLnBrk="1" latinLnBrk="0" hangingPunct="1">
+      <a:defRPr sz="1200" kern="1200">
+        <a:solidFill>
+          <a:schemeClr val="tx1"/>
+        </a:solidFill>
+        <a:latin typeface="+mn-lt"/>
+        <a:ea typeface="+mn-ea"/>
+        <a:cs typeface="+mn-cs"/>
+      </a:defRPr>
+    </a:lvl7pPr>
+    <a:lvl8pPr marL="3200400" algn="l" defTabSz="914400" rtl="0" eaLnBrk="1" latinLnBrk="0" hangingPunct="1">
+      <a:defRPr sz="1200" kern="1200">
+        <a:solidFill>
+          <a:schemeClr val="tx1"/>
+        </a:solidFill>
+        <a:latin typeface="+mn-lt"/>
+        <a:ea typeface="+mn-ea"/>
+        <a:cs typeface="+mn-cs"/>
+      </a:defRPr>
+    </a:lvl8pPr>
+    <a:lvl9pPr marL="3657600" algn="l" defTabSz="914400" rtl="0" eaLnBrk="1" latinLnBrk="0" hangingPunct="1">
+      <a:defRPr sz="1200" kern="1200">
+        <a:solidFill>
+          <a:schemeClr val="tx1"/>
+        </a:solidFill>
+        <a:latin typeface="+mn-lt"/>
+        <a:ea typeface="+mn-ea"/>
+        <a:cs typeface="+mn-cs"/>
+      </a:defRPr>
+    </a:lvl9pPr>
+  </p:notesStyle>
+</p:notesMaster>
+</file>
+
+<file path=ppt/notesSlides/notesSlide1.xml><?xml version="1.0" encoding="utf-8"?>
+<p:notes xmlns:a="http://schemas.openxmlformats.org/drawingml/2006/main" xmlns:r="http://schemas.openxmlformats.org/officeDocument/2006/relationships" xmlns:p="http://schemas.openxmlformats.org/presentationml/2006/main">
+  <p:cSld>
+    <p:spTree>
+      <p:nvGrpSpPr>
+        <p:cNvPr id="1" name=""/>
+        <p:cNvGrpSpPr/>
+        <p:nvPr/>
+      </p:nvGrpSpPr>
+      <p:grpSpPr>
+        <a:xfrm>
+          <a:off x="0" y="0"/>
+          <a:ext cx="0" cy="0"/>
+          <a:chOff x="0" y="0"/>
+          <a:chExt cx="0" cy="0"/>
+        </a:xfrm>
+      </p:grpSpPr>
+      <p:sp>
+        <p:nvSpPr>
+          <p:cNvPr id="2" name="Образ слайда 1"/>
+          <p:cNvSpPr>
+            <a:spLocks noGrp="1" noRot="1" noChangeAspect="1"/>
+          </p:cNvSpPr>
+          <p:nvPr>
+            <p:ph type="sldImg"/>
+          </p:nvPr>
+        </p:nvSpPr>
+        <p:spPr/>
+      </p:sp>
+      <p:sp>
+        <p:nvSpPr>
+          <p:cNvPr id="3" name="Заметки 2"/>
+          <p:cNvSpPr>
+            <a:spLocks noGrp="1"/>
+          </p:cNvSpPr>
+          <p:nvPr>
+            <p:ph type="body" idx="1"/>
+          </p:nvPr>
+        </p:nvSpPr>
+        <p:spPr/>
+        <p:txBody>
+          <a:bodyPr>
+            <a:normAutofit/>
+          </a:bodyPr>
+          <a:lstStyle/>
+          <a:p>
+            <a:endParaRPr lang="ru-RU"/>
+          </a:p>
+        </p:txBody>
+      </p:sp>
+      <p:sp>
+        <p:nvSpPr>
+          <p:cNvPr id="4" name="Номер слайда 3"/>
+          <p:cNvSpPr>
+            <a:spLocks noGrp="1"/>
+          </p:cNvSpPr>
+          <p:nvPr>
+            <p:ph type="sldNum" sz="quarter" idx="10"/>
+          </p:nvPr>
+        </p:nvSpPr>
+        <p:spPr/>
+        <p:txBody>
+          <a:bodyPr/>
+          <a:lstStyle/>
+          <a:p>
+            <a:fld id="{30900FE3-C8F9-4E62-B63F-7D2782D3F2B4}" type="slidenum">
+              <a:rPr lang="ru-RU" smtClean="0"/>
+              <a:t>1</a:t>
+            </a:fld>
+            <a:endParaRPr lang="ru-RU"/>
+          </a:p>
+        </p:txBody>
+      </p:sp>
+    </p:spTree>
+  </p:cSld>
+  <p:clrMapOvr>
+    <a:masterClrMapping/>
+  </p:clrMapOvr>
+</p:notes>
+</file>
+
+<file path=ppt/notesSlides/notesSlide10.xml><?xml version="1.0" encoding="utf-8"?>
+<p:notes xmlns:a="http://schemas.openxmlformats.org/drawingml/2006/main" xmlns:r="http://schemas.openxmlformats.org/officeDocument/2006/relationships" xmlns:p="http://schemas.openxmlformats.org/presentationml/2006/main">
+  <p:cSld>
+    <p:spTree>
+      <p:nvGrpSpPr>
+        <p:cNvPr id="1" name=""/>
+        <p:cNvGrpSpPr/>
+        <p:nvPr/>
+      </p:nvGrpSpPr>
+      <p:grpSpPr>
+        <a:xfrm>
+          <a:off x="0" y="0"/>
+          <a:ext cx="0" cy="0"/>
+          <a:chOff x="0" y="0"/>
+          <a:chExt cx="0" cy="0"/>
+        </a:xfrm>
+      </p:grpSpPr>
+      <p:sp>
+        <p:nvSpPr>
+          <p:cNvPr id="2" name="Образ слайда 1"/>
+          <p:cNvSpPr>
+            <a:spLocks noGrp="1" noRot="1" noChangeAspect="1"/>
+          </p:cNvSpPr>
+          <p:nvPr>
+            <p:ph type="sldImg"/>
+          </p:nvPr>
+        </p:nvSpPr>
+        <p:spPr/>
+      </p:sp>
+      <p:sp>
+        <p:nvSpPr>
+          <p:cNvPr id="3" name="Заметки 2"/>
+          <p:cNvSpPr>
+            <a:spLocks noGrp="1"/>
+          </p:cNvSpPr>
+          <p:nvPr>
+            <p:ph type="body" idx="1"/>
+          </p:nvPr>
+        </p:nvSpPr>
+        <p:spPr/>
+        <p:txBody>
+          <a:bodyPr>
+            <a:normAutofit/>
+          </a:bodyPr>
+          <a:lstStyle/>
+          <a:p>
+            <a:endParaRPr lang="ru-RU"/>
+          </a:p>
+        </p:txBody>
+      </p:sp>
+      <p:sp>
+        <p:nvSpPr>
+          <p:cNvPr id="4" name="Номер слайда 3"/>
+          <p:cNvSpPr>
+            <a:spLocks noGrp="1"/>
+          </p:cNvSpPr>
+          <p:nvPr>
+            <p:ph type="sldNum" sz="quarter" idx="10"/>
+          </p:nvPr>
+        </p:nvSpPr>
+        <p:spPr/>
+        <p:txBody>
+          <a:bodyPr/>
+          <a:lstStyle/>
+          <a:p>
+            <a:fld id="{30900FE3-C8F9-4E62-B63F-7D2782D3F2B4}" type="slidenum">
+              <a:rPr lang="ru-RU" smtClean="0"/>
+              <a:t>10</a:t>
+            </a:fld>
+            <a:endParaRPr lang="ru-RU"/>
+          </a:p>
+        </p:txBody>
+      </p:sp>
+    </p:spTree>
+  </p:cSld>
+  <p:clrMapOvr>
+    <a:masterClrMapping/>
+  </p:clrMapOvr>
+</p:notes>
+</file>
+
+<file path=ppt/notesSlides/notesSlide11.xml><?xml version="1.0" encoding="utf-8"?>
+<p:notes xmlns:a="http://schemas.openxmlformats.org/drawingml/2006/main" xmlns:r="http://schemas.openxmlformats.org/officeDocument/2006/relationships" xmlns:p="http://schemas.openxmlformats.org/presentationml/2006/main">
+  <p:cSld>
+    <p:spTree>
+      <p:nvGrpSpPr>
+        <p:cNvPr id="1" name=""/>
+        <p:cNvGrpSpPr/>
+        <p:nvPr/>
+      </p:nvGrpSpPr>
+      <p:grpSpPr>
+        <a:xfrm>
+          <a:off x="0" y="0"/>
+          <a:ext cx="0" cy="0"/>
+          <a:chOff x="0" y="0"/>
+          <a:chExt cx="0" cy="0"/>
+        </a:xfrm>
+      </p:grpSpPr>
+      <p:sp>
+        <p:nvSpPr>
+          <p:cNvPr id="2" name="Образ слайда 1"/>
+          <p:cNvSpPr>
+            <a:spLocks noGrp="1" noRot="1" noChangeAspect="1"/>
+          </p:cNvSpPr>
+          <p:nvPr>
+            <p:ph type="sldImg"/>
+          </p:nvPr>
+        </p:nvSpPr>
+        <p:spPr/>
+      </p:sp>
+      <p:sp>
+        <p:nvSpPr>
+          <p:cNvPr id="3" name="Заметки 2"/>
+          <p:cNvSpPr>
+            <a:spLocks noGrp="1"/>
+          </p:cNvSpPr>
+          <p:nvPr>
+            <p:ph type="body" idx="1"/>
+          </p:nvPr>
+        </p:nvSpPr>
+        <p:spPr/>
+        <p:txBody>
+          <a:bodyPr>
+            <a:normAutofit/>
+          </a:bodyPr>
+          <a:lstStyle/>
+          <a:p>
+            <a:endParaRPr lang="ru-RU"/>
+          </a:p>
+        </p:txBody>
+      </p:sp>
+      <p:sp>
+        <p:nvSpPr>
+          <p:cNvPr id="4" name="Номер слайда 3"/>
+          <p:cNvSpPr>
+            <a:spLocks noGrp="1"/>
+          </p:cNvSpPr>
+          <p:nvPr>
+            <p:ph type="sldNum" sz="quarter" idx="10"/>
+          </p:nvPr>
+        </p:nvSpPr>
+        <p:spPr/>
+        <p:txBody>
+          <a:bodyPr/>
+          <a:lstStyle/>
+          <a:p>
+            <a:fld id="{30900FE3-C8F9-4E62-B63F-7D2782D3F2B4}" type="slidenum">
+              <a:rPr lang="ru-RU" smtClean="0"/>
+              <a:t>11</a:t>
+            </a:fld>
+            <a:endParaRPr lang="ru-RU"/>
+          </a:p>
+        </p:txBody>
+      </p:sp>
+    </p:spTree>
+  </p:cSld>
+  <p:clrMapOvr>
+    <a:masterClrMapping/>
+  </p:clrMapOvr>
+</p:notes>
+</file>
+
+<file path=ppt/notesSlides/notesSlide12.xml><?xml version="1.0" encoding="utf-8"?>
+<p:notes xmlns:a="http://schemas.openxmlformats.org/drawingml/2006/main" xmlns:r="http://schemas.openxmlformats.org/officeDocument/2006/relationships" xmlns:p="http://schemas.openxmlformats.org/presentationml/2006/main">
+  <p:cSld>
+    <p:spTree>
+      <p:nvGrpSpPr>
+        <p:cNvPr id="1" name=""/>
+        <p:cNvGrpSpPr/>
+        <p:nvPr/>
+      </p:nvGrpSpPr>
+      <p:grpSpPr>
+        <a:xfrm>
+          <a:off x="0" y="0"/>
+          <a:ext cx="0" cy="0"/>
+          <a:chOff x="0" y="0"/>
+          <a:chExt cx="0" cy="0"/>
+        </a:xfrm>
+      </p:grpSpPr>
+      <p:sp>
+        <p:nvSpPr>
+          <p:cNvPr id="2" name="Образ слайда 1"/>
+          <p:cNvSpPr>
+            <a:spLocks noGrp="1" noRot="1" noChangeAspect="1"/>
+          </p:cNvSpPr>
+          <p:nvPr>
+            <p:ph type="sldImg"/>
+          </p:nvPr>
+        </p:nvSpPr>
+        <p:spPr/>
+      </p:sp>
+      <p:sp>
+        <p:nvSpPr>
+          <p:cNvPr id="3" name="Заметки 2"/>
+          <p:cNvSpPr>
+            <a:spLocks noGrp="1"/>
+          </p:cNvSpPr>
+          <p:nvPr>
+            <p:ph type="body" idx="1"/>
+          </p:nvPr>
+        </p:nvSpPr>
+        <p:spPr/>
+        <p:txBody>
+          <a:bodyPr>
+            <a:normAutofit/>
+          </a:bodyPr>
+          <a:lstStyle/>
+          <a:p>
+            <a:endParaRPr lang="ru-RU"/>
+          </a:p>
+        </p:txBody>
+      </p:sp>
+      <p:sp>
+        <p:nvSpPr>
+          <p:cNvPr id="4" name="Номер слайда 3"/>
+          <p:cNvSpPr>
+            <a:spLocks noGrp="1"/>
+          </p:cNvSpPr>
+          <p:nvPr>
+            <p:ph type="sldNum" sz="quarter" idx="10"/>
+          </p:nvPr>
+        </p:nvSpPr>
+        <p:spPr/>
+        <p:txBody>
+          <a:bodyPr/>
+          <a:lstStyle/>
+          <a:p>
+            <a:fld id="{30900FE3-C8F9-4E62-B63F-7D2782D3F2B4}" type="slidenum">
+              <a:rPr lang="ru-RU" smtClean="0"/>
+              <a:t>12</a:t>
+            </a:fld>
+            <a:endParaRPr lang="ru-RU"/>
+          </a:p>
+        </p:txBody>
+      </p:sp>
+    </p:spTree>
+  </p:cSld>
+  <p:clrMapOvr>
+    <a:masterClrMapping/>
+  </p:clrMapOvr>
+</p:notes>
+</file>
+
+<file path=ppt/notesSlides/notesSlide13.xml><?xml version="1.0" encoding="utf-8"?>
+<p:notes xmlns:a="http://schemas.openxmlformats.org/drawingml/2006/main" xmlns:r="http://schemas.openxmlformats.org/officeDocument/2006/relationships" xmlns:p="http://schemas.openxmlformats.org/presentationml/2006/main">
+  <p:cSld>
+    <p:spTree>
+      <p:nvGrpSpPr>
+        <p:cNvPr id="1" name=""/>
+        <p:cNvGrpSpPr/>
+        <p:nvPr/>
+      </p:nvGrpSpPr>
+      <p:grpSpPr>
+        <a:xfrm>
+          <a:off x="0" y="0"/>
+          <a:ext cx="0" cy="0"/>
+          <a:chOff x="0" y="0"/>
+          <a:chExt cx="0" cy="0"/>
+        </a:xfrm>
+      </p:grpSpPr>
+      <p:sp>
+        <p:nvSpPr>
+          <p:cNvPr id="2" name="Образ слайда 1"/>
+          <p:cNvSpPr>
+            <a:spLocks noGrp="1" noRot="1" noChangeAspect="1"/>
+          </p:cNvSpPr>
+          <p:nvPr>
+            <p:ph type="sldImg"/>
+          </p:nvPr>
+        </p:nvSpPr>
+        <p:spPr/>
+      </p:sp>
+      <p:sp>
+        <p:nvSpPr>
+          <p:cNvPr id="3" name="Заметки 2"/>
+          <p:cNvSpPr>
+            <a:spLocks noGrp="1"/>
+          </p:cNvSpPr>
+          <p:nvPr>
+            <p:ph type="body" idx="1"/>
+          </p:nvPr>
+        </p:nvSpPr>
+        <p:spPr/>
+        <p:txBody>
+          <a:bodyPr>
+            <a:normAutofit/>
+          </a:bodyPr>
+          <a:lstStyle/>
+          <a:p>
+            <a:endParaRPr lang="ru-RU"/>
+          </a:p>
+        </p:txBody>
+      </p:sp>
+      <p:sp>
+        <p:nvSpPr>
+          <p:cNvPr id="4" name="Номер слайда 3"/>
+          <p:cNvSpPr>
+            <a:spLocks noGrp="1"/>
+          </p:cNvSpPr>
+          <p:nvPr>
+            <p:ph type="sldNum" sz="quarter" idx="10"/>
+          </p:nvPr>
+        </p:nvSpPr>
+        <p:spPr/>
+        <p:txBody>
+          <a:bodyPr/>
+          <a:lstStyle/>
+          <a:p>
+            <a:fld id="{30900FE3-C8F9-4E62-B63F-7D2782D3F2B4}" type="slidenum">
+              <a:rPr lang="ru-RU" smtClean="0"/>
+              <a:t>13</a:t>
+            </a:fld>
+            <a:endParaRPr lang="ru-RU"/>
+          </a:p>
+        </p:txBody>
+      </p:sp>
+    </p:spTree>
+  </p:cSld>
+  <p:clrMapOvr>
+    <a:masterClrMapping/>
+  </p:clrMapOvr>
+</p:notes>
+</file>
+
+<file path=ppt/notesSlides/notesSlide14.xml><?xml version="1.0" encoding="utf-8"?>
+<p:notes xmlns:a="http://schemas.openxmlformats.org/drawingml/2006/main" xmlns:r="http://schemas.openxmlformats.org/officeDocument/2006/relationships" xmlns:p="http://schemas.openxmlformats.org/presentationml/2006/main">
+  <p:cSld>
+    <p:spTree>
+      <p:nvGrpSpPr>
+        <p:cNvPr id="1" name=""/>
+        <p:cNvGrpSpPr/>
+        <p:nvPr/>
+      </p:nvGrpSpPr>
+      <p:grpSpPr>
+        <a:xfrm>
+          <a:off x="0" y="0"/>
+          <a:ext cx="0" cy="0"/>
+          <a:chOff x="0" y="0"/>
+          <a:chExt cx="0" cy="0"/>
+        </a:xfrm>
+      </p:grpSpPr>
+      <p:sp>
+        <p:nvSpPr>
+          <p:cNvPr id="2" name="Образ слайда 1"/>
+          <p:cNvSpPr>
+            <a:spLocks noGrp="1" noRot="1" noChangeAspect="1"/>
+          </p:cNvSpPr>
+          <p:nvPr>
+            <p:ph type="sldImg"/>
+          </p:nvPr>
+        </p:nvSpPr>
+        <p:spPr/>
+      </p:sp>
+      <p:sp>
+        <p:nvSpPr>
+          <p:cNvPr id="3" name="Заметки 2"/>
+          <p:cNvSpPr>
+            <a:spLocks noGrp="1"/>
+          </p:cNvSpPr>
+          <p:nvPr>
+            <p:ph type="body" idx="1"/>
+          </p:nvPr>
+        </p:nvSpPr>
+        <p:spPr/>
+        <p:txBody>
+          <a:bodyPr>
+            <a:normAutofit/>
+          </a:bodyPr>
+          <a:lstStyle/>
+          <a:p>
+            <a:endParaRPr lang="ru-RU"/>
+          </a:p>
+        </p:txBody>
+      </p:sp>
+      <p:sp>
+        <p:nvSpPr>
+          <p:cNvPr id="4" name="Номер слайда 3"/>
+          <p:cNvSpPr>
+            <a:spLocks noGrp="1"/>
+          </p:cNvSpPr>
+          <p:nvPr>
+            <p:ph type="sldNum" sz="quarter" idx="10"/>
+          </p:nvPr>
+        </p:nvSpPr>
+        <p:spPr/>
+        <p:txBody>
+          <a:bodyPr/>
+          <a:lstStyle/>
+          <a:p>
+            <a:fld id="{30900FE3-C8F9-4E62-B63F-7D2782D3F2B4}" type="slidenum">
+              <a:rPr lang="ru-RU" smtClean="0"/>
+              <a:t>14</a:t>
+            </a:fld>
+            <a:endParaRPr lang="ru-RU"/>
+          </a:p>
+        </p:txBody>
+      </p:sp>
+    </p:spTree>
+  </p:cSld>
+  <p:clrMapOvr>
+    <a:masterClrMapping/>
+  </p:clrMapOvr>
+</p:notes>
+</file>
+
+<file path=ppt/notesSlides/notesSlide15.xml><?xml version="1.0" encoding="utf-8"?>
+<p:notes xmlns:a="http://schemas.openxmlformats.org/drawingml/2006/main" xmlns:r="http://schemas.openxmlformats.org/officeDocument/2006/relationships" xmlns:p="http://schemas.openxmlformats.org/presentationml/2006/main">
+  <p:cSld>
+    <p:spTree>
+      <p:nvGrpSpPr>
+        <p:cNvPr id="1" name=""/>
+        <p:cNvGrpSpPr/>
+        <p:nvPr/>
+      </p:nvGrpSpPr>
+      <p:grpSpPr>
+        <a:xfrm>
+          <a:off x="0" y="0"/>
+          <a:ext cx="0" cy="0"/>
+          <a:chOff x="0" y="0"/>
+          <a:chExt cx="0" cy="0"/>
+        </a:xfrm>
+      </p:grpSpPr>
+      <p:sp>
+        <p:nvSpPr>
+          <p:cNvPr id="2" name="Образ слайда 1"/>
+          <p:cNvSpPr>
+            <a:spLocks noGrp="1" noRot="1" noChangeAspect="1"/>
+          </p:cNvSpPr>
+          <p:nvPr>
+            <p:ph type="sldImg"/>
+          </p:nvPr>
+        </p:nvSpPr>
+        <p:spPr/>
+      </p:sp>
+      <p:sp>
+        <p:nvSpPr>
+          <p:cNvPr id="3" name="Заметки 2"/>
+          <p:cNvSpPr>
+            <a:spLocks noGrp="1"/>
+          </p:cNvSpPr>
+          <p:nvPr>
+            <p:ph type="body" idx="1"/>
+          </p:nvPr>
+        </p:nvSpPr>
+        <p:spPr/>
+        <p:txBody>
+          <a:bodyPr>
+            <a:normAutofit/>
+          </a:bodyPr>
+          <a:lstStyle/>
+          <a:p>
+            <a:endParaRPr lang="ru-RU"/>
+          </a:p>
+        </p:txBody>
+      </p:sp>
+      <p:sp>
+        <p:nvSpPr>
+          <p:cNvPr id="4" name="Номер слайда 3"/>
+          <p:cNvSpPr>
+            <a:spLocks noGrp="1"/>
+          </p:cNvSpPr>
+          <p:nvPr>
+            <p:ph type="sldNum" sz="quarter" idx="10"/>
+          </p:nvPr>
+        </p:nvSpPr>
+        <p:spPr/>
+        <p:txBody>
+          <a:bodyPr/>
+          <a:lstStyle/>
+          <a:p>
+            <a:fld id="{30900FE3-C8F9-4E62-B63F-7D2782D3F2B4}" type="slidenum">
+              <a:rPr lang="ru-RU" smtClean="0"/>
+              <a:t>15</a:t>
+            </a:fld>
+            <a:endParaRPr lang="ru-RU"/>
+          </a:p>
+        </p:txBody>
+      </p:sp>
+    </p:spTree>
+  </p:cSld>
+  <p:clrMapOvr>
+    <a:masterClrMapping/>
+  </p:clrMapOvr>
+</p:notes>
+</file>
+
+<file path=ppt/notesSlides/notesSlide2.xml><?xml version="1.0" encoding="utf-8"?>
+<p:notes xmlns:a="http://schemas.openxmlformats.org/drawingml/2006/main" xmlns:r="http://schemas.openxmlformats.org/officeDocument/2006/relationships" xmlns:p="http://schemas.openxmlformats.org/presentationml/2006/main">
+  <p:cSld>
+    <p:spTree>
+      <p:nvGrpSpPr>
+        <p:cNvPr id="1" name=""/>
+        <p:cNvGrpSpPr/>
+        <p:nvPr/>
+      </p:nvGrpSpPr>
+      <p:grpSpPr>
+        <a:xfrm>
+          <a:off x="0" y="0"/>
+          <a:ext cx="0" cy="0"/>
+          <a:chOff x="0" y="0"/>
+          <a:chExt cx="0" cy="0"/>
+        </a:xfrm>
+      </p:grpSpPr>
+      <p:sp>
+        <p:nvSpPr>
+          <p:cNvPr id="2" name="Образ слайда 1"/>
+          <p:cNvSpPr>
+            <a:spLocks noGrp="1" noRot="1" noChangeAspect="1"/>
+          </p:cNvSpPr>
+          <p:nvPr>
+            <p:ph type="sldImg"/>
+          </p:nvPr>
+        </p:nvSpPr>
+        <p:spPr/>
+      </p:sp>
+      <p:sp>
+        <p:nvSpPr>
+          <p:cNvPr id="3" name="Заметки 2"/>
+          <p:cNvSpPr>
+            <a:spLocks noGrp="1"/>
+          </p:cNvSpPr>
+          <p:nvPr>
+            <p:ph type="body" idx="1"/>
+          </p:nvPr>
+        </p:nvSpPr>
+        <p:spPr/>
+        <p:txBody>
+          <a:bodyPr>
+            <a:normAutofit/>
+          </a:bodyPr>
+          <a:lstStyle/>
+          <a:p>
+            <a:endParaRPr lang="ru-RU"/>
+          </a:p>
+        </p:txBody>
+      </p:sp>
+      <p:sp>
+        <p:nvSpPr>
+          <p:cNvPr id="4" name="Номер слайда 3"/>
+          <p:cNvSpPr>
+            <a:spLocks noGrp="1"/>
+          </p:cNvSpPr>
+          <p:nvPr>
+            <p:ph type="sldNum" sz="quarter" idx="10"/>
+          </p:nvPr>
+        </p:nvSpPr>
+        <p:spPr/>
+        <p:txBody>
+          <a:bodyPr/>
+          <a:lstStyle/>
+          <a:p>
+            <a:fld id="{30900FE3-C8F9-4E62-B63F-7D2782D3F2B4}" type="slidenum">
+              <a:rPr lang="ru-RU" smtClean="0"/>
+              <a:t>2</a:t>
+            </a:fld>
+            <a:endParaRPr lang="ru-RU"/>
+          </a:p>
+        </p:txBody>
+      </p:sp>
+    </p:spTree>
+  </p:cSld>
+  <p:clrMapOvr>
+    <a:masterClrMapping/>
+  </p:clrMapOvr>
+</p:notes>
+</file>
+
+<file path=ppt/notesSlides/notesSlide3.xml><?xml version="1.0" encoding="utf-8"?>
+<p:notes xmlns:a="http://schemas.openxmlformats.org/drawingml/2006/main" xmlns:r="http://schemas.openxmlformats.org/officeDocument/2006/relationships" xmlns:p="http://schemas.openxmlformats.org/presentationml/2006/main">
+  <p:cSld>
+    <p:spTree>
+      <p:nvGrpSpPr>
+        <p:cNvPr id="1" name=""/>
+        <p:cNvGrpSpPr/>
+        <p:nvPr/>
+      </p:nvGrpSpPr>
+      <p:grpSpPr>
+        <a:xfrm>
+          <a:off x="0" y="0"/>
+          <a:ext cx="0" cy="0"/>
+          <a:chOff x="0" y="0"/>
+          <a:chExt cx="0" cy="0"/>
+        </a:xfrm>
+      </p:grpSpPr>
+      <p:sp>
+        <p:nvSpPr>
+          <p:cNvPr id="2" name="Образ слайда 1"/>
+          <p:cNvSpPr>
+            <a:spLocks noGrp="1" noRot="1" noChangeAspect="1"/>
+          </p:cNvSpPr>
+          <p:nvPr>
+            <p:ph type="sldImg"/>
+          </p:nvPr>
+        </p:nvSpPr>
+        <p:spPr/>
+      </p:sp>
+      <p:sp>
+        <p:nvSpPr>
+          <p:cNvPr id="3" name="Заметки 2"/>
+          <p:cNvSpPr>
+            <a:spLocks noGrp="1"/>
+          </p:cNvSpPr>
+          <p:nvPr>
+            <p:ph type="body" idx="1"/>
+          </p:nvPr>
+        </p:nvSpPr>
+        <p:spPr/>
+        <p:txBody>
+          <a:bodyPr>
+            <a:normAutofit/>
+          </a:bodyPr>
+          <a:lstStyle/>
+          <a:p>
+            <a:endParaRPr lang="ru-RU"/>
+          </a:p>
+        </p:txBody>
+      </p:sp>
+      <p:sp>
+        <p:nvSpPr>
+          <p:cNvPr id="4" name="Номер слайда 3"/>
+          <p:cNvSpPr>
+            <a:spLocks noGrp="1"/>
+          </p:cNvSpPr>
+          <p:nvPr>
+            <p:ph type="sldNum" sz="quarter" idx="10"/>
+          </p:nvPr>
+        </p:nvSpPr>
+        <p:spPr/>
+        <p:txBody>
+          <a:bodyPr/>
+          <a:lstStyle/>
+          <a:p>
+            <a:fld id="{30900FE3-C8F9-4E62-B63F-7D2782D3F2B4}" type="slidenum">
+              <a:rPr lang="ru-RU" smtClean="0"/>
+              <a:t>3</a:t>
+            </a:fld>
+            <a:endParaRPr lang="ru-RU"/>
+          </a:p>
+        </p:txBody>
+      </p:sp>
+    </p:spTree>
+  </p:cSld>
+  <p:clrMapOvr>
+    <a:masterClrMapping/>
+  </p:clrMapOvr>
+</p:notes>
+</file>
+
+<file path=ppt/notesSlides/notesSlide4.xml><?xml version="1.0" encoding="utf-8"?>
+<p:notes xmlns:a="http://schemas.openxmlformats.org/drawingml/2006/main" xmlns:r="http://schemas.openxmlformats.org/officeDocument/2006/relationships" xmlns:p="http://schemas.openxmlformats.org/presentationml/2006/main">
+  <p:cSld>
+    <p:spTree>
+      <p:nvGrpSpPr>
+        <p:cNvPr id="1" name=""/>
+        <p:cNvGrpSpPr/>
+        <p:nvPr/>
+      </p:nvGrpSpPr>
+      <p:grpSpPr>
+        <a:xfrm>
+          <a:off x="0" y="0"/>
+          <a:ext cx="0" cy="0"/>
+          <a:chOff x="0" y="0"/>
+          <a:chExt cx="0" cy="0"/>
+        </a:xfrm>
+      </p:grpSpPr>
+      <p:sp>
+        <p:nvSpPr>
+          <p:cNvPr id="2" name="Образ слайда 1"/>
+          <p:cNvSpPr>
+            <a:spLocks noGrp="1" noRot="1" noChangeAspect="1"/>
+          </p:cNvSpPr>
+          <p:nvPr>
+            <p:ph type="sldImg"/>
+          </p:nvPr>
+        </p:nvSpPr>
+        <p:spPr/>
+      </p:sp>
+      <p:sp>
+        <p:nvSpPr>
+          <p:cNvPr id="3" name="Заметки 2"/>
+          <p:cNvSpPr>
+            <a:spLocks noGrp="1"/>
+          </p:cNvSpPr>
+          <p:nvPr>
+            <p:ph type="body" idx="1"/>
+          </p:nvPr>
+        </p:nvSpPr>
+        <p:spPr/>
+        <p:txBody>
+          <a:bodyPr>
+            <a:normAutofit/>
+          </a:bodyPr>
+          <a:lstStyle/>
+          <a:p>
+            <a:endParaRPr lang="ru-RU"/>
+          </a:p>
+        </p:txBody>
+      </p:sp>
+      <p:sp>
+        <p:nvSpPr>
+          <p:cNvPr id="4" name="Номер слайда 3"/>
+          <p:cNvSpPr>
+            <a:spLocks noGrp="1"/>
+          </p:cNvSpPr>
+          <p:nvPr>
+            <p:ph type="sldNum" sz="quarter" idx="10"/>
+          </p:nvPr>
+        </p:nvSpPr>
+        <p:spPr/>
+        <p:txBody>
+          <a:bodyPr/>
+          <a:lstStyle/>
+          <a:p>
+            <a:fld id="{30900FE3-C8F9-4E62-B63F-7D2782D3F2B4}" type="slidenum">
+              <a:rPr lang="ru-RU" smtClean="0"/>
+              <a:t>4</a:t>
+            </a:fld>
+            <a:endParaRPr lang="ru-RU"/>
+          </a:p>
+        </p:txBody>
+      </p:sp>
+    </p:spTree>
+  </p:cSld>
+  <p:clrMapOvr>
+    <a:masterClrMapping/>
+  </p:clrMapOvr>
+</p:notes>
+</file>
+
+<file path=ppt/notesSlides/notesSlide5.xml><?xml version="1.0" encoding="utf-8"?>
+<p:notes xmlns:a="http://schemas.openxmlformats.org/drawingml/2006/main" xmlns:r="http://schemas.openxmlformats.org/officeDocument/2006/relationships" xmlns:p="http://schemas.openxmlformats.org/presentationml/2006/main">
+  <p:cSld>
+    <p:spTree>
+      <p:nvGrpSpPr>
+        <p:cNvPr id="1" name=""/>
+        <p:cNvGrpSpPr/>
+        <p:nvPr/>
+      </p:nvGrpSpPr>
+      <p:grpSpPr>
+        <a:xfrm>
+          <a:off x="0" y="0"/>
+          <a:ext cx="0" cy="0"/>
+          <a:chOff x="0" y="0"/>
+          <a:chExt cx="0" cy="0"/>
+        </a:xfrm>
+      </p:grpSpPr>
+      <p:sp>
+        <p:nvSpPr>
+          <p:cNvPr id="2" name="Образ слайда 1"/>
+          <p:cNvSpPr>
+            <a:spLocks noGrp="1" noRot="1" noChangeAspect="1"/>
+          </p:cNvSpPr>
+          <p:nvPr>
+            <p:ph type="sldImg"/>
+          </p:nvPr>
+        </p:nvSpPr>
+        <p:spPr/>
+      </p:sp>
+      <p:sp>
+        <p:nvSpPr>
+          <p:cNvPr id="3" name="Заметки 2"/>
+          <p:cNvSpPr>
+            <a:spLocks noGrp="1"/>
+          </p:cNvSpPr>
+          <p:nvPr>
+            <p:ph type="body" idx="1"/>
+          </p:nvPr>
+        </p:nvSpPr>
+        <p:spPr/>
+        <p:txBody>
+          <a:bodyPr>
+            <a:normAutofit/>
+          </a:bodyPr>
+          <a:lstStyle/>
+          <a:p>
+            <a:endParaRPr lang="ru-RU"/>
+          </a:p>
+        </p:txBody>
+      </p:sp>
+      <p:sp>
+        <p:nvSpPr>
+          <p:cNvPr id="4" name="Номер слайда 3"/>
+          <p:cNvSpPr>
+            <a:spLocks noGrp="1"/>
+          </p:cNvSpPr>
+          <p:nvPr>
+            <p:ph type="sldNum" sz="quarter" idx="10"/>
+          </p:nvPr>
+        </p:nvSpPr>
+        <p:spPr/>
+        <p:txBody>
+          <a:bodyPr/>
+          <a:lstStyle/>
+          <a:p>
+            <a:fld id="{30900FE3-C8F9-4E62-B63F-7D2782D3F2B4}" type="slidenum">
+              <a:rPr lang="ru-RU" smtClean="0"/>
+              <a:t>5</a:t>
+            </a:fld>
+            <a:endParaRPr lang="ru-RU"/>
+          </a:p>
+        </p:txBody>
+      </p:sp>
+    </p:spTree>
+  </p:cSld>
+  <p:clrMapOvr>
+    <a:masterClrMapping/>
+  </p:clrMapOvr>
+</p:notes>
+</file>
+
+<file path=ppt/notesSlides/notesSlide6.xml><?xml version="1.0" encoding="utf-8"?>
+<p:notes xmlns:a="http://schemas.openxmlformats.org/drawingml/2006/main" xmlns:r="http://schemas.openxmlformats.org/officeDocument/2006/relationships" xmlns:p="http://schemas.openxmlformats.org/presentationml/2006/main">
+  <p:cSld>
+    <p:spTree>
+      <p:nvGrpSpPr>
+        <p:cNvPr id="1" name=""/>
+        <p:cNvGrpSpPr/>
+        <p:nvPr/>
+      </p:nvGrpSpPr>
+      <p:grpSpPr>
+        <a:xfrm>
+          <a:off x="0" y="0"/>
+          <a:ext cx="0" cy="0"/>
+          <a:chOff x="0" y="0"/>
+          <a:chExt cx="0" cy="0"/>
+        </a:xfrm>
+      </p:grpSpPr>
+      <p:sp>
+        <p:nvSpPr>
+          <p:cNvPr id="2" name="Образ слайда 1"/>
+          <p:cNvSpPr>
+            <a:spLocks noGrp="1" noRot="1" noChangeAspect="1"/>
+          </p:cNvSpPr>
+          <p:nvPr>
+            <p:ph type="sldImg"/>
+          </p:nvPr>
+        </p:nvSpPr>
+        <p:spPr/>
+      </p:sp>
+      <p:sp>
+        <p:nvSpPr>
+          <p:cNvPr id="3" name="Заметки 2"/>
+          <p:cNvSpPr>
+            <a:spLocks noGrp="1"/>
+          </p:cNvSpPr>
+          <p:nvPr>
+            <p:ph type="body" idx="1"/>
+          </p:nvPr>
+        </p:nvSpPr>
+        <p:spPr/>
+        <p:txBody>
+          <a:bodyPr>
+            <a:normAutofit/>
+          </a:bodyPr>
+          <a:lstStyle/>
+          <a:p>
+            <a:endParaRPr lang="ru-RU"/>
+          </a:p>
+        </p:txBody>
+      </p:sp>
+      <p:sp>
+        <p:nvSpPr>
+          <p:cNvPr id="4" name="Номер слайда 3"/>
+          <p:cNvSpPr>
+            <a:spLocks noGrp="1"/>
+          </p:cNvSpPr>
+          <p:nvPr>
+            <p:ph type="sldNum" sz="quarter" idx="10"/>
+          </p:nvPr>
+        </p:nvSpPr>
+        <p:spPr/>
+        <p:txBody>
+          <a:bodyPr/>
+          <a:lstStyle/>
+          <a:p>
+            <a:fld id="{30900FE3-C8F9-4E62-B63F-7D2782D3F2B4}" type="slidenum">
+              <a:rPr lang="ru-RU" smtClean="0"/>
+              <a:t>6</a:t>
+            </a:fld>
+            <a:endParaRPr lang="ru-RU"/>
+          </a:p>
+        </p:txBody>
+      </p:sp>
+    </p:spTree>
+  </p:cSld>
+  <p:clrMapOvr>
+    <a:masterClrMapping/>
+  </p:clrMapOvr>
+</p:notes>
+</file>
+
+<file path=ppt/notesSlides/notesSlide7.xml><?xml version="1.0" encoding="utf-8"?>
+<p:notes xmlns:a="http://schemas.openxmlformats.org/drawingml/2006/main" xmlns:r="http://schemas.openxmlformats.org/officeDocument/2006/relationships" xmlns:p="http://schemas.openxmlformats.org/presentationml/2006/main">
+  <p:cSld>
+    <p:spTree>
+      <p:nvGrpSpPr>
+        <p:cNvPr id="1" name=""/>
+        <p:cNvGrpSpPr/>
+        <p:nvPr/>
+      </p:nvGrpSpPr>
+      <p:grpSpPr>
+        <a:xfrm>
+          <a:off x="0" y="0"/>
+          <a:ext cx="0" cy="0"/>
+          <a:chOff x="0" y="0"/>
+          <a:chExt cx="0" cy="0"/>
+        </a:xfrm>
+      </p:grpSpPr>
+      <p:sp>
+        <p:nvSpPr>
+          <p:cNvPr id="2" name="Образ слайда 1"/>
+          <p:cNvSpPr>
+            <a:spLocks noGrp="1" noRot="1" noChangeAspect="1"/>
+          </p:cNvSpPr>
+          <p:nvPr>
+            <p:ph type="sldImg"/>
+          </p:nvPr>
+        </p:nvSpPr>
+        <p:spPr/>
+      </p:sp>
+      <p:sp>
+        <p:nvSpPr>
+          <p:cNvPr id="3" name="Заметки 2"/>
+          <p:cNvSpPr>
+            <a:spLocks noGrp="1"/>
+          </p:cNvSpPr>
+          <p:nvPr>
+            <p:ph type="body" idx="1"/>
+          </p:nvPr>
+        </p:nvSpPr>
+        <p:spPr/>
+        <p:txBody>
+          <a:bodyPr>
+            <a:normAutofit/>
+          </a:bodyPr>
+          <a:lstStyle/>
+          <a:p>
+            <a:endParaRPr lang="ru-RU"/>
+          </a:p>
+        </p:txBody>
+      </p:sp>
+      <p:sp>
+        <p:nvSpPr>
+          <p:cNvPr id="4" name="Номер слайда 3"/>
+          <p:cNvSpPr>
+            <a:spLocks noGrp="1"/>
+          </p:cNvSpPr>
+          <p:nvPr>
+            <p:ph type="sldNum" sz="quarter" idx="10"/>
+          </p:nvPr>
+        </p:nvSpPr>
+        <p:spPr/>
+        <p:txBody>
+          <a:bodyPr/>
+          <a:lstStyle/>
+          <a:p>
+            <a:fld id="{30900FE3-C8F9-4E62-B63F-7D2782D3F2B4}" type="slidenum">
+              <a:rPr lang="ru-RU" smtClean="0"/>
+              <a:t>7</a:t>
+            </a:fld>
+            <a:endParaRPr lang="ru-RU"/>
+          </a:p>
+        </p:txBody>
+      </p:sp>
+    </p:spTree>
+  </p:cSld>
+  <p:clrMapOvr>
+    <a:masterClrMapping/>
+  </p:clrMapOvr>
+</p:notes>
+</file>
+
+<file path=ppt/notesSlides/notesSlide8.xml><?xml version="1.0" encoding="utf-8"?>
+<p:notes xmlns:a="http://schemas.openxmlformats.org/drawingml/2006/main" xmlns:r="http://schemas.openxmlformats.org/officeDocument/2006/relationships" xmlns:p="http://schemas.openxmlformats.org/presentationml/2006/main">
+  <p:cSld>
+    <p:spTree>
+      <p:nvGrpSpPr>
+        <p:cNvPr id="1" name=""/>
+        <p:cNvGrpSpPr/>
+        <p:nvPr/>
+      </p:nvGrpSpPr>
+      <p:grpSpPr>
+        <a:xfrm>
+          <a:off x="0" y="0"/>
+          <a:ext cx="0" cy="0"/>
+          <a:chOff x="0" y="0"/>
+          <a:chExt cx="0" cy="0"/>
+        </a:xfrm>
+      </p:grpSpPr>
+      <p:sp>
+        <p:nvSpPr>
+          <p:cNvPr id="2" name="Образ слайда 1"/>
+          <p:cNvSpPr>
+            <a:spLocks noGrp="1" noRot="1" noChangeAspect="1"/>
+          </p:cNvSpPr>
+          <p:nvPr>
+            <p:ph type="sldImg"/>
+          </p:nvPr>
+        </p:nvSpPr>
+        <p:spPr/>
+      </p:sp>
+      <p:sp>
+        <p:nvSpPr>
+          <p:cNvPr id="3" name="Заметки 2"/>
+          <p:cNvSpPr>
+            <a:spLocks noGrp="1"/>
+          </p:cNvSpPr>
+          <p:nvPr>
+            <p:ph type="body" idx="1"/>
+          </p:nvPr>
+        </p:nvSpPr>
+        <p:spPr/>
+        <p:txBody>
+          <a:bodyPr>
+            <a:normAutofit/>
+          </a:bodyPr>
+          <a:lstStyle/>
+          <a:p>
+            <a:endParaRPr lang="ru-RU"/>
+          </a:p>
+        </p:txBody>
+      </p:sp>
+      <p:sp>
+        <p:nvSpPr>
+          <p:cNvPr id="4" name="Номер слайда 3"/>
+          <p:cNvSpPr>
+            <a:spLocks noGrp="1"/>
+          </p:cNvSpPr>
+          <p:nvPr>
+            <p:ph type="sldNum" sz="quarter" idx="10"/>
+          </p:nvPr>
+        </p:nvSpPr>
+        <p:spPr/>
+        <p:txBody>
+          <a:bodyPr/>
+          <a:lstStyle/>
+          <a:p>
+            <a:fld id="{30900FE3-C8F9-4E62-B63F-7D2782D3F2B4}" type="slidenum">
+              <a:rPr lang="ru-RU" smtClean="0"/>
+              <a:t>8</a:t>
+            </a:fld>
+            <a:endParaRPr lang="ru-RU"/>
+          </a:p>
+        </p:txBody>
+      </p:sp>
+    </p:spTree>
+  </p:cSld>
+  <p:clrMapOvr>
+    <a:masterClrMapping/>
+  </p:clrMapOvr>
+</p:notes>
+</file>
+
+<file path=ppt/notesSlides/notesSlide9.xml><?xml version="1.0" encoding="utf-8"?>
+<p:notes xmlns:a="http://schemas.openxmlformats.org/drawingml/2006/main" xmlns:r="http://schemas.openxmlformats.org/officeDocument/2006/relationships" xmlns:p="http://schemas.openxmlformats.org/presentationml/2006/main">
+  <p:cSld>
+    <p:spTree>
+      <p:nvGrpSpPr>
+        <p:cNvPr id="1" name=""/>
+        <p:cNvGrpSpPr/>
+        <p:nvPr/>
+      </p:nvGrpSpPr>
+      <p:grpSpPr>
+        <a:xfrm>
+          <a:off x="0" y="0"/>
+          <a:ext cx="0" cy="0"/>
+          <a:chOff x="0" y="0"/>
+          <a:chExt cx="0" cy="0"/>
+        </a:xfrm>
+      </p:grpSpPr>
+      <p:sp>
+        <p:nvSpPr>
+          <p:cNvPr id="2" name="Образ слайда 1"/>
+          <p:cNvSpPr>
+            <a:spLocks noGrp="1" noRot="1" noChangeAspect="1"/>
+          </p:cNvSpPr>
+          <p:nvPr>
+            <p:ph type="sldImg"/>
+          </p:nvPr>
+        </p:nvSpPr>
+        <p:spPr/>
+      </p:sp>
+      <p:sp>
+        <p:nvSpPr>
+          <p:cNvPr id="3" name="Заметки 2"/>
+          <p:cNvSpPr>
+            <a:spLocks noGrp="1"/>
+          </p:cNvSpPr>
+          <p:nvPr>
+            <p:ph type="body" idx="1"/>
+          </p:nvPr>
+        </p:nvSpPr>
+        <p:spPr/>
+        <p:txBody>
+          <a:bodyPr>
+            <a:normAutofit/>
+          </a:bodyPr>
+          <a:lstStyle/>
+          <a:p>
+            <a:endParaRPr lang="ru-RU"/>
+          </a:p>
+        </p:txBody>
+      </p:sp>
+      <p:sp>
+        <p:nvSpPr>
+          <p:cNvPr id="4" name="Номер слайда 3"/>
+          <p:cNvSpPr>
+            <a:spLocks noGrp="1"/>
+          </p:cNvSpPr>
+          <p:nvPr>
+            <p:ph type="sldNum" sz="quarter" idx="10"/>
+          </p:nvPr>
+        </p:nvSpPr>
+        <p:spPr/>
+        <p:txBody>
+          <a:bodyPr/>
+          <a:lstStyle/>
+          <a:p>
+            <a:fld id="{30900FE3-C8F9-4E62-B63F-7D2782D3F2B4}" type="slidenum">
+              <a:rPr lang="ru-RU" smtClean="0"/>
+              <a:t>9</a:t>
+            </a:fld>
+            <a:endParaRPr lang="ru-RU"/>
+          </a:p>
+        </p:txBody>
+      </p:sp>
+    </p:spTree>
+  </p:cSld>
+  <p:clrMapOvr>
+    <a:masterClrMapping/>
+  </p:clrMapOvr>
+</p:notes>
+</file>
+
 <file path=ppt/slideLayouts/slideLayout1.xml><?xml version="1.0" encoding="utf-8"?>
 <p:sldLayout xmlns:a="http://schemas.openxmlformats.org/drawingml/2006/main" xmlns:r="http://schemas.openxmlformats.org/officeDocument/2006/relationships" xmlns:p="http://schemas.openxmlformats.org/presentationml/2006/main" showMasterSp="0" type="title" preserve="1">
   <p:cSld name="Title Slide">
@@ -259,7 +1824,7 @@
             <a:fld id="{0C35B86D-3FAF-4029-966F-3C83973A04B7}" type="datetimeFigureOut">
               <a:rPr lang="en-US" smtClean="0"/>
               <a:pPr/>
-              <a:t>2/15/2013</a:t>
+              <a:t>2/20/2013</a:t>
             </a:fld>
             <a:endParaRPr lang="en-US"/>
           </a:p>
@@ -1130,7 +2695,7 @@
             <a:fld id="{0C35B86D-3FAF-4029-966F-3C83973A04B7}" type="datetimeFigureOut">
               <a:rPr lang="en-US" smtClean="0"/>
               <a:pPr/>
-              <a:t>2/15/2013</a:t>
+              <a:t>2/20/2013</a:t>
             </a:fld>
             <a:endParaRPr lang="en-US"/>
           </a:p>
@@ -1307,7 +2872,7 @@
             <a:fld id="{0C35B86D-3FAF-4029-966F-3C83973A04B7}" type="datetimeFigureOut">
               <a:rPr lang="en-US" smtClean="0"/>
               <a:pPr/>
-              <a:t>2/15/2013</a:t>
+              <a:t>2/20/2013</a:t>
             </a:fld>
             <a:endParaRPr lang="en-US"/>
           </a:p>
@@ -1479,7 +3044,7 @@
             <a:fld id="{0C35B86D-3FAF-4029-966F-3C83973A04B7}" type="datetimeFigureOut">
               <a:rPr lang="en-US" smtClean="0"/>
               <a:pPr/>
-              <a:t>2/15/2013</a:t>
+              <a:t>2/20/2013</a:t>
             </a:fld>
             <a:endParaRPr lang="en-US"/>
           </a:p>
@@ -1691,7 +3256,7 @@
             <a:fld id="{0C35B86D-3FAF-4029-966F-3C83973A04B7}" type="datetimeFigureOut">
               <a:rPr lang="en-US" smtClean="0"/>
               <a:pPr/>
-              <a:t>2/15/2013</a:t>
+              <a:t>2/20/2013</a:t>
             </a:fld>
             <a:endParaRPr lang="en-US"/>
           </a:p>
@@ -2507,7 +4072,7 @@
             <a:fld id="{0C35B86D-3FAF-4029-966F-3C83973A04B7}" type="datetimeFigureOut">
               <a:rPr lang="en-US" smtClean="0"/>
               <a:pPr/>
-              <a:t>2/15/2013</a:t>
+              <a:t>2/20/2013</a:t>
             </a:fld>
             <a:endParaRPr lang="en-US"/>
           </a:p>
@@ -2745,7 +4310,7 @@
             <a:fld id="{0C35B86D-3FAF-4029-966F-3C83973A04B7}" type="datetimeFigureOut">
               <a:rPr lang="en-US" smtClean="0"/>
               <a:pPr/>
-              <a:t>2/15/2013</a:t>
+              <a:t>2/20/2013</a:t>
             </a:fld>
             <a:endParaRPr lang="en-US"/>
           </a:p>
@@ -3070,7 +4635,7 @@
             <a:fld id="{0C35B86D-3FAF-4029-966F-3C83973A04B7}" type="datetimeFigureOut">
               <a:rPr lang="en-US" smtClean="0"/>
               <a:pPr/>
-              <a:t>2/15/2013</a:t>
+              <a:t>2/20/2013</a:t>
             </a:fld>
             <a:endParaRPr lang="en-US"/>
           </a:p>
@@ -3162,7 +4727,7 @@
             <a:fld id="{0C35B86D-3FAF-4029-966F-3C83973A04B7}" type="datetimeFigureOut">
               <a:rPr lang="en-US" smtClean="0"/>
               <a:pPr/>
-              <a:t>2/15/2013</a:t>
+              <a:t>2/20/2013</a:t>
             </a:fld>
             <a:endParaRPr lang="en-US"/>
           </a:p>
@@ -3681,7 +5246,7 @@
             <a:fld id="{0C35B86D-3FAF-4029-966F-3C83973A04B7}" type="datetimeFigureOut">
               <a:rPr lang="en-US" smtClean="0"/>
               <a:pPr/>
-              <a:t>2/15/2013</a:t>
+              <a:t>2/20/2013</a:t>
             </a:fld>
             <a:endParaRPr lang="en-US"/>
           </a:p>
@@ -4194,7 +5759,7 @@
             <a:fld id="{0C35B86D-3FAF-4029-966F-3C83973A04B7}" type="datetimeFigureOut">
               <a:rPr lang="en-US" smtClean="0"/>
               <a:pPr/>
-              <a:t>2/15/2013</a:t>
+              <a:t>2/20/2013</a:t>
             </a:fld>
             <a:endParaRPr lang="en-US"/>
           </a:p>
@@ -4441,7 +6006,7 @@
             <a:fld id="{0C35B86D-3FAF-4029-966F-3C83973A04B7}" type="datetimeFigureOut">
               <a:rPr lang="en-US" smtClean="0"/>
               <a:pPr/>
-              <a:t>2/15/2013</a:t>
+              <a:t>2/20/2013</a:t>
             </a:fld>
             <a:endParaRPr lang="en-US"/>
           </a:p>
@@ -5065,7 +6630,7 @@
         </p:spPr>
         <p:txBody>
           <a:bodyPr>
-            <a:normAutofit fontScale="90000"/>
+            <a:normAutofit/>
           </a:bodyPr>
           <a:lstStyle/>
           <a:p>
@@ -5138,23 +6703,15 @@
         <p:spPr/>
         <p:txBody>
           <a:bodyPr>
-            <a:normAutofit fontScale="90000"/>
+            <a:normAutofit/>
           </a:bodyPr>
           <a:lstStyle/>
           <a:p>
             <a:r>
-              <a:rPr lang="bg-BG" dirty="0" smtClean="0"/>
-              <a:t>Гл. 2. </a:t>
-            </a:r>
-            <a:r>
-              <a:rPr lang="bg-BG" dirty="0" smtClean="0"/>
-              <a:t>Методологична рамка за използване на разработените модели</a:t>
-            </a:r>
-            <a:r>
-              <a:rPr lang="bg-BG" dirty="0" smtClean="0"/>
-              <a:t>.</a:t>
-            </a:r>
-            <a:endParaRPr lang="bg-BG" dirty="0"/>
+              <a:rPr lang="bg-BG" b="1" dirty="0" smtClean="0"/>
+              <a:t>Гл. 2. Методологична рамка за използване на разработените модели.</a:t>
+            </a:r>
+            <a:endParaRPr lang="bg-BG" b="1" dirty="0"/>
           </a:p>
         </p:txBody>
       </p:sp>
@@ -5221,7 +6778,11 @@
           <a:p>
             <a:r>
               <a:rPr lang="bg-BG" b="1" dirty="0" smtClean="0"/>
-              <a:t>Трета глава – Изследване на приложимостта на моделите</a:t>
+              <a:t>Гл. 3.  </a:t>
+            </a:r>
+            <a:r>
+              <a:rPr lang="bg-BG" b="1" dirty="0" smtClean="0"/>
+              <a:t>Изследване на приложимостта на моделите</a:t>
             </a:r>
             <a:endParaRPr lang="en-US" b="1" dirty="0"/>
           </a:p>
@@ -5264,11 +6825,7 @@
           <a:p>
             <a:r>
               <a:rPr lang="ru-RU" dirty="0" smtClean="0"/>
-              <a:t>Сравнителен анализ на предимствата на моделите </a:t>
-            </a:r>
-            <a:r>
-              <a:rPr lang="ru-RU" dirty="0" smtClean="0"/>
-              <a:t>– експериментално-теоретично </a:t>
+              <a:t>Сравнителен анализ на предимствата на моделите – експериментално-теоретично </a:t>
             </a:r>
             <a:r>
               <a:rPr lang="bg-BG" dirty="0" smtClean="0"/>
@@ -5349,7 +6906,7 @@
         <p:spPr/>
         <p:txBody>
           <a:bodyPr>
-            <a:normAutofit lnSpcReduction="10000"/>
+            <a:normAutofit/>
           </a:bodyPr>
           <a:lstStyle/>
           <a:p>
@@ -5628,7 +7185,7 @@
         <p:spPr/>
         <p:txBody>
           <a:bodyPr>
-            <a:normAutofit fontScale="70000" lnSpcReduction="20000"/>
+            <a:normAutofit fontScale="77500" lnSpcReduction="20000"/>
           </a:bodyPr>
           <a:lstStyle/>
           <a:p>
@@ -5963,17 +7520,8 @@
             </a:pPr>
             <a:r>
               <a:rPr lang="bg-BG" dirty="0" smtClean="0"/>
-              <a:t>Създаване на </a:t>
-            </a:r>
-            <a:r>
-              <a:rPr lang="bg-BG" dirty="0" smtClean="0"/>
-              <a:t>модел на версионизиран обект, осигуряващ максимална гъвкавост при определяне степента на гранулираност на </a:t>
-            </a:r>
-            <a:r>
-              <a:rPr lang="bg-BG" dirty="0" smtClean="0"/>
-              <a:t>данните. </a:t>
-            </a:r>
-            <a:endParaRPr lang="bg-BG" dirty="0" smtClean="0"/>
+              <a:t>Създаване на модел на версионизиран обект, осигуряващ максимална гъвкавост при определяне степента на гранулираност на данните. </a:t>
+            </a:r>
           </a:p>
           <a:p>
             <a:pPr marL="822960" lvl="1" indent="-457200" algn="just">
@@ -5982,27 +7530,7 @@
             </a:pPr>
             <a:r>
               <a:rPr lang="bg-BG" dirty="0" smtClean="0"/>
-              <a:t>Създаване на </a:t>
-            </a:r>
-            <a:r>
-              <a:rPr lang="bg-BG" dirty="0" smtClean="0"/>
-              <a:t>модел на среда с йерархично композирани работни </a:t>
-            </a:r>
-            <a:r>
-              <a:rPr lang="bg-BG" dirty="0" smtClean="0"/>
-              <a:t>пространства. Определне </a:t>
-            </a:r>
-            <a:r>
-              <a:rPr lang="bg-BG" dirty="0" smtClean="0"/>
-              <a:t>правилата за управление на </a:t>
-            </a:r>
-            <a:r>
-              <a:rPr lang="bg-BG" dirty="0" smtClean="0"/>
-              <a:t>ВО</a:t>
-            </a:r>
-            <a:r>
-              <a:rPr lang="bg-BG" dirty="0" smtClean="0"/>
-              <a:t>.</a:t>
+              <a:t>Създаване на модел на среда с йерархично композирани работни пространства. Определне правилата за управление на ВО.</a:t>
             </a:r>
           </a:p>
           <a:p>
@@ -6105,11 +7633,7 @@
             </a:pPr>
             <a:r>
               <a:rPr lang="bg-BG" dirty="0" smtClean="0"/>
-              <a:t>Определяне </a:t>
-            </a:r>
-            <a:r>
-              <a:rPr lang="bg-BG" dirty="0" smtClean="0"/>
-              <a:t>терминологията в областта на версионизирането с използването на йерархично композирани работни пространства.</a:t>
+              <a:t>Определяне терминологията в областта на версионизирането с използването на йерархично композирани работни пространства.</a:t>
             </a:r>
           </a:p>
           <a:p>
@@ -6119,11 +7643,7 @@
             </a:pPr>
             <a:r>
               <a:rPr lang="bg-BG" dirty="0" smtClean="0"/>
-              <a:t>Създаване </a:t>
-            </a:r>
-            <a:r>
-              <a:rPr lang="bg-BG" dirty="0" smtClean="0"/>
-              <a:t>методологична рамка за създаване на софтуерни продукти в среда с йерархично композирани работни пространства.</a:t>
+              <a:t>Създаване методологична рамка за създаване на софтуерни продукти в среда с йерархично композирани работни пространства.</a:t>
             </a:r>
           </a:p>
           <a:p>
@@ -6133,11 +7653,7 @@
             </a:pPr>
             <a:r>
               <a:rPr lang="bg-BG" dirty="0" smtClean="0"/>
-              <a:t>Увеличаване </a:t>
-            </a:r>
-            <a:r>
-              <a:rPr lang="bg-BG" dirty="0" smtClean="0"/>
-              <a:t>степента на автоматизация на дейностите при създаване на софтуерни продукти, в следствие на използване на разработените модели.</a:t>
+              <a:t>Увеличаване степента на автоматизация на дейностите при създаване на софтуерни продукти, в следствие на използване на разработените модели.</a:t>
             </a:r>
             <a:endParaRPr lang="en-US" dirty="0" smtClean="0"/>
           </a:p>
@@ -6192,14 +7708,23 @@
             <p:ph type="title"/>
           </p:nvPr>
         </p:nvSpPr>
-        <p:spPr/>
+        <p:spPr>
+          <a:xfrm>
+            <a:off x="457200" y="274638"/>
+            <a:ext cx="7467600" cy="639762"/>
+          </a:xfrm>
+        </p:spPr>
         <p:txBody>
           <a:bodyPr/>
           <a:lstStyle/>
           <a:p>
             <a:r>
               <a:rPr lang="bg-BG" b="1" dirty="0" smtClean="0"/>
-              <a:t>Структура на дисертацията</a:t>
+              <a:t>Структура </a:t>
+            </a:r>
+            <a:r>
+              <a:rPr lang="bg-BG" b="1" dirty="0" smtClean="0"/>
+              <a:t>на дисертацията</a:t>
             </a:r>
             <a:endParaRPr lang="en-US" b="1" dirty="0"/>
           </a:p>
@@ -6215,10 +7740,15 @@
             <p:ph sz="quarter" idx="1"/>
           </p:nvPr>
         </p:nvSpPr>
-        <p:spPr/>
+        <p:spPr>
+          <a:xfrm>
+            <a:off x="457200" y="1066800"/>
+            <a:ext cx="7467600" cy="5407152"/>
+          </a:xfrm>
+        </p:spPr>
         <p:txBody>
           <a:bodyPr>
-            <a:normAutofit fontScale="92500"/>
+            <a:normAutofit lnSpcReduction="10000"/>
           </a:bodyPr>
           <a:lstStyle/>
           <a:p>
@@ -6257,11 +7787,7 @@
           <a:p>
             <a:r>
               <a:rPr lang="bg-BG" dirty="0" smtClean="0"/>
-              <a:t>Приложение 1 – Описание на модела на </a:t>
-            </a:r>
-            <a:r>
-              <a:rPr lang="bg-BG" dirty="0" smtClean="0"/>
-              <a:t>данните</a:t>
+              <a:t>Приложение 1 – Описание на модела на данните</a:t>
             </a:r>
           </a:p>
           <a:p>
@@ -6274,15 +7800,7 @@
           <a:p>
             <a:r>
               <a:rPr lang="bg-BG" dirty="0" smtClean="0"/>
-              <a:t>Приложение </a:t>
-            </a:r>
-            <a:r>
-              <a:rPr lang="bg-BG" dirty="0" smtClean="0"/>
-              <a:t>3 </a:t>
-            </a:r>
-            <a:r>
-              <a:rPr lang="bg-BG" dirty="0" smtClean="0"/>
-              <a:t>– Прототип на система (на </a:t>
+              <a:t>Приложение 3 – Прототип на система (на </a:t>
             </a:r>
             <a:r>
               <a:rPr lang="en-US" dirty="0" smtClean="0"/>
@@ -6345,11 +7863,7 @@
           <a:p>
             <a:r>
               <a:rPr lang="bg-BG" sz="3600" b="1" dirty="0" smtClean="0"/>
-              <a:t>Първа глава – Управление на версията при създаването на софтуерни </a:t>
-            </a:r>
-            <a:r>
-              <a:rPr lang="bg-BG" sz="3600" b="1" dirty="0" smtClean="0"/>
-              <a:t>системи</a:t>
+              <a:t>Първа глава – Управление на версията при създаването на софтуерни системи</a:t>
             </a:r>
             <a:endParaRPr lang="en-US" sz="3600" b="1" dirty="0"/>
           </a:p>
@@ -6373,7 +7887,7 @@
         </p:spPr>
         <p:txBody>
           <a:bodyPr>
-            <a:normAutofit lnSpcReduction="10000"/>
+            <a:normAutofit/>
           </a:bodyPr>
           <a:lstStyle/>
           <a:p>
@@ -6397,7 +7911,6 @@
               <a:rPr lang="ru-RU" dirty="0" smtClean="0"/>
               <a:t>.</a:t>
             </a:r>
-            <a:endParaRPr lang="ru-RU" dirty="0" smtClean="0"/>
           </a:p>
           <a:p>
             <a:pPr marL="514350" indent="-514350" algn="just">
@@ -6406,13 +7919,8 @@
             </a:pPr>
             <a:r>
               <a:rPr lang="ru-RU" dirty="0" smtClean="0"/>
-              <a:t>Добро ниво на съществуващите подходи </a:t>
-            </a:r>
-            <a:r>
-              <a:rPr lang="ru-RU" dirty="0" smtClean="0"/>
-              <a:t>за съхраняване на ВО. </a:t>
-            </a:r>
-            <a:endParaRPr lang="ru-RU" dirty="0" smtClean="0"/>
+              <a:t>Добро ниво на съществуващите подходи за съхраняване на ВО. </a:t>
+            </a:r>
           </a:p>
           <a:p>
             <a:pPr marL="514350" indent="-514350" algn="just">
@@ -6421,23 +7929,7 @@
             </a:pPr>
             <a:r>
               <a:rPr lang="ru-RU" dirty="0" smtClean="0"/>
-              <a:t>Необходимост </a:t>
-            </a:r>
-            <a:r>
-              <a:rPr lang="ru-RU" dirty="0" smtClean="0"/>
-              <a:t>от изследване на йерархично композираните работни </a:t>
-            </a:r>
-            <a:r>
-              <a:rPr lang="ru-RU" dirty="0" smtClean="0"/>
-              <a:t>пространстваза </a:t>
-            </a:r>
-            <a:r>
-              <a:rPr lang="ru-RU" dirty="0" smtClean="0"/>
-              <a:t>осигуряване на съвместна и автономна </a:t>
-            </a:r>
-            <a:r>
-              <a:rPr lang="ru-RU" dirty="0" smtClean="0"/>
-              <a:t>работа</a:t>
+              <a:t>Необходимост от изследване на йерархично композираните работни пространстваза осигуряване на съвместна и автономна работа</a:t>
             </a:r>
           </a:p>
           <a:p>
@@ -6447,19 +7939,7 @@
             </a:pPr>
             <a:r>
               <a:rPr lang="ru-RU" dirty="0" smtClean="0"/>
-              <a:t>Методи </a:t>
-            </a:r>
-            <a:r>
-              <a:rPr lang="ru-RU" dirty="0" smtClean="0"/>
-              <a:t>за проследимост на промените. </a:t>
-            </a:r>
-            <a:r>
-              <a:rPr lang="ru-RU" dirty="0" smtClean="0"/>
-              <a:t>Липсата </a:t>
-            </a:r>
-            <a:r>
-              <a:rPr lang="ru-RU" dirty="0" smtClean="0"/>
-              <a:t>на инструменти, предоставящи адекватно ниво за създаване и управление на връзки на проследимост.</a:t>
+              <a:t>Методи за проследимост на промените. Липсата на инструменти, предоставящи адекватно ниво за създаване и управление на връзки на проследимост.</a:t>
             </a:r>
             <a:endParaRPr lang="en-US" dirty="0" smtClean="0"/>
           </a:p>
@@ -6520,20 +8000,16 @@
           <a:lstStyle/>
           <a:p>
             <a:r>
-              <a:rPr lang="bg-BG" dirty="0" smtClean="0"/>
+              <a:rPr lang="bg-BG" b="1" dirty="0" smtClean="0"/>
               <a:t>Гл.2. </a:t>
             </a:r>
             <a:r>
-              <a:rPr lang="en-US" dirty="0" smtClean="0"/>
+              <a:rPr lang="en-US" b="1" dirty="0" smtClean="0"/>
               <a:t>ER </a:t>
             </a:r>
             <a:r>
-              <a:rPr lang="bg-BG" dirty="0" smtClean="0"/>
-              <a:t>модел на </a:t>
-            </a:r>
-            <a:r>
-              <a:rPr lang="bg-BG" dirty="0" smtClean="0"/>
-              <a:t>версионизиран обект</a:t>
+              <a:rPr lang="bg-BG" b="1" dirty="0" smtClean="0"/>
+              <a:t>модел на версионизиран обект</a:t>
             </a:r>
             <a:endParaRPr lang="en-US" b="1" dirty="0"/>
           </a:p>
@@ -6548,7 +8024,7 @@
           <p:nvPr/>
         </p:nvPicPr>
         <p:blipFill>
-          <a:blip r:embed="rId2" cstate="print"/>
+          <a:blip r:embed="rId3" cstate="print"/>
           <a:srcRect/>
           <a:stretch>
             <a:fillRect/>
@@ -6599,7 +8075,7 @@
           <p:nvPr/>
         </p:nvPicPr>
         <p:blipFill>
-          <a:blip r:embed="rId3" cstate="print">
+          <a:blip r:embed="rId4" cstate="print">
             <a:grayscl/>
           </a:blip>
           <a:srcRect/>
@@ -6652,7 +8128,7 @@
           <p:nvPr/>
         </p:nvPicPr>
         <p:blipFill>
-          <a:blip r:embed="rId4" cstate="print"/>
+          <a:blip r:embed="rId5" cstate="print"/>
           <a:srcRect/>
           <a:stretch>
             <a:fillRect/>
@@ -6727,26 +8203,14 @@
           <a:lstStyle/>
           <a:p>
             <a:r>
-              <a:rPr lang="bg-BG" sz="3200" dirty="0" smtClean="0"/>
-              <a:t>Гл.2. Йерархично </a:t>
-            </a:r>
-            <a:r>
-              <a:rPr lang="bg-BG" sz="3200" dirty="0" smtClean="0"/>
-              <a:t>композирани работни </a:t>
-            </a:r>
-            <a:r>
-              <a:rPr lang="bg-BG" sz="3200" dirty="0" smtClean="0"/>
-              <a:t>пространства (ЙКРП)</a:t>
-            </a:r>
-            <a:r>
-              <a:rPr lang="bg-BG" sz="3600" dirty="0" smtClean="0"/>
-              <a:t>, </a:t>
-            </a:r>
-            <a:r>
-              <a:rPr lang="bg-BG" sz="3600" dirty="0" smtClean="0"/>
-              <a:t>модел на видимост на ВО</a:t>
-            </a:r>
-            <a:endParaRPr lang="en-US" sz="3600" dirty="0"/>
+              <a:rPr lang="bg-BG" sz="3200" b="1" dirty="0" smtClean="0"/>
+              <a:t>Гл.2. Йерархично композирани работни пространства (ЙКРП)</a:t>
+            </a:r>
+            <a:r>
+              <a:rPr lang="bg-BG" sz="3600" b="1" dirty="0" smtClean="0"/>
+              <a:t>, модел на видимост на ВО</a:t>
+            </a:r>
+            <a:endParaRPr lang="en-US" sz="3600" b="1" dirty="0"/>
           </a:p>
         </p:txBody>
       </p:sp>
@@ -6797,7 +8261,7 @@
           </p:nvPr>
         </p:nvPicPr>
         <p:blipFill>
-          <a:blip r:embed="rId2" cstate="print"/>
+          <a:blip r:embed="rId3" cstate="print"/>
           <a:srcRect/>
           <a:stretch>
             <a:fillRect/>
@@ -6867,14 +8331,10 @@
           <a:lstStyle/>
           <a:p>
             <a:r>
-              <a:rPr lang="bg-BG" dirty="0" smtClean="0"/>
-              <a:t>Гл. 2. Транзакции </a:t>
-            </a:r>
-            <a:r>
-              <a:rPr lang="bg-BG" dirty="0" smtClean="0"/>
-              <a:t>над ВО в среда с ЙКРП. Жизнен цикъл на ВО</a:t>
-            </a:r>
-            <a:endParaRPr lang="en-US" dirty="0"/>
+              <a:rPr lang="bg-BG" b="1" dirty="0" smtClean="0"/>
+              <a:t>Гл. 2. Транзакции над ВО в среда с ЙКРП. Жизнен цикъл на ВО</a:t>
+            </a:r>
+            <a:endParaRPr lang="en-US" b="1" dirty="0"/>
           </a:p>
         </p:txBody>
       </p:sp>
@@ -6938,7 +8398,7 @@
           <p:nvPr/>
         </p:nvPicPr>
         <p:blipFill>
-          <a:blip r:embed="rId2" cstate="print"/>
+          <a:blip r:embed="rId3" cstate="print"/>
           <a:srcRect/>
           <a:stretch>
             <a:fillRect/>
@@ -7008,14 +8468,10 @@
           <a:lstStyle/>
           <a:p>
             <a:r>
-              <a:rPr lang="ru-RU" dirty="0" smtClean="0"/>
-              <a:t>Гл. 2. Проследимост </a:t>
-            </a:r>
-            <a:r>
-              <a:rPr lang="ru-RU" dirty="0" smtClean="0"/>
-              <a:t>на промените в среда с ЙКРП. Модел на работни единици</a:t>
-            </a:r>
-            <a:endParaRPr lang="en-US" dirty="0"/>
+              <a:rPr lang="ru-RU" b="1" dirty="0" smtClean="0"/>
+              <a:t>Гл. 2. Проследимост на промените в среда с ЙКРП. Модел на работни единици</a:t>
+            </a:r>
+            <a:endParaRPr lang="en-US" b="1" dirty="0"/>
           </a:p>
         </p:txBody>
       </p:sp>
@@ -7036,12 +8492,26 @@
           </a:bodyPr>
           <a:lstStyle/>
           <a:p>
+            <a:pPr algn="just"/>
             <a:r>
               <a:rPr lang="bg-BG" dirty="0" smtClean="0"/>
-              <a:t>Работна единица е работата, която следва да се извърши.</a:t>
-            </a:r>
-          </a:p>
-          <a:p>
+              <a:t>Работна единица </a:t>
+            </a:r>
+            <a:r>
+              <a:rPr lang="bg-BG" dirty="0" smtClean="0"/>
+              <a:t>с</a:t>
+            </a:r>
+            <a:r>
+              <a:rPr lang="bg-BG" dirty="0" smtClean="0"/>
+              <a:t>е нарича съвкупността от дейности, която следва </a:t>
+            </a:r>
+            <a:r>
+              <a:rPr lang="bg-BG" dirty="0" smtClean="0"/>
+              <a:t>да се извърши.</a:t>
+            </a:r>
+          </a:p>
+          <a:p>
+            <a:pPr algn="just"/>
             <a:r>
               <a:rPr lang="bg-BG" dirty="0" smtClean="0"/>
               <a:t>Етапи на метод на проследимост, базиран на събития</a:t>
@@ -7056,7 +8526,15 @@
             <a:pPr lvl="1"/>
             <a:r>
               <a:rPr lang="bg-BG" dirty="0" smtClean="0"/>
-              <a:t>Настройване на средата за генериране на проследяващи събития</a:t>
+              <a:t>Настройване на средата за </a:t>
+            </a:r>
+            <a:r>
+              <a:rPr lang="bg-BG" dirty="0" smtClean="0"/>
+              <a:t>генериране </a:t>
+            </a:r>
+            <a:r>
+              <a:rPr lang="bg-BG" dirty="0" smtClean="0"/>
+              <a:t>на проследяващи събития</a:t>
             </a:r>
           </a:p>
           <a:p>
@@ -7077,7 +8555,31 @@
             <a:pPr lvl="1"/>
             <a:r>
               <a:rPr lang="bg-BG" dirty="0" smtClean="0"/>
-              <a:t>Прихващане на събития за осъществена промяна над обект и създаване на проследяващи връзки	</a:t>
+              <a:t>Прихващане на събития </a:t>
+            </a:r>
+            <a:r>
+              <a:rPr lang="bg-BG" dirty="0" smtClean="0"/>
+              <a:t>за извършена </a:t>
+            </a:r>
+            <a:r>
+              <a:rPr lang="bg-BG" dirty="0" smtClean="0"/>
+              <a:t>промяна </a:t>
+            </a:r>
+            <a:r>
+              <a:rPr lang="bg-BG" dirty="0" smtClean="0"/>
+              <a:t>над обект и </a:t>
+            </a:r>
+            <a:r>
+              <a:rPr lang="bg-BG" dirty="0" smtClean="0"/>
+              <a:t>автоматично създаване </a:t>
+            </a:r>
+            <a:r>
+              <a:rPr lang="bg-BG" dirty="0" smtClean="0"/>
+              <a:t>на проследяващи </a:t>
+            </a:r>
+            <a:r>
+              <a:rPr lang="bg-BG" dirty="0" smtClean="0"/>
+              <a:t>връзка(и).</a:t>
             </a:r>
             <a:endParaRPr lang="en-US" dirty="0" smtClean="0"/>
           </a:p>
@@ -7382,4 +8884,287 @@
   <a:objectDefaults/>
   <a:extraClrSchemeLst/>
 </a:theme>
+</file>
+
+<file path=ppt/theme/theme2.xml><?xml version="1.0" encoding="utf-8"?>
+<a:theme xmlns:a="http://schemas.openxmlformats.org/drawingml/2006/main" name="Тема Office">
+  <a:themeElements>
+    <a:clrScheme name="Стандартная">
+      <a:dk1>
+        <a:sysClr val="windowText" lastClr="000000"/>
+      </a:dk1>
+      <a:lt1>
+        <a:sysClr val="window" lastClr="FFFFFF"/>
+      </a:lt1>
+      <a:dk2>
+        <a:srgbClr val="1F497D"/>
+      </a:dk2>
+      <a:lt2>
+        <a:srgbClr val="EEECE1"/>
+      </a:lt2>
+      <a:accent1>
+        <a:srgbClr val="4F81BD"/>
+      </a:accent1>
+      <a:accent2>
+        <a:srgbClr val="C0504D"/>
+      </a:accent2>
+      <a:accent3>
+        <a:srgbClr val="9BBB59"/>
+      </a:accent3>
+      <a:accent4>
+        <a:srgbClr val="8064A2"/>
+      </a:accent4>
+      <a:accent5>
+        <a:srgbClr val="4BACC6"/>
+      </a:accent5>
+      <a:accent6>
+        <a:srgbClr val="F79646"/>
+      </a:accent6>
+      <a:hlink>
+        <a:srgbClr val="0000FF"/>
+      </a:hlink>
+      <a:folHlink>
+        <a:srgbClr val="800080"/>
+      </a:folHlink>
+    </a:clrScheme>
+    <a:fontScheme name="Стандартная">
+      <a:majorFont>
+        <a:latin typeface="Calibri"/>
+        <a:ea typeface=""/>
+        <a:cs typeface=""/>
+        <a:font script="Jpan" typeface="ＭＳ Ｐゴシック"/>
+        <a:font script="Hang" typeface="맑은 고딕"/>
+        <a:font script="Hans" typeface="宋体"/>
+        <a:font script="Hant" typeface="新細明體"/>
+        <a:font script="Arab" typeface="Times New Roman"/>
+        <a:font script="Hebr" typeface="Times New Roman"/>
+        <a:font script="Thai" typeface="Angsana New"/>
+        <a:font script="Ethi" typeface="Nyala"/>
+        <a:font script="Beng" typeface="Vrinda"/>
+        <a:font script="Gujr" typeface="Shruti"/>
+        <a:font script="Khmr" typeface="MoolBoran"/>
+        <a:font script="Knda" typeface="Tunga"/>
+        <a:font script="Guru" typeface="Raavi"/>
+        <a:font script="Cans" typeface="Euphemia"/>
+        <a:font script="Cher" typeface="Plantagenet Cherokee"/>
+        <a:font script="Yiii" typeface="Microsoft Yi Baiti"/>
+        <a:font script="Tibt" typeface="Microsoft Himalaya"/>
+        <a:font script="Thaa" typeface="MV Boli"/>
+        <a:font script="Deva" typeface="Mangal"/>
+        <a:font script="Telu" typeface="Gautami"/>
+        <a:font script="Taml" typeface="Latha"/>
+        <a:font script="Syrc" typeface="Estrangelo Edessa"/>
+        <a:font script="Orya" typeface="Kalinga"/>
+        <a:font script="Mlym" typeface="Kartika"/>
+        <a:font script="Laoo" typeface="DokChampa"/>
+        <a:font script="Sinh" typeface="Iskoola Pota"/>
+        <a:font script="Mong" typeface="Mongolian Baiti"/>
+        <a:font script="Viet" typeface="Times New Roman"/>
+        <a:font script="Uigh" typeface="Microsoft Uighur"/>
+      </a:majorFont>
+      <a:minorFont>
+        <a:latin typeface="Calibri"/>
+        <a:ea typeface=""/>
+        <a:cs typeface=""/>
+        <a:font script="Jpan" typeface="ＭＳ Ｐゴシック"/>
+        <a:font script="Hang" typeface="맑은 고딕"/>
+        <a:font script="Hans" typeface="宋体"/>
+        <a:font script="Hant" typeface="新細明體"/>
+        <a:font script="Arab" typeface="Arial"/>
+        <a:font script="Hebr" typeface="Arial"/>
+        <a:font script="Thai" typeface="Cordia New"/>
+        <a:font script="Ethi" typeface="Nyala"/>
+        <a:font script="Beng" typeface="Vrinda"/>
+        <a:font script="Gujr" typeface="Shruti"/>
+        <a:font script="Khmr" typeface="DaunPenh"/>
+        <a:font script="Knda" typeface="Tunga"/>
+        <a:font script="Guru" typeface="Raavi"/>
+        <a:font script="Cans" typeface="Euphemia"/>
+        <a:font script="Cher" typeface="Plantagenet Cherokee"/>
+        <a:font script="Yiii" typeface="Microsoft Yi Baiti"/>
+        <a:font script="Tibt" typeface="Microsoft Himalaya"/>
+        <a:font script="Thaa" typeface="MV Boli"/>
+        <a:font script="Deva" typeface="Mangal"/>
+        <a:font script="Telu" typeface="Gautami"/>
+        <a:font script="Taml" typeface="Latha"/>
+        <a:font script="Syrc" typeface="Estrangelo Edessa"/>
+        <a:font script="Orya" typeface="Kalinga"/>
+        <a:font script="Mlym" typeface="Kartika"/>
+        <a:font script="Laoo" typeface="DokChampa"/>
+        <a:font script="Sinh" typeface="Iskoola Pota"/>
+        <a:font script="Mong" typeface="Mongolian Baiti"/>
+        <a:font script="Viet" typeface="Arial"/>
+        <a:font script="Uigh" typeface="Microsoft Uighur"/>
+      </a:minorFont>
+    </a:fontScheme>
+    <a:fmtScheme name="Стандартная">
+      <a:fillStyleLst>
+        <a:solidFill>
+          <a:schemeClr val="phClr"/>
+        </a:solidFill>
+        <a:gradFill rotWithShape="1">
+          <a:gsLst>
+            <a:gs pos="0">
+              <a:schemeClr val="phClr">
+                <a:tint val="50000"/>
+                <a:satMod val="300000"/>
+              </a:schemeClr>
+            </a:gs>
+            <a:gs pos="35000">
+              <a:schemeClr val="phClr">
+                <a:tint val="37000"/>
+                <a:satMod val="300000"/>
+              </a:schemeClr>
+            </a:gs>
+            <a:gs pos="100000">
+              <a:schemeClr val="phClr">
+                <a:tint val="15000"/>
+                <a:satMod val="350000"/>
+              </a:schemeClr>
+            </a:gs>
+          </a:gsLst>
+          <a:lin ang="16200000" scaled="1"/>
+        </a:gradFill>
+        <a:gradFill rotWithShape="1">
+          <a:gsLst>
+            <a:gs pos="0">
+              <a:schemeClr val="phClr">
+                <a:shade val="51000"/>
+                <a:satMod val="130000"/>
+              </a:schemeClr>
+            </a:gs>
+            <a:gs pos="80000">
+              <a:schemeClr val="phClr">
+                <a:shade val="93000"/>
+                <a:satMod val="130000"/>
+              </a:schemeClr>
+            </a:gs>
+            <a:gs pos="100000">
+              <a:schemeClr val="phClr">
+                <a:shade val="94000"/>
+                <a:satMod val="135000"/>
+              </a:schemeClr>
+            </a:gs>
+          </a:gsLst>
+          <a:lin ang="16200000" scaled="0"/>
+        </a:gradFill>
+      </a:fillStyleLst>
+      <a:lnStyleLst>
+        <a:ln w="9525" cap="flat" cmpd="sng" algn="ctr">
+          <a:solidFill>
+            <a:schemeClr val="phClr">
+              <a:shade val="95000"/>
+              <a:satMod val="105000"/>
+            </a:schemeClr>
+          </a:solidFill>
+          <a:prstDash val="solid"/>
+        </a:ln>
+        <a:ln w="25400" cap="flat" cmpd="sng" algn="ctr">
+          <a:solidFill>
+            <a:schemeClr val="phClr"/>
+          </a:solidFill>
+          <a:prstDash val="solid"/>
+        </a:ln>
+        <a:ln w="38100" cap="flat" cmpd="sng" algn="ctr">
+          <a:solidFill>
+            <a:schemeClr val="phClr"/>
+          </a:solidFill>
+          <a:prstDash val="solid"/>
+        </a:ln>
+      </a:lnStyleLst>
+      <a:effectStyleLst>
+        <a:effectStyle>
+          <a:effectLst>
+            <a:outerShdw blurRad="40000" dist="20000" dir="5400000" rotWithShape="0">
+              <a:srgbClr val="000000">
+                <a:alpha val="38000"/>
+              </a:srgbClr>
+            </a:outerShdw>
+          </a:effectLst>
+        </a:effectStyle>
+        <a:effectStyle>
+          <a:effectLst>
+            <a:outerShdw blurRad="40000" dist="23000" dir="5400000" rotWithShape="0">
+              <a:srgbClr val="000000">
+                <a:alpha val="35000"/>
+              </a:srgbClr>
+            </a:outerShdw>
+          </a:effectLst>
+        </a:effectStyle>
+        <a:effectStyle>
+          <a:effectLst>
+            <a:outerShdw blurRad="40000" dist="23000" dir="5400000" rotWithShape="0">
+              <a:srgbClr val="000000">
+                <a:alpha val="35000"/>
+              </a:srgbClr>
+            </a:outerShdw>
+          </a:effectLst>
+          <a:scene3d>
+            <a:camera prst="orthographicFront">
+              <a:rot lat="0" lon="0" rev="0"/>
+            </a:camera>
+            <a:lightRig rig="threePt" dir="t">
+              <a:rot lat="0" lon="0" rev="1200000"/>
+            </a:lightRig>
+          </a:scene3d>
+          <a:sp3d>
+            <a:bevelT w="63500" h="25400"/>
+          </a:sp3d>
+        </a:effectStyle>
+      </a:effectStyleLst>
+      <a:bgFillStyleLst>
+        <a:solidFill>
+          <a:schemeClr val="phClr"/>
+        </a:solidFill>
+        <a:gradFill rotWithShape="1">
+          <a:gsLst>
+            <a:gs pos="0">
+              <a:schemeClr val="phClr">
+                <a:tint val="40000"/>
+                <a:satMod val="350000"/>
+              </a:schemeClr>
+            </a:gs>
+            <a:gs pos="40000">
+              <a:schemeClr val="phClr">
+                <a:tint val="45000"/>
+                <a:shade val="99000"/>
+                <a:satMod val="350000"/>
+              </a:schemeClr>
+            </a:gs>
+            <a:gs pos="100000">
+              <a:schemeClr val="phClr">
+                <a:shade val="20000"/>
+                <a:satMod val="255000"/>
+              </a:schemeClr>
+            </a:gs>
+          </a:gsLst>
+          <a:path path="circle">
+            <a:fillToRect l="50000" t="-80000" r="50000" b="180000"/>
+          </a:path>
+        </a:gradFill>
+        <a:gradFill rotWithShape="1">
+          <a:gsLst>
+            <a:gs pos="0">
+              <a:schemeClr val="phClr">
+                <a:tint val="80000"/>
+                <a:satMod val="300000"/>
+              </a:schemeClr>
+            </a:gs>
+            <a:gs pos="100000">
+              <a:schemeClr val="phClr">
+                <a:shade val="30000"/>
+                <a:satMod val="200000"/>
+              </a:schemeClr>
+            </a:gs>
+          </a:gsLst>
+          <a:path path="circle">
+            <a:fillToRect l="50000" t="50000" r="50000" b="50000"/>
+          </a:path>
+        </a:gradFill>
+      </a:bgFillStyleLst>
+    </a:fmtScheme>
+  </a:themeElements>
+  <a:objectDefaults/>
+  <a:extraClrSchemeLst/>
+</a:theme>
 </file>
--- a/trunk/doc/Presentation.pptx
+++ b/trunk/doc/Presentation.pptx
@@ -206,7 +206,8 @@
           <a:p>
             <a:fld id="{28817342-5093-4AF1-A95F-D4765AC6F186}" type="datetimeFigureOut">
               <a:rPr lang="ru-RU" smtClean="0"/>
-              <a:t>20.02.2013</a:t>
+              <a:pPr/>
+              <a:t>02.03.2013</a:t>
             </a:fld>
             <a:endParaRPr lang="ru-RU"/>
           </a:p>
@@ -367,6 +368,7 @@
           <a:p>
             <a:fld id="{30900FE3-C8F9-4E62-B63F-7D2782D3F2B4}" type="slidenum">
               <a:rPr lang="ru-RU" smtClean="0"/>
+              <a:pPr/>
               <a:t>‹#›</a:t>
             </a:fld>
             <a:endParaRPr lang="ru-RU"/>
@@ -538,6 +540,7 @@
           <a:p>
             <a:fld id="{30900FE3-C8F9-4E62-B63F-7D2782D3F2B4}" type="slidenum">
               <a:rPr lang="ru-RU" smtClean="0"/>
+              <a:pPr/>
               <a:t>1</a:t>
             </a:fld>
             <a:endParaRPr lang="ru-RU"/>
@@ -619,6 +622,7 @@
           <a:p>
             <a:fld id="{30900FE3-C8F9-4E62-B63F-7D2782D3F2B4}" type="slidenum">
               <a:rPr lang="ru-RU" smtClean="0"/>
+              <a:pPr/>
               <a:t>10</a:t>
             </a:fld>
             <a:endParaRPr lang="ru-RU"/>
@@ -700,6 +704,7 @@
           <a:p>
             <a:fld id="{30900FE3-C8F9-4E62-B63F-7D2782D3F2B4}" type="slidenum">
               <a:rPr lang="ru-RU" smtClean="0"/>
+              <a:pPr/>
               <a:t>11</a:t>
             </a:fld>
             <a:endParaRPr lang="ru-RU"/>
@@ -781,6 +786,7 @@
           <a:p>
             <a:fld id="{30900FE3-C8F9-4E62-B63F-7D2782D3F2B4}" type="slidenum">
               <a:rPr lang="ru-RU" smtClean="0"/>
+              <a:pPr/>
               <a:t>12</a:t>
             </a:fld>
             <a:endParaRPr lang="ru-RU"/>
@@ -862,6 +868,7 @@
           <a:p>
             <a:fld id="{30900FE3-C8F9-4E62-B63F-7D2782D3F2B4}" type="slidenum">
               <a:rPr lang="ru-RU" smtClean="0"/>
+              <a:pPr/>
               <a:t>13</a:t>
             </a:fld>
             <a:endParaRPr lang="ru-RU"/>
@@ -943,6 +950,7 @@
           <a:p>
             <a:fld id="{30900FE3-C8F9-4E62-B63F-7D2782D3F2B4}" type="slidenum">
               <a:rPr lang="ru-RU" smtClean="0"/>
+              <a:pPr/>
               <a:t>14</a:t>
             </a:fld>
             <a:endParaRPr lang="ru-RU"/>
@@ -1024,6 +1032,7 @@
           <a:p>
             <a:fld id="{30900FE3-C8F9-4E62-B63F-7D2782D3F2B4}" type="slidenum">
               <a:rPr lang="ru-RU" smtClean="0"/>
+              <a:pPr/>
               <a:t>15</a:t>
             </a:fld>
             <a:endParaRPr lang="ru-RU"/>
@@ -1105,6 +1114,7 @@
           <a:p>
             <a:fld id="{30900FE3-C8F9-4E62-B63F-7D2782D3F2B4}" type="slidenum">
               <a:rPr lang="ru-RU" smtClean="0"/>
+              <a:pPr/>
               <a:t>2</a:t>
             </a:fld>
             <a:endParaRPr lang="ru-RU"/>
@@ -1186,6 +1196,7 @@
           <a:p>
             <a:fld id="{30900FE3-C8F9-4E62-B63F-7D2782D3F2B4}" type="slidenum">
               <a:rPr lang="ru-RU" smtClean="0"/>
+              <a:pPr/>
               <a:t>3</a:t>
             </a:fld>
             <a:endParaRPr lang="ru-RU"/>
@@ -1267,6 +1278,7 @@
           <a:p>
             <a:fld id="{30900FE3-C8F9-4E62-B63F-7D2782D3F2B4}" type="slidenum">
               <a:rPr lang="ru-RU" smtClean="0"/>
+              <a:pPr/>
               <a:t>4</a:t>
             </a:fld>
             <a:endParaRPr lang="ru-RU"/>
@@ -1348,6 +1360,7 @@
           <a:p>
             <a:fld id="{30900FE3-C8F9-4E62-B63F-7D2782D3F2B4}" type="slidenum">
               <a:rPr lang="ru-RU" smtClean="0"/>
+              <a:pPr/>
               <a:t>5</a:t>
             </a:fld>
             <a:endParaRPr lang="ru-RU"/>
@@ -1429,6 +1442,7 @@
           <a:p>
             <a:fld id="{30900FE3-C8F9-4E62-B63F-7D2782D3F2B4}" type="slidenum">
               <a:rPr lang="ru-RU" smtClean="0"/>
+              <a:pPr/>
               <a:t>6</a:t>
             </a:fld>
             <a:endParaRPr lang="ru-RU"/>
@@ -1510,6 +1524,7 @@
           <a:p>
             <a:fld id="{30900FE3-C8F9-4E62-B63F-7D2782D3F2B4}" type="slidenum">
               <a:rPr lang="ru-RU" smtClean="0"/>
+              <a:pPr/>
               <a:t>7</a:t>
             </a:fld>
             <a:endParaRPr lang="ru-RU"/>
@@ -1591,6 +1606,7 @@
           <a:p>
             <a:fld id="{30900FE3-C8F9-4E62-B63F-7D2782D3F2B4}" type="slidenum">
               <a:rPr lang="ru-RU" smtClean="0"/>
+              <a:pPr/>
               <a:t>8</a:t>
             </a:fld>
             <a:endParaRPr lang="ru-RU"/>
@@ -1672,6 +1688,7 @@
           <a:p>
             <a:fld id="{30900FE3-C8F9-4E62-B63F-7D2782D3F2B4}" type="slidenum">
               <a:rPr lang="ru-RU" smtClean="0"/>
+              <a:pPr/>
               <a:t>9</a:t>
             </a:fld>
             <a:endParaRPr lang="ru-RU"/>
@@ -1824,7 +1841,7 @@
             <a:fld id="{0C35B86D-3FAF-4029-966F-3C83973A04B7}" type="datetimeFigureOut">
               <a:rPr lang="en-US" smtClean="0"/>
               <a:pPr/>
-              <a:t>2/20/2013</a:t>
+              <a:t>3/2/2013</a:t>
             </a:fld>
             <a:endParaRPr lang="en-US"/>
           </a:p>
@@ -2695,7 +2712,7 @@
             <a:fld id="{0C35B86D-3FAF-4029-966F-3C83973A04B7}" type="datetimeFigureOut">
               <a:rPr lang="en-US" smtClean="0"/>
               <a:pPr/>
-              <a:t>2/20/2013</a:t>
+              <a:t>3/2/2013</a:t>
             </a:fld>
             <a:endParaRPr lang="en-US"/>
           </a:p>
@@ -2872,7 +2889,7 @@
             <a:fld id="{0C35B86D-3FAF-4029-966F-3C83973A04B7}" type="datetimeFigureOut">
               <a:rPr lang="en-US" smtClean="0"/>
               <a:pPr/>
-              <a:t>2/20/2013</a:t>
+              <a:t>3/2/2013</a:t>
             </a:fld>
             <a:endParaRPr lang="en-US"/>
           </a:p>
@@ -3044,7 +3061,7 @@
             <a:fld id="{0C35B86D-3FAF-4029-966F-3C83973A04B7}" type="datetimeFigureOut">
               <a:rPr lang="en-US" smtClean="0"/>
               <a:pPr/>
-              <a:t>2/20/2013</a:t>
+              <a:t>3/2/2013</a:t>
             </a:fld>
             <a:endParaRPr lang="en-US"/>
           </a:p>
@@ -3256,7 +3273,7 @@
             <a:fld id="{0C35B86D-3FAF-4029-966F-3C83973A04B7}" type="datetimeFigureOut">
               <a:rPr lang="en-US" smtClean="0"/>
               <a:pPr/>
-              <a:t>2/20/2013</a:t>
+              <a:t>3/2/2013</a:t>
             </a:fld>
             <a:endParaRPr lang="en-US"/>
           </a:p>
@@ -4072,7 +4089,7 @@
             <a:fld id="{0C35B86D-3FAF-4029-966F-3C83973A04B7}" type="datetimeFigureOut">
               <a:rPr lang="en-US" smtClean="0"/>
               <a:pPr/>
-              <a:t>2/20/2013</a:t>
+              <a:t>3/2/2013</a:t>
             </a:fld>
             <a:endParaRPr lang="en-US"/>
           </a:p>
@@ -4310,7 +4327,7 @@
             <a:fld id="{0C35B86D-3FAF-4029-966F-3C83973A04B7}" type="datetimeFigureOut">
               <a:rPr lang="en-US" smtClean="0"/>
               <a:pPr/>
-              <a:t>2/20/2013</a:t>
+              <a:t>3/2/2013</a:t>
             </a:fld>
             <a:endParaRPr lang="en-US"/>
           </a:p>
@@ -4635,7 +4652,7 @@
             <a:fld id="{0C35B86D-3FAF-4029-966F-3C83973A04B7}" type="datetimeFigureOut">
               <a:rPr lang="en-US" smtClean="0"/>
               <a:pPr/>
-              <a:t>2/20/2013</a:t>
+              <a:t>3/2/2013</a:t>
             </a:fld>
             <a:endParaRPr lang="en-US"/>
           </a:p>
@@ -4727,7 +4744,7 @@
             <a:fld id="{0C35B86D-3FAF-4029-966F-3C83973A04B7}" type="datetimeFigureOut">
               <a:rPr lang="en-US" smtClean="0"/>
               <a:pPr/>
-              <a:t>2/20/2013</a:t>
+              <a:t>3/2/2013</a:t>
             </a:fld>
             <a:endParaRPr lang="en-US"/>
           </a:p>
@@ -5246,7 +5263,7 @@
             <a:fld id="{0C35B86D-3FAF-4029-966F-3C83973A04B7}" type="datetimeFigureOut">
               <a:rPr lang="en-US" smtClean="0"/>
               <a:pPr/>
-              <a:t>2/20/2013</a:t>
+              <a:t>3/2/2013</a:t>
             </a:fld>
             <a:endParaRPr lang="en-US"/>
           </a:p>
@@ -5759,7 +5776,7 @@
             <a:fld id="{0C35B86D-3FAF-4029-966F-3C83973A04B7}" type="datetimeFigureOut">
               <a:rPr lang="en-US" smtClean="0"/>
               <a:pPr/>
-              <a:t>2/20/2013</a:t>
+              <a:t>3/2/2013</a:t>
             </a:fld>
             <a:endParaRPr lang="en-US"/>
           </a:p>
@@ -6006,7 +6023,7 @@
             <a:fld id="{0C35B86D-3FAF-4029-966F-3C83973A04B7}" type="datetimeFigureOut">
               <a:rPr lang="en-US" smtClean="0"/>
               <a:pPr/>
-              <a:t>2/20/2013</a:t>
+              <a:t>3/2/2013</a:t>
             </a:fld>
             <a:endParaRPr lang="en-US"/>
           </a:p>
@@ -6630,7 +6647,7 @@
         </p:spPr>
         <p:txBody>
           <a:bodyPr>
-            <a:normAutofit/>
+            <a:normAutofit fontScale="90000"/>
           </a:bodyPr>
           <a:lstStyle/>
           <a:p>
@@ -6703,7 +6720,7 @@
         <p:spPr/>
         <p:txBody>
           <a:bodyPr>
-            <a:normAutofit/>
+            <a:normAutofit fontScale="90000"/>
           </a:bodyPr>
           <a:lstStyle/>
           <a:p>
@@ -6730,6 +6747,28 @@
           <a:bodyPr/>
           <a:lstStyle/>
           <a:p>
+            <a:r>
+              <a:rPr lang="bg-BG" dirty="0" smtClean="0"/>
+              <a:t>Подготовка на средата</a:t>
+            </a:r>
+          </a:p>
+          <a:p>
+            <a:pPr lvl="1"/>
+            <a:r>
+              <a:rPr lang="bg-BG" dirty="0" smtClean="0"/>
+              <a:t>Определяне на архитектурата от пространства </a:t>
+            </a:r>
+          </a:p>
+          <a:p>
+            <a:pPr lvl="1"/>
+            <a:r>
+              <a:rPr lang="bg-BG" dirty="0" smtClean="0"/>
+              <a:t>Създаване на изискванията, като ВО и работни задачи.</a:t>
+            </a:r>
+            <a:endParaRPr lang="bg-BG" smtClean="0"/>
+          </a:p>
+          <a:p>
+            <a:pPr lvl="1"/>
             <a:endParaRPr lang="bg-BG" dirty="0"/>
           </a:p>
         </p:txBody>
@@ -6778,11 +6817,7 @@
           <a:p>
             <a:r>
               <a:rPr lang="bg-BG" b="1" dirty="0" smtClean="0"/>
-              <a:t>Гл. 3.  </a:t>
-            </a:r>
-            <a:r>
-              <a:rPr lang="bg-BG" b="1" dirty="0" smtClean="0"/>
-              <a:t>Изследване на приложимостта на моделите</a:t>
+              <a:t>Гл. 3.  Изследване на приложимостта на моделите</a:t>
             </a:r>
             <a:endParaRPr lang="en-US" b="1" dirty="0"/>
           </a:p>
@@ -6906,7 +6941,7 @@
         <p:spPr/>
         <p:txBody>
           <a:bodyPr>
-            <a:normAutofit/>
+            <a:normAutofit lnSpcReduction="10000"/>
           </a:bodyPr>
           <a:lstStyle/>
           <a:p>
@@ -7185,7 +7220,7 @@
         <p:spPr/>
         <p:txBody>
           <a:bodyPr>
-            <a:normAutofit fontScale="77500" lnSpcReduction="20000"/>
+            <a:normAutofit fontScale="70000" lnSpcReduction="20000"/>
           </a:bodyPr>
           <a:lstStyle/>
           <a:p>
@@ -7720,11 +7755,7 @@
           <a:p>
             <a:r>
               <a:rPr lang="bg-BG" b="1" dirty="0" smtClean="0"/>
-              <a:t>Структура </a:t>
-            </a:r>
-            <a:r>
-              <a:rPr lang="bg-BG" b="1" dirty="0" smtClean="0"/>
-              <a:t>на дисертацията</a:t>
+              <a:t>Структура на дисертацията</a:t>
             </a:r>
             <a:endParaRPr lang="en-US" b="1" dirty="0"/>
           </a:p>
@@ -7887,7 +7918,7 @@
         </p:spPr>
         <p:txBody>
           <a:bodyPr>
-            <a:normAutofit/>
+            <a:normAutofit lnSpcReduction="10000"/>
           </a:bodyPr>
           <a:lstStyle/>
           <a:p>
@@ -7995,7 +8026,7 @@
         </p:spPr>
         <p:txBody>
           <a:bodyPr>
-            <a:normAutofit/>
+            <a:normAutofit fontScale="90000"/>
           </a:bodyPr>
           <a:lstStyle/>
           <a:p>
@@ -8495,19 +8526,7 @@
             <a:pPr algn="just"/>
             <a:r>
               <a:rPr lang="bg-BG" dirty="0" smtClean="0"/>
-              <a:t>Работна единица </a:t>
-            </a:r>
-            <a:r>
-              <a:rPr lang="bg-BG" dirty="0" smtClean="0"/>
-              <a:t>с</a:t>
-            </a:r>
-            <a:r>
-              <a:rPr lang="bg-BG" dirty="0" smtClean="0"/>
-              <a:t>е нарича съвкупността от дейности, която следва </a:t>
-            </a:r>
-            <a:r>
-              <a:rPr lang="bg-BG" dirty="0" smtClean="0"/>
-              <a:t>да се извърши.</a:t>
+              <a:t>Работна единица се нарича съвкупността от дейности, която следва да се извърши.</a:t>
             </a:r>
           </a:p>
           <a:p>
@@ -8526,15 +8545,7 @@
             <a:pPr lvl="1"/>
             <a:r>
               <a:rPr lang="bg-BG" dirty="0" smtClean="0"/>
-              <a:t>Настройване на средата за </a:t>
-            </a:r>
-            <a:r>
-              <a:rPr lang="bg-BG" dirty="0" smtClean="0"/>
-              <a:t>генериране </a:t>
-            </a:r>
-            <a:r>
-              <a:rPr lang="bg-BG" dirty="0" smtClean="0"/>
-              <a:t>на проследяващи събития</a:t>
+              <a:t>Настройване на средата за генериране на проследяващи събития</a:t>
             </a:r>
           </a:p>
           <a:p>
@@ -8555,31 +8566,7 @@
             <a:pPr lvl="1"/>
             <a:r>
               <a:rPr lang="bg-BG" dirty="0" smtClean="0"/>
-              <a:t>Прихващане на събития </a:t>
-            </a:r>
-            <a:r>
-              <a:rPr lang="bg-BG" dirty="0" smtClean="0"/>
-              <a:t>за извършена </a:t>
-            </a:r>
-            <a:r>
-              <a:rPr lang="bg-BG" dirty="0" smtClean="0"/>
-              <a:t>промяна </a:t>
-            </a:r>
-            <a:r>
-              <a:rPr lang="bg-BG" dirty="0" smtClean="0"/>
-              <a:t>над обект и </a:t>
-            </a:r>
-            <a:r>
-              <a:rPr lang="bg-BG" dirty="0" smtClean="0"/>
-              <a:t>автоматично създаване </a:t>
-            </a:r>
-            <a:r>
-              <a:rPr lang="bg-BG" dirty="0" smtClean="0"/>
-              <a:t>на проследяващи </a:t>
-            </a:r>
-            <a:r>
-              <a:rPr lang="bg-BG" dirty="0" smtClean="0"/>
-              <a:t>връзка(и).</a:t>
+              <a:t>Прихващане на събития за извършена промяна над обект и автоматично създаване на проследяващи връзка(и).</a:t>
             </a:r>
             <a:endParaRPr lang="en-US" dirty="0" smtClean="0"/>
           </a:p>
